--- a/2 семестр/англ/Презентация1.pptx
+++ b/2 семестр/англ/Презентация1.pptx
@@ -2,15 +2,16 @@
 <file path=ppt/presentation.xml><?xml version="1.0" encoding="utf-8"?>
 <p:presentation xmlns:a="http://schemas.openxmlformats.org/drawingml/2006/main" xmlns:r="http://schemas.openxmlformats.org/officeDocument/2006/relationships" xmlns:p="http://schemas.openxmlformats.org/presentationml/2006/main" saveSubsetFonts="1">
   <p:sldMasterIdLst>
-    <p:sldMasterId id="2147483648" r:id="rId1"/>
+    <p:sldMasterId id="2147483690" r:id="rId1"/>
   </p:sldMasterIdLst>
   <p:sldIdLst>
-    <p:sldId id="256" r:id="rId2"/>
-    <p:sldId id="257" r:id="rId3"/>
-    <p:sldId id="258" r:id="rId4"/>
-    <p:sldId id="259" r:id="rId5"/>
-    <p:sldId id="260" r:id="rId6"/>
-    <p:sldId id="261" r:id="rId7"/>
+    <p:sldId id="263" r:id="rId2"/>
+    <p:sldId id="256" r:id="rId3"/>
+    <p:sldId id="257" r:id="rId4"/>
+    <p:sldId id="258" r:id="rId5"/>
+    <p:sldId id="259" r:id="rId6"/>
+    <p:sldId id="260" r:id="rId7"/>
+    <p:sldId id="261" r:id="rId8"/>
   </p:sldIdLst>
   <p:sldSz cx="12192000" cy="6858000"/>
   <p:notesSz cx="6858000" cy="9144000"/>
@@ -109,6 +110,11 @@
       </a:defRPr>
     </a:lvl9pPr>
   </p:defaultTextStyle>
+  <p:extLst>
+    <p:ext uri="{EFAFB233-063F-42B5-8137-9DF3F51BA10A}">
+      <p15:sldGuideLst xmlns:p15="http://schemas.microsoft.com/office/powerpoint/2012/main"/>
+    </p:ext>
+  </p:extLst>
 </p:presentation>
 </file>
 
@@ -131,7 +137,7 @@
       </p:grpSpPr>
       <p:sp>
         <p:nvSpPr>
-          <p:cNvPr id="2" name="Заголовок 1"/>
+          <p:cNvPr id="2" name="Title 1"/>
           <p:cNvSpPr>
             <a:spLocks noGrp="1"/>
           </p:cNvSpPr>
@@ -141,15 +147,17 @@
         </p:nvSpPr>
         <p:spPr>
           <a:xfrm>
-            <a:off x="1524000" y="1122363"/>
-            <a:ext cx="9144000" cy="2387600"/>
-          </a:xfrm>
-        </p:spPr>
-        <p:txBody>
-          <a:bodyPr anchor="b"/>
+            <a:off x="1595269" y="1122363"/>
+            <a:ext cx="9001462" cy="2387600"/>
+          </a:xfrm>
+        </p:spPr>
+        <p:txBody>
+          <a:bodyPr anchor="b">
+            <a:normAutofit/>
+          </a:bodyPr>
           <a:lstStyle>
             <a:lvl1pPr algn="ctr">
-              <a:defRPr sz="6000"/>
+              <a:defRPr sz="4800"/>
             </a:lvl1pPr>
           </a:lstStyle>
           <a:p>
@@ -157,13 +165,13 @@
               <a:rPr lang="ru-RU" smtClean="0"/>
               <a:t>Образец заголовка</a:t>
             </a:r>
-            <a:endParaRPr lang="ru-RU"/>
-          </a:p>
-        </p:txBody>
-      </p:sp>
-      <p:sp>
-        <p:nvSpPr>
-          <p:cNvPr id="3" name="Подзаголовок 2"/>
+            <a:endParaRPr lang="en-US" dirty="0"/>
+          </a:p>
+        </p:txBody>
+      </p:sp>
+      <p:sp>
+        <p:nvSpPr>
+          <p:cNvPr id="3" name="Subtitle 2"/>
           <p:cNvSpPr>
             <a:spLocks noGrp="1"/>
           </p:cNvSpPr>
@@ -173,8 +181,8 @@
         </p:nvSpPr>
         <p:spPr>
           <a:xfrm>
-            <a:off x="1524000" y="3602038"/>
-            <a:ext cx="9144000" cy="1655762"/>
+            <a:off x="1595269" y="3602038"/>
+            <a:ext cx="9001462" cy="1655762"/>
           </a:xfrm>
         </p:spPr>
         <p:txBody>
@@ -222,13 +230,13 @@
               <a:rPr lang="ru-RU" smtClean="0"/>
               <a:t>Образец подзаголовка</a:t>
             </a:r>
-            <a:endParaRPr lang="ru-RU"/>
-          </a:p>
-        </p:txBody>
-      </p:sp>
-      <p:sp>
-        <p:nvSpPr>
-          <p:cNvPr id="4" name="Дата 3"/>
+            <a:endParaRPr lang="en-US" dirty="0"/>
+          </a:p>
+        </p:txBody>
+      </p:sp>
+      <p:sp>
+        <p:nvSpPr>
+          <p:cNvPr id="4" name="Date Placeholder 3"/>
           <p:cNvSpPr>
             <a:spLocks noGrp="1"/>
           </p:cNvSpPr>
@@ -243,7 +251,7 @@
           <a:p>
             <a:fld id="{5C592379-A7E8-405E-B755-9577B6DC0DD7}" type="datetimeFigureOut">
               <a:rPr lang="ru-RU" smtClean="0"/>
-              <a:t>25.11.2024</a:t>
+              <a:t>16.12.2024</a:t>
             </a:fld>
             <a:endParaRPr lang="ru-RU"/>
           </a:p>
@@ -251,7 +259,7 @@
       </p:sp>
       <p:sp>
         <p:nvSpPr>
-          <p:cNvPr id="5" name="Нижний колонтитул 4"/>
+          <p:cNvPr id="5" name="Footer Placeholder 4"/>
           <p:cNvSpPr>
             <a:spLocks noGrp="1"/>
           </p:cNvSpPr>
@@ -270,7 +278,7 @@
       </p:sp>
       <p:sp>
         <p:nvSpPr>
-          <p:cNvPr id="6" name="Номер слайда 5"/>
+          <p:cNvPr id="6" name="Slide Number Placeholder 5"/>
           <p:cNvSpPr>
             <a:spLocks noGrp="1"/>
           </p:cNvSpPr>
@@ -294,7 +302,7 @@
     </p:spTree>
     <p:extLst>
       <p:ext uri="{BB962C8B-B14F-4D97-AF65-F5344CB8AC3E}">
-        <p14:creationId xmlns:p14="http://schemas.microsoft.com/office/powerpoint/2010/main" val="939677145"/>
+        <p14:creationId xmlns:p14="http://schemas.microsoft.com/office/powerpoint/2010/main" val="4269868930"/>
       </p:ext>
     </p:extLst>
   </p:cSld>
@@ -305,6 +313,2556 @@
 </file>
 
 <file path=ppt/slideLayouts/slideLayout10.xml><?xml version="1.0" encoding="utf-8"?>
+<p:sldLayout xmlns:a="http://schemas.openxmlformats.org/drawingml/2006/main" xmlns:r="http://schemas.openxmlformats.org/officeDocument/2006/relationships" xmlns:p="http://schemas.openxmlformats.org/presentationml/2006/main" preserve="1">
+  <p:cSld name="Панорамная фотография с подписью">
+    <p:spTree>
+      <p:nvGrpSpPr>
+        <p:cNvPr id="1" name=""/>
+        <p:cNvGrpSpPr/>
+        <p:nvPr/>
+      </p:nvGrpSpPr>
+      <p:grpSpPr>
+        <a:xfrm>
+          <a:off x="0" y="0"/>
+          <a:ext cx="0" cy="0"/>
+          <a:chOff x="0" y="0"/>
+          <a:chExt cx="0" cy="0"/>
+        </a:xfrm>
+      </p:grpSpPr>
+      <p:sp>
+        <p:nvSpPr>
+          <p:cNvPr id="2" name="Title 1"/>
+          <p:cNvSpPr>
+            <a:spLocks noGrp="1"/>
+          </p:cNvSpPr>
+          <p:nvPr>
+            <p:ph type="title"/>
+          </p:nvPr>
+        </p:nvSpPr>
+        <p:spPr>
+          <a:xfrm>
+            <a:off x="913806" y="4289372"/>
+            <a:ext cx="10367564" cy="819355"/>
+          </a:xfrm>
+        </p:spPr>
+        <p:txBody>
+          <a:bodyPr anchor="b">
+            <a:normAutofit/>
+          </a:bodyPr>
+          <a:lstStyle>
+            <a:lvl1pPr>
+              <a:defRPr sz="2800"/>
+            </a:lvl1pPr>
+          </a:lstStyle>
+          <a:p>
+            <a:r>
+              <a:rPr lang="ru-RU" smtClean="0"/>
+              <a:t>Образец заголовка</a:t>
+            </a:r>
+            <a:endParaRPr lang="en-US" dirty="0"/>
+          </a:p>
+        </p:txBody>
+      </p:sp>
+      <p:sp>
+        <p:nvSpPr>
+          <p:cNvPr id="3" name="Picture Placeholder 2"/>
+          <p:cNvSpPr>
+            <a:spLocks noGrp="1" noChangeAspect="1"/>
+          </p:cNvSpPr>
+          <p:nvPr>
+            <p:ph type="pic" idx="1"/>
+          </p:nvPr>
+        </p:nvSpPr>
+        <p:spPr>
+          <a:xfrm>
+            <a:off x="913806" y="621321"/>
+            <a:ext cx="10367564" cy="3379735"/>
+          </a:xfrm>
+          <a:noFill/>
+          <a:ln w="190500" cap="sq">
+            <a:solidFill>
+              <a:srgbClr val="FFFFFF"/>
+            </a:solidFill>
+            <a:miter lim="800000"/>
+          </a:ln>
+          <a:effectLst>
+            <a:outerShdw blurRad="55000" dist="18000" dir="5400000" algn="tl" rotWithShape="0">
+              <a:srgbClr val="000000">
+                <a:alpha val="40000"/>
+              </a:srgbClr>
+            </a:outerShdw>
+          </a:effectLst>
+          <a:scene3d>
+            <a:camera prst="orthographicFront"/>
+            <a:lightRig rig="twoPt" dir="t">
+              <a:rot lat="0" lon="0" rev="7200000"/>
+            </a:lightRig>
+          </a:scene3d>
+          <a:sp3d>
+            <a:bevelT w="25400" h="19050"/>
+            <a:contourClr>
+              <a:srgbClr val="FFFFFF"/>
+            </a:contourClr>
+          </a:sp3d>
+        </p:spPr>
+        <p:txBody>
+          <a:bodyPr anchor="t"/>
+          <a:lstStyle>
+            <a:lvl1pPr marL="0" indent="0" algn="ctr">
+              <a:buNone/>
+              <a:defRPr sz="3200"/>
+            </a:lvl1pPr>
+            <a:lvl2pPr marL="457200" indent="0">
+              <a:buNone/>
+              <a:defRPr sz="2800"/>
+            </a:lvl2pPr>
+            <a:lvl3pPr marL="914400" indent="0">
+              <a:buNone/>
+              <a:defRPr sz="2400"/>
+            </a:lvl3pPr>
+            <a:lvl4pPr marL="1371600" indent="0">
+              <a:buNone/>
+              <a:defRPr sz="2000"/>
+            </a:lvl4pPr>
+            <a:lvl5pPr marL="1828800" indent="0">
+              <a:buNone/>
+              <a:defRPr sz="2000"/>
+            </a:lvl5pPr>
+            <a:lvl6pPr marL="2286000" indent="0">
+              <a:buNone/>
+              <a:defRPr sz="2000"/>
+            </a:lvl6pPr>
+            <a:lvl7pPr marL="2743200" indent="0">
+              <a:buNone/>
+              <a:defRPr sz="2000"/>
+            </a:lvl7pPr>
+            <a:lvl8pPr marL="3200400" indent="0">
+              <a:buNone/>
+              <a:defRPr sz="2000"/>
+            </a:lvl8pPr>
+            <a:lvl9pPr marL="3657600" indent="0">
+              <a:buNone/>
+              <a:defRPr sz="2000"/>
+            </a:lvl9pPr>
+          </a:lstStyle>
+          <a:p>
+            <a:r>
+              <a:rPr lang="ru-RU" smtClean="0"/>
+              <a:t>Вставка рисунка</a:t>
+            </a:r>
+            <a:endParaRPr lang="en-US" dirty="0"/>
+          </a:p>
+        </p:txBody>
+      </p:sp>
+      <p:sp>
+        <p:nvSpPr>
+          <p:cNvPr id="4" name="Text Placeholder 3"/>
+          <p:cNvSpPr>
+            <a:spLocks noGrp="1"/>
+          </p:cNvSpPr>
+          <p:nvPr>
+            <p:ph type="body" sz="half" idx="2"/>
+          </p:nvPr>
+        </p:nvSpPr>
+        <p:spPr>
+          <a:xfrm>
+            <a:off x="913795" y="5108728"/>
+            <a:ext cx="10365998" cy="682472"/>
+          </a:xfrm>
+        </p:spPr>
+        <p:txBody>
+          <a:bodyPr>
+            <a:normAutofit/>
+          </a:bodyPr>
+          <a:lstStyle>
+            <a:lvl1pPr marL="0" indent="0" algn="ctr">
+              <a:buNone/>
+              <a:defRPr sz="1800"/>
+            </a:lvl1pPr>
+            <a:lvl2pPr marL="457200" indent="0">
+              <a:buNone/>
+              <a:defRPr sz="1400"/>
+            </a:lvl2pPr>
+            <a:lvl3pPr marL="914400" indent="0">
+              <a:buNone/>
+              <a:defRPr sz="1200"/>
+            </a:lvl3pPr>
+            <a:lvl4pPr marL="1371600" indent="0">
+              <a:buNone/>
+              <a:defRPr sz="1000"/>
+            </a:lvl4pPr>
+            <a:lvl5pPr marL="1828800" indent="0">
+              <a:buNone/>
+              <a:defRPr sz="1000"/>
+            </a:lvl5pPr>
+            <a:lvl6pPr marL="2286000" indent="0">
+              <a:buNone/>
+              <a:defRPr sz="1000"/>
+            </a:lvl6pPr>
+            <a:lvl7pPr marL="2743200" indent="0">
+              <a:buNone/>
+              <a:defRPr sz="1000"/>
+            </a:lvl7pPr>
+            <a:lvl8pPr marL="3200400" indent="0">
+              <a:buNone/>
+              <a:defRPr sz="1000"/>
+            </a:lvl8pPr>
+            <a:lvl9pPr marL="3657600" indent="0">
+              <a:buNone/>
+              <a:defRPr sz="1000"/>
+            </a:lvl9pPr>
+          </a:lstStyle>
+          <a:p>
+            <a:pPr lvl="0"/>
+            <a:r>
+              <a:rPr lang="ru-RU" smtClean="0"/>
+              <a:t>Образец текста</a:t>
+            </a:r>
+          </a:p>
+        </p:txBody>
+      </p:sp>
+      <p:sp>
+        <p:nvSpPr>
+          <p:cNvPr id="5" name="Date Placeholder 4"/>
+          <p:cNvSpPr>
+            <a:spLocks noGrp="1"/>
+          </p:cNvSpPr>
+          <p:nvPr>
+            <p:ph type="dt" sz="half" idx="10"/>
+          </p:nvPr>
+        </p:nvSpPr>
+        <p:spPr/>
+        <p:txBody>
+          <a:bodyPr/>
+          <a:lstStyle/>
+          <a:p>
+            <a:fld id="{5C592379-A7E8-405E-B755-9577B6DC0DD7}" type="datetimeFigureOut">
+              <a:rPr lang="ru-RU" smtClean="0"/>
+              <a:t>16.12.2024</a:t>
+            </a:fld>
+            <a:endParaRPr lang="ru-RU"/>
+          </a:p>
+        </p:txBody>
+      </p:sp>
+      <p:sp>
+        <p:nvSpPr>
+          <p:cNvPr id="6" name="Footer Placeholder 5"/>
+          <p:cNvSpPr>
+            <a:spLocks noGrp="1"/>
+          </p:cNvSpPr>
+          <p:nvPr>
+            <p:ph type="ftr" sz="quarter" idx="11"/>
+          </p:nvPr>
+        </p:nvSpPr>
+        <p:spPr/>
+        <p:txBody>
+          <a:bodyPr/>
+          <a:lstStyle/>
+          <a:p>
+            <a:endParaRPr lang="ru-RU"/>
+          </a:p>
+        </p:txBody>
+      </p:sp>
+      <p:sp>
+        <p:nvSpPr>
+          <p:cNvPr id="7" name="Slide Number Placeholder 6"/>
+          <p:cNvSpPr>
+            <a:spLocks noGrp="1"/>
+          </p:cNvSpPr>
+          <p:nvPr>
+            <p:ph type="sldNum" sz="quarter" idx="12"/>
+          </p:nvPr>
+        </p:nvSpPr>
+        <p:spPr/>
+        <p:txBody>
+          <a:bodyPr/>
+          <a:lstStyle/>
+          <a:p>
+            <a:fld id="{BD2B9FBE-D97B-4608-83A9-FBFC9D49D552}" type="slidenum">
+              <a:rPr lang="ru-RU" smtClean="0"/>
+              <a:t>‹#›</a:t>
+            </a:fld>
+            <a:endParaRPr lang="ru-RU"/>
+          </a:p>
+        </p:txBody>
+      </p:sp>
+    </p:spTree>
+    <p:extLst>
+      <p:ext uri="{BB962C8B-B14F-4D97-AF65-F5344CB8AC3E}">
+        <p14:creationId xmlns:p14="http://schemas.microsoft.com/office/powerpoint/2010/main" val="2567963631"/>
+      </p:ext>
+    </p:extLst>
+  </p:cSld>
+  <p:clrMapOvr>
+    <a:masterClrMapping/>
+  </p:clrMapOvr>
+</p:sldLayout>
+</file>
+
+<file path=ppt/slideLayouts/slideLayout11.xml><?xml version="1.0" encoding="utf-8"?>
+<p:sldLayout xmlns:a="http://schemas.openxmlformats.org/drawingml/2006/main" xmlns:r="http://schemas.openxmlformats.org/officeDocument/2006/relationships" xmlns:p="http://schemas.openxmlformats.org/presentationml/2006/main" preserve="1">
+  <p:cSld name="Заголовок и подпись">
+    <p:spTree>
+      <p:nvGrpSpPr>
+        <p:cNvPr id="1" name=""/>
+        <p:cNvGrpSpPr/>
+        <p:nvPr/>
+      </p:nvGrpSpPr>
+      <p:grpSpPr>
+        <a:xfrm>
+          <a:off x="0" y="0"/>
+          <a:ext cx="0" cy="0"/>
+          <a:chOff x="0" y="0"/>
+          <a:chExt cx="0" cy="0"/>
+        </a:xfrm>
+      </p:grpSpPr>
+      <p:sp>
+        <p:nvSpPr>
+          <p:cNvPr id="2" name="Title 1"/>
+          <p:cNvSpPr>
+            <a:spLocks noGrp="1"/>
+          </p:cNvSpPr>
+          <p:nvPr>
+            <p:ph type="title"/>
+          </p:nvPr>
+        </p:nvSpPr>
+        <p:spPr>
+          <a:xfrm>
+            <a:off x="913795" y="609600"/>
+            <a:ext cx="10353762" cy="3424859"/>
+          </a:xfrm>
+        </p:spPr>
+        <p:txBody>
+          <a:bodyPr anchor="ctr"/>
+          <a:lstStyle>
+            <a:lvl1pPr>
+              <a:defRPr sz="3200"/>
+            </a:lvl1pPr>
+          </a:lstStyle>
+          <a:p>
+            <a:r>
+              <a:rPr lang="ru-RU" smtClean="0"/>
+              <a:t>Образец заголовка</a:t>
+            </a:r>
+            <a:endParaRPr lang="en-US" dirty="0"/>
+          </a:p>
+        </p:txBody>
+      </p:sp>
+      <p:sp>
+        <p:nvSpPr>
+          <p:cNvPr id="4" name="Text Placeholder 3"/>
+          <p:cNvSpPr>
+            <a:spLocks noGrp="1"/>
+          </p:cNvSpPr>
+          <p:nvPr>
+            <p:ph type="body" sz="half" idx="2"/>
+          </p:nvPr>
+        </p:nvSpPr>
+        <p:spPr>
+          <a:xfrm>
+            <a:off x="913795" y="4204820"/>
+            <a:ext cx="10353761" cy="1592186"/>
+          </a:xfrm>
+        </p:spPr>
+        <p:txBody>
+          <a:bodyPr anchor="ctr"/>
+          <a:lstStyle>
+            <a:lvl1pPr marL="0" indent="0" algn="ctr">
+              <a:buNone/>
+              <a:defRPr sz="1600"/>
+            </a:lvl1pPr>
+            <a:lvl2pPr marL="457200" indent="0">
+              <a:buNone/>
+              <a:defRPr sz="1400"/>
+            </a:lvl2pPr>
+            <a:lvl3pPr marL="914400" indent="0">
+              <a:buNone/>
+              <a:defRPr sz="1200"/>
+            </a:lvl3pPr>
+            <a:lvl4pPr marL="1371600" indent="0">
+              <a:buNone/>
+              <a:defRPr sz="1000"/>
+            </a:lvl4pPr>
+            <a:lvl5pPr marL="1828800" indent="0">
+              <a:buNone/>
+              <a:defRPr sz="1000"/>
+            </a:lvl5pPr>
+            <a:lvl6pPr marL="2286000" indent="0">
+              <a:buNone/>
+              <a:defRPr sz="1000"/>
+            </a:lvl6pPr>
+            <a:lvl7pPr marL="2743200" indent="0">
+              <a:buNone/>
+              <a:defRPr sz="1000"/>
+            </a:lvl7pPr>
+            <a:lvl8pPr marL="3200400" indent="0">
+              <a:buNone/>
+              <a:defRPr sz="1000"/>
+            </a:lvl8pPr>
+            <a:lvl9pPr marL="3657600" indent="0">
+              <a:buNone/>
+              <a:defRPr sz="1000"/>
+            </a:lvl9pPr>
+          </a:lstStyle>
+          <a:p>
+            <a:pPr lvl="0"/>
+            <a:r>
+              <a:rPr lang="ru-RU" smtClean="0"/>
+              <a:t>Образец текста</a:t>
+            </a:r>
+          </a:p>
+        </p:txBody>
+      </p:sp>
+      <p:sp>
+        <p:nvSpPr>
+          <p:cNvPr id="5" name="Date Placeholder 4"/>
+          <p:cNvSpPr>
+            <a:spLocks noGrp="1"/>
+          </p:cNvSpPr>
+          <p:nvPr>
+            <p:ph type="dt" sz="half" idx="10"/>
+          </p:nvPr>
+        </p:nvSpPr>
+        <p:spPr/>
+        <p:txBody>
+          <a:bodyPr/>
+          <a:lstStyle/>
+          <a:p>
+            <a:fld id="{5C592379-A7E8-405E-B755-9577B6DC0DD7}" type="datetimeFigureOut">
+              <a:rPr lang="ru-RU" smtClean="0"/>
+              <a:t>16.12.2024</a:t>
+            </a:fld>
+            <a:endParaRPr lang="ru-RU"/>
+          </a:p>
+        </p:txBody>
+      </p:sp>
+      <p:sp>
+        <p:nvSpPr>
+          <p:cNvPr id="6" name="Footer Placeholder 5"/>
+          <p:cNvSpPr>
+            <a:spLocks noGrp="1"/>
+          </p:cNvSpPr>
+          <p:nvPr>
+            <p:ph type="ftr" sz="quarter" idx="11"/>
+          </p:nvPr>
+        </p:nvSpPr>
+        <p:spPr/>
+        <p:txBody>
+          <a:bodyPr/>
+          <a:lstStyle/>
+          <a:p>
+            <a:endParaRPr lang="ru-RU"/>
+          </a:p>
+        </p:txBody>
+      </p:sp>
+      <p:sp>
+        <p:nvSpPr>
+          <p:cNvPr id="7" name="Slide Number Placeholder 6"/>
+          <p:cNvSpPr>
+            <a:spLocks noGrp="1"/>
+          </p:cNvSpPr>
+          <p:nvPr>
+            <p:ph type="sldNum" sz="quarter" idx="12"/>
+          </p:nvPr>
+        </p:nvSpPr>
+        <p:spPr/>
+        <p:txBody>
+          <a:bodyPr/>
+          <a:lstStyle/>
+          <a:p>
+            <a:fld id="{BD2B9FBE-D97B-4608-83A9-FBFC9D49D552}" type="slidenum">
+              <a:rPr lang="ru-RU" smtClean="0"/>
+              <a:t>‹#›</a:t>
+            </a:fld>
+            <a:endParaRPr lang="ru-RU"/>
+          </a:p>
+        </p:txBody>
+      </p:sp>
+    </p:spTree>
+    <p:extLst>
+      <p:ext uri="{BB962C8B-B14F-4D97-AF65-F5344CB8AC3E}">
+        <p14:creationId xmlns:p14="http://schemas.microsoft.com/office/powerpoint/2010/main" val="731977341"/>
+      </p:ext>
+    </p:extLst>
+  </p:cSld>
+  <p:clrMapOvr>
+    <a:masterClrMapping/>
+  </p:clrMapOvr>
+</p:sldLayout>
+</file>
+
+<file path=ppt/slideLayouts/slideLayout12.xml><?xml version="1.0" encoding="utf-8"?>
+<p:sldLayout xmlns:a="http://schemas.openxmlformats.org/drawingml/2006/main" xmlns:r="http://schemas.openxmlformats.org/officeDocument/2006/relationships" xmlns:p="http://schemas.openxmlformats.org/presentationml/2006/main" preserve="1">
+  <p:cSld name="Цитата с подписью">
+    <p:spTree>
+      <p:nvGrpSpPr>
+        <p:cNvPr id="1" name=""/>
+        <p:cNvGrpSpPr/>
+        <p:nvPr/>
+      </p:nvGrpSpPr>
+      <p:grpSpPr>
+        <a:xfrm>
+          <a:off x="0" y="0"/>
+          <a:ext cx="0" cy="0"/>
+          <a:chOff x="0" y="0"/>
+          <a:chExt cx="0" cy="0"/>
+        </a:xfrm>
+      </p:grpSpPr>
+      <p:sp>
+        <p:nvSpPr>
+          <p:cNvPr id="2" name="Title 1"/>
+          <p:cNvSpPr>
+            <a:spLocks noGrp="1"/>
+          </p:cNvSpPr>
+          <p:nvPr>
+            <p:ph type="title"/>
+          </p:nvPr>
+        </p:nvSpPr>
+        <p:spPr>
+          <a:xfrm>
+            <a:off x="1446212" y="609600"/>
+            <a:ext cx="9302752" cy="2992904"/>
+          </a:xfrm>
+        </p:spPr>
+        <p:txBody>
+          <a:bodyPr anchor="ctr"/>
+          <a:lstStyle>
+            <a:lvl1pPr>
+              <a:defRPr sz="3200"/>
+            </a:lvl1pPr>
+          </a:lstStyle>
+          <a:p>
+            <a:r>
+              <a:rPr lang="ru-RU" smtClean="0"/>
+              <a:t>Образец заголовка</a:t>
+            </a:r>
+            <a:endParaRPr lang="en-US" dirty="0"/>
+          </a:p>
+        </p:txBody>
+      </p:sp>
+      <p:sp>
+        <p:nvSpPr>
+          <p:cNvPr id="12" name="Text Placeholder 3"/>
+          <p:cNvSpPr>
+            <a:spLocks noGrp="1"/>
+          </p:cNvSpPr>
+          <p:nvPr>
+            <p:ph type="body" sz="half" idx="13"/>
+          </p:nvPr>
+        </p:nvSpPr>
+        <p:spPr>
+          <a:xfrm>
+            <a:off x="1720644" y="3610032"/>
+            <a:ext cx="8752299" cy="426812"/>
+          </a:xfrm>
+        </p:spPr>
+        <p:txBody>
+          <a:bodyPr anchor="t">
+            <a:normAutofit/>
+          </a:bodyPr>
+          <a:lstStyle>
+            <a:lvl1pPr marL="0" indent="0" algn="r">
+              <a:buNone/>
+              <a:defRPr sz="1400"/>
+            </a:lvl1pPr>
+            <a:lvl2pPr marL="457200" indent="0">
+              <a:buNone/>
+              <a:defRPr sz="1400"/>
+            </a:lvl2pPr>
+            <a:lvl3pPr marL="914400" indent="0">
+              <a:buNone/>
+              <a:defRPr sz="1200"/>
+            </a:lvl3pPr>
+            <a:lvl4pPr marL="1371600" indent="0">
+              <a:buNone/>
+              <a:defRPr sz="1000"/>
+            </a:lvl4pPr>
+            <a:lvl5pPr marL="1828800" indent="0">
+              <a:buNone/>
+              <a:defRPr sz="1000"/>
+            </a:lvl5pPr>
+            <a:lvl6pPr marL="2286000" indent="0">
+              <a:buNone/>
+              <a:defRPr sz="1000"/>
+            </a:lvl6pPr>
+            <a:lvl7pPr marL="2743200" indent="0">
+              <a:buNone/>
+              <a:defRPr sz="1000"/>
+            </a:lvl7pPr>
+            <a:lvl8pPr marL="3200400" indent="0">
+              <a:buNone/>
+              <a:defRPr sz="1000"/>
+            </a:lvl8pPr>
+            <a:lvl9pPr marL="3657600" indent="0">
+              <a:buNone/>
+              <a:defRPr sz="1000"/>
+            </a:lvl9pPr>
+          </a:lstStyle>
+          <a:p>
+            <a:pPr lvl="0"/>
+            <a:r>
+              <a:rPr lang="ru-RU" smtClean="0"/>
+              <a:t>Образец текста</a:t>
+            </a:r>
+          </a:p>
+        </p:txBody>
+      </p:sp>
+      <p:sp>
+        <p:nvSpPr>
+          <p:cNvPr id="4" name="Text Placeholder 3"/>
+          <p:cNvSpPr>
+            <a:spLocks noGrp="1"/>
+          </p:cNvSpPr>
+          <p:nvPr>
+            <p:ph type="body" sz="half" idx="2"/>
+          </p:nvPr>
+        </p:nvSpPr>
+        <p:spPr>
+          <a:xfrm>
+            <a:off x="913794" y="4204821"/>
+            <a:ext cx="10353762" cy="1586380"/>
+          </a:xfrm>
+        </p:spPr>
+        <p:txBody>
+          <a:bodyPr anchor="ctr">
+            <a:normAutofit/>
+          </a:bodyPr>
+          <a:lstStyle>
+            <a:lvl1pPr marL="0" indent="0" algn="ctr">
+              <a:buNone/>
+              <a:defRPr sz="1600"/>
+            </a:lvl1pPr>
+            <a:lvl2pPr marL="457200" indent="0">
+              <a:buNone/>
+              <a:defRPr sz="1400"/>
+            </a:lvl2pPr>
+            <a:lvl3pPr marL="914400" indent="0">
+              <a:buNone/>
+              <a:defRPr sz="1200"/>
+            </a:lvl3pPr>
+            <a:lvl4pPr marL="1371600" indent="0">
+              <a:buNone/>
+              <a:defRPr sz="1000"/>
+            </a:lvl4pPr>
+            <a:lvl5pPr marL="1828800" indent="0">
+              <a:buNone/>
+              <a:defRPr sz="1000"/>
+            </a:lvl5pPr>
+            <a:lvl6pPr marL="2286000" indent="0">
+              <a:buNone/>
+              <a:defRPr sz="1000"/>
+            </a:lvl6pPr>
+            <a:lvl7pPr marL="2743200" indent="0">
+              <a:buNone/>
+              <a:defRPr sz="1000"/>
+            </a:lvl7pPr>
+            <a:lvl8pPr marL="3200400" indent="0">
+              <a:buNone/>
+              <a:defRPr sz="1000"/>
+            </a:lvl8pPr>
+            <a:lvl9pPr marL="3657600" indent="0">
+              <a:buNone/>
+              <a:defRPr sz="1000"/>
+            </a:lvl9pPr>
+          </a:lstStyle>
+          <a:p>
+            <a:pPr lvl="0"/>
+            <a:r>
+              <a:rPr lang="ru-RU" smtClean="0"/>
+              <a:t>Образец текста</a:t>
+            </a:r>
+          </a:p>
+        </p:txBody>
+      </p:sp>
+      <p:sp>
+        <p:nvSpPr>
+          <p:cNvPr id="5" name="Date Placeholder 4"/>
+          <p:cNvSpPr>
+            <a:spLocks noGrp="1"/>
+          </p:cNvSpPr>
+          <p:nvPr>
+            <p:ph type="dt" sz="half" idx="10"/>
+          </p:nvPr>
+        </p:nvSpPr>
+        <p:spPr/>
+        <p:txBody>
+          <a:bodyPr/>
+          <a:lstStyle/>
+          <a:p>
+            <a:fld id="{5C592379-A7E8-405E-B755-9577B6DC0DD7}" type="datetimeFigureOut">
+              <a:rPr lang="ru-RU" smtClean="0"/>
+              <a:t>16.12.2024</a:t>
+            </a:fld>
+            <a:endParaRPr lang="ru-RU"/>
+          </a:p>
+        </p:txBody>
+      </p:sp>
+      <p:sp>
+        <p:nvSpPr>
+          <p:cNvPr id="6" name="Footer Placeholder 5"/>
+          <p:cNvSpPr>
+            <a:spLocks noGrp="1"/>
+          </p:cNvSpPr>
+          <p:nvPr>
+            <p:ph type="ftr" sz="quarter" idx="11"/>
+          </p:nvPr>
+        </p:nvSpPr>
+        <p:spPr/>
+        <p:txBody>
+          <a:bodyPr/>
+          <a:lstStyle/>
+          <a:p>
+            <a:endParaRPr lang="ru-RU"/>
+          </a:p>
+        </p:txBody>
+      </p:sp>
+      <p:sp>
+        <p:nvSpPr>
+          <p:cNvPr id="7" name="Slide Number Placeholder 6"/>
+          <p:cNvSpPr>
+            <a:spLocks noGrp="1"/>
+          </p:cNvSpPr>
+          <p:nvPr>
+            <p:ph type="sldNum" sz="quarter" idx="12"/>
+          </p:nvPr>
+        </p:nvSpPr>
+        <p:spPr/>
+        <p:txBody>
+          <a:bodyPr/>
+          <a:lstStyle/>
+          <a:p>
+            <a:fld id="{BD2B9FBE-D97B-4608-83A9-FBFC9D49D552}" type="slidenum">
+              <a:rPr lang="ru-RU" smtClean="0"/>
+              <a:t>‹#›</a:t>
+            </a:fld>
+            <a:endParaRPr lang="ru-RU"/>
+          </a:p>
+        </p:txBody>
+      </p:sp>
+      <p:sp>
+        <p:nvSpPr>
+          <p:cNvPr id="11" name="TextBox 10"/>
+          <p:cNvSpPr txBox="1"/>
+          <p:nvPr/>
+        </p:nvSpPr>
+        <p:spPr>
+          <a:xfrm>
+            <a:off x="836612" y="735241"/>
+            <a:ext cx="609600" cy="584776"/>
+          </a:xfrm>
+          <a:prstGeom prst="rect">
+            <a:avLst/>
+          </a:prstGeom>
+        </p:spPr>
+        <p:txBody>
+          <a:bodyPr vert="horz" lIns="91440" tIns="45720" rIns="91440" bIns="45720" rtlCol="0" anchor="ctr">
+            <a:noAutofit/>
+          </a:bodyPr>
+          <a:lstStyle>
+            <a:lvl1pPr>
+              <a:spcBef>
+                <a:spcPct val="0"/>
+              </a:spcBef>
+              <a:buNone/>
+              <a:defRPr sz="3200" b="0" cap="all">
+                <a:ln w="3175" cmpd="sng">
+                  <a:noFill/>
+                </a:ln>
+                <a:effectLst>
+                  <a:glow rad="38100">
+                    <a:schemeClr val="bg1">
+                      <a:lumMod val="65000"/>
+                      <a:lumOff val="35000"/>
+                      <a:alpha val="40000"/>
+                    </a:schemeClr>
+                  </a:glow>
+                  <a:outerShdw blurRad="28575" dist="38100" dir="14040000" algn="tl" rotWithShape="0">
+                    <a:srgbClr val="000000">
+                      <a:alpha val="25000"/>
+                    </a:srgbClr>
+                  </a:outerShdw>
+                </a:effectLst>
+              </a:defRPr>
+            </a:lvl1pPr>
+            <a:lvl2pPr>
+              <a:defRPr>
+                <a:solidFill>
+                  <a:schemeClr val="tx2"/>
+                </a:solidFill>
+              </a:defRPr>
+            </a:lvl2pPr>
+            <a:lvl3pPr>
+              <a:defRPr>
+                <a:solidFill>
+                  <a:schemeClr val="tx2"/>
+                </a:solidFill>
+              </a:defRPr>
+            </a:lvl3pPr>
+            <a:lvl4pPr>
+              <a:defRPr>
+                <a:solidFill>
+                  <a:schemeClr val="tx2"/>
+                </a:solidFill>
+              </a:defRPr>
+            </a:lvl4pPr>
+            <a:lvl5pPr>
+              <a:defRPr>
+                <a:solidFill>
+                  <a:schemeClr val="tx2"/>
+                </a:solidFill>
+              </a:defRPr>
+            </a:lvl5pPr>
+            <a:lvl6pPr>
+              <a:defRPr>
+                <a:solidFill>
+                  <a:schemeClr val="tx2"/>
+                </a:solidFill>
+              </a:defRPr>
+            </a:lvl6pPr>
+            <a:lvl7pPr>
+              <a:defRPr>
+                <a:solidFill>
+                  <a:schemeClr val="tx2"/>
+                </a:solidFill>
+              </a:defRPr>
+            </a:lvl7pPr>
+            <a:lvl8pPr>
+              <a:defRPr>
+                <a:solidFill>
+                  <a:schemeClr val="tx2"/>
+                </a:solidFill>
+              </a:defRPr>
+            </a:lvl8pPr>
+            <a:lvl9pPr>
+              <a:defRPr>
+                <a:solidFill>
+                  <a:schemeClr val="tx2"/>
+                </a:solidFill>
+              </a:defRPr>
+            </a:lvl9pPr>
+          </a:lstStyle>
+          <a:p>
+            <a:pPr lvl="0"/>
+            <a:r>
+              <a:rPr lang="en-US" sz="8000" dirty="0">
+                <a:solidFill>
+                  <a:schemeClr val="tx1"/>
+                </a:solidFill>
+                <a:effectLst/>
+              </a:rPr>
+              <a:t>“</a:t>
+            </a:r>
+          </a:p>
+        </p:txBody>
+      </p:sp>
+      <p:sp>
+        <p:nvSpPr>
+          <p:cNvPr id="13" name="TextBox 12"/>
+          <p:cNvSpPr txBox="1"/>
+          <p:nvPr/>
+        </p:nvSpPr>
+        <p:spPr>
+          <a:xfrm>
+            <a:off x="10657956" y="2972093"/>
+            <a:ext cx="609600" cy="584776"/>
+          </a:xfrm>
+          <a:prstGeom prst="rect">
+            <a:avLst/>
+          </a:prstGeom>
+        </p:spPr>
+        <p:txBody>
+          <a:bodyPr vert="horz" lIns="91440" tIns="45720" rIns="91440" bIns="45720" rtlCol="0" anchor="ctr">
+            <a:noAutofit/>
+          </a:bodyPr>
+          <a:lstStyle>
+            <a:lvl1pPr>
+              <a:spcBef>
+                <a:spcPct val="0"/>
+              </a:spcBef>
+              <a:buNone/>
+              <a:defRPr sz="3200" b="0" cap="all">
+                <a:ln w="3175" cmpd="sng">
+                  <a:noFill/>
+                </a:ln>
+                <a:effectLst>
+                  <a:glow rad="38100">
+                    <a:schemeClr val="bg1">
+                      <a:lumMod val="65000"/>
+                      <a:lumOff val="35000"/>
+                      <a:alpha val="40000"/>
+                    </a:schemeClr>
+                  </a:glow>
+                  <a:outerShdw blurRad="28575" dist="38100" dir="14040000" algn="tl" rotWithShape="0">
+                    <a:srgbClr val="000000">
+                      <a:alpha val="25000"/>
+                    </a:srgbClr>
+                  </a:outerShdw>
+                </a:effectLst>
+              </a:defRPr>
+            </a:lvl1pPr>
+            <a:lvl2pPr>
+              <a:defRPr>
+                <a:solidFill>
+                  <a:schemeClr val="tx2"/>
+                </a:solidFill>
+              </a:defRPr>
+            </a:lvl2pPr>
+            <a:lvl3pPr>
+              <a:defRPr>
+                <a:solidFill>
+                  <a:schemeClr val="tx2"/>
+                </a:solidFill>
+              </a:defRPr>
+            </a:lvl3pPr>
+            <a:lvl4pPr>
+              <a:defRPr>
+                <a:solidFill>
+                  <a:schemeClr val="tx2"/>
+                </a:solidFill>
+              </a:defRPr>
+            </a:lvl4pPr>
+            <a:lvl5pPr>
+              <a:defRPr>
+                <a:solidFill>
+                  <a:schemeClr val="tx2"/>
+                </a:solidFill>
+              </a:defRPr>
+            </a:lvl5pPr>
+            <a:lvl6pPr>
+              <a:defRPr>
+                <a:solidFill>
+                  <a:schemeClr val="tx2"/>
+                </a:solidFill>
+              </a:defRPr>
+            </a:lvl6pPr>
+            <a:lvl7pPr>
+              <a:defRPr>
+                <a:solidFill>
+                  <a:schemeClr val="tx2"/>
+                </a:solidFill>
+              </a:defRPr>
+            </a:lvl7pPr>
+            <a:lvl8pPr>
+              <a:defRPr>
+                <a:solidFill>
+                  <a:schemeClr val="tx2"/>
+                </a:solidFill>
+              </a:defRPr>
+            </a:lvl8pPr>
+            <a:lvl9pPr>
+              <a:defRPr>
+                <a:solidFill>
+                  <a:schemeClr val="tx2"/>
+                </a:solidFill>
+              </a:defRPr>
+            </a:lvl9pPr>
+          </a:lstStyle>
+          <a:p>
+            <a:pPr lvl="0" algn="r"/>
+            <a:r>
+              <a:rPr lang="en-US" sz="8000" dirty="0">
+                <a:solidFill>
+                  <a:schemeClr val="tx1"/>
+                </a:solidFill>
+                <a:effectLst/>
+              </a:rPr>
+              <a:t>”</a:t>
+            </a:r>
+          </a:p>
+        </p:txBody>
+      </p:sp>
+    </p:spTree>
+    <p:extLst>
+      <p:ext uri="{BB962C8B-B14F-4D97-AF65-F5344CB8AC3E}">
+        <p14:creationId xmlns:p14="http://schemas.microsoft.com/office/powerpoint/2010/main" val="1080198451"/>
+      </p:ext>
+    </p:extLst>
+  </p:cSld>
+  <p:clrMapOvr>
+    <a:masterClrMapping/>
+  </p:clrMapOvr>
+</p:sldLayout>
+</file>
+
+<file path=ppt/slideLayouts/slideLayout13.xml><?xml version="1.0" encoding="utf-8"?>
+<p:sldLayout xmlns:a="http://schemas.openxmlformats.org/drawingml/2006/main" xmlns:r="http://schemas.openxmlformats.org/officeDocument/2006/relationships" xmlns:p="http://schemas.openxmlformats.org/presentationml/2006/main" preserve="1">
+  <p:cSld name="Карточка имени">
+    <p:spTree>
+      <p:nvGrpSpPr>
+        <p:cNvPr id="1" name=""/>
+        <p:cNvGrpSpPr/>
+        <p:nvPr/>
+      </p:nvGrpSpPr>
+      <p:grpSpPr>
+        <a:xfrm>
+          <a:off x="0" y="0"/>
+          <a:ext cx="0" cy="0"/>
+          <a:chOff x="0" y="0"/>
+          <a:chExt cx="0" cy="0"/>
+        </a:xfrm>
+      </p:grpSpPr>
+      <p:sp>
+        <p:nvSpPr>
+          <p:cNvPr id="2" name="Title 1"/>
+          <p:cNvSpPr>
+            <a:spLocks noGrp="1"/>
+          </p:cNvSpPr>
+          <p:nvPr>
+            <p:ph type="title"/>
+          </p:nvPr>
+        </p:nvSpPr>
+        <p:spPr>
+          <a:xfrm>
+            <a:off x="913806" y="2126942"/>
+            <a:ext cx="10355327" cy="2511835"/>
+          </a:xfrm>
+        </p:spPr>
+        <p:txBody>
+          <a:bodyPr anchor="b"/>
+          <a:lstStyle>
+            <a:lvl1pPr>
+              <a:defRPr sz="3200"/>
+            </a:lvl1pPr>
+          </a:lstStyle>
+          <a:p>
+            <a:r>
+              <a:rPr lang="ru-RU" smtClean="0"/>
+              <a:t>Образец заголовка</a:t>
+            </a:r>
+            <a:endParaRPr lang="en-US" dirty="0"/>
+          </a:p>
+        </p:txBody>
+      </p:sp>
+      <p:sp>
+        <p:nvSpPr>
+          <p:cNvPr id="4" name="Text Placeholder 3"/>
+          <p:cNvSpPr>
+            <a:spLocks noGrp="1"/>
+          </p:cNvSpPr>
+          <p:nvPr>
+            <p:ph type="body" sz="half" idx="2"/>
+          </p:nvPr>
+        </p:nvSpPr>
+        <p:spPr>
+          <a:xfrm>
+            <a:off x="913794" y="4650556"/>
+            <a:ext cx="10353763" cy="1140644"/>
+          </a:xfrm>
+        </p:spPr>
+        <p:txBody>
+          <a:bodyPr anchor="t"/>
+          <a:lstStyle>
+            <a:lvl1pPr marL="0" indent="0" algn="ctr">
+              <a:buNone/>
+              <a:defRPr sz="1600"/>
+            </a:lvl1pPr>
+            <a:lvl2pPr marL="457200" indent="0">
+              <a:buNone/>
+              <a:defRPr sz="1400"/>
+            </a:lvl2pPr>
+            <a:lvl3pPr marL="914400" indent="0">
+              <a:buNone/>
+              <a:defRPr sz="1200"/>
+            </a:lvl3pPr>
+            <a:lvl4pPr marL="1371600" indent="0">
+              <a:buNone/>
+              <a:defRPr sz="1000"/>
+            </a:lvl4pPr>
+            <a:lvl5pPr marL="1828800" indent="0">
+              <a:buNone/>
+              <a:defRPr sz="1000"/>
+            </a:lvl5pPr>
+            <a:lvl6pPr marL="2286000" indent="0">
+              <a:buNone/>
+              <a:defRPr sz="1000"/>
+            </a:lvl6pPr>
+            <a:lvl7pPr marL="2743200" indent="0">
+              <a:buNone/>
+              <a:defRPr sz="1000"/>
+            </a:lvl7pPr>
+            <a:lvl8pPr marL="3200400" indent="0">
+              <a:buNone/>
+              <a:defRPr sz="1000"/>
+            </a:lvl8pPr>
+            <a:lvl9pPr marL="3657600" indent="0">
+              <a:buNone/>
+              <a:defRPr sz="1000"/>
+            </a:lvl9pPr>
+          </a:lstStyle>
+          <a:p>
+            <a:pPr lvl="0"/>
+            <a:r>
+              <a:rPr lang="ru-RU" smtClean="0"/>
+              <a:t>Образец текста</a:t>
+            </a:r>
+          </a:p>
+        </p:txBody>
+      </p:sp>
+      <p:sp>
+        <p:nvSpPr>
+          <p:cNvPr id="5" name="Date Placeholder 4"/>
+          <p:cNvSpPr>
+            <a:spLocks noGrp="1"/>
+          </p:cNvSpPr>
+          <p:nvPr>
+            <p:ph type="dt" sz="half" idx="10"/>
+          </p:nvPr>
+        </p:nvSpPr>
+        <p:spPr/>
+        <p:txBody>
+          <a:bodyPr/>
+          <a:lstStyle/>
+          <a:p>
+            <a:fld id="{5C592379-A7E8-405E-B755-9577B6DC0DD7}" type="datetimeFigureOut">
+              <a:rPr lang="ru-RU" smtClean="0"/>
+              <a:t>16.12.2024</a:t>
+            </a:fld>
+            <a:endParaRPr lang="ru-RU"/>
+          </a:p>
+        </p:txBody>
+      </p:sp>
+      <p:sp>
+        <p:nvSpPr>
+          <p:cNvPr id="6" name="Footer Placeholder 5"/>
+          <p:cNvSpPr>
+            <a:spLocks noGrp="1"/>
+          </p:cNvSpPr>
+          <p:nvPr>
+            <p:ph type="ftr" sz="quarter" idx="11"/>
+          </p:nvPr>
+        </p:nvSpPr>
+        <p:spPr/>
+        <p:txBody>
+          <a:bodyPr/>
+          <a:lstStyle/>
+          <a:p>
+            <a:endParaRPr lang="ru-RU"/>
+          </a:p>
+        </p:txBody>
+      </p:sp>
+      <p:sp>
+        <p:nvSpPr>
+          <p:cNvPr id="7" name="Slide Number Placeholder 6"/>
+          <p:cNvSpPr>
+            <a:spLocks noGrp="1"/>
+          </p:cNvSpPr>
+          <p:nvPr>
+            <p:ph type="sldNum" sz="quarter" idx="12"/>
+          </p:nvPr>
+        </p:nvSpPr>
+        <p:spPr/>
+        <p:txBody>
+          <a:bodyPr/>
+          <a:lstStyle/>
+          <a:p>
+            <a:fld id="{BD2B9FBE-D97B-4608-83A9-FBFC9D49D552}" type="slidenum">
+              <a:rPr lang="ru-RU" smtClean="0"/>
+              <a:t>‹#›</a:t>
+            </a:fld>
+            <a:endParaRPr lang="ru-RU"/>
+          </a:p>
+        </p:txBody>
+      </p:sp>
+    </p:spTree>
+    <p:extLst>
+      <p:ext uri="{BB962C8B-B14F-4D97-AF65-F5344CB8AC3E}">
+        <p14:creationId xmlns:p14="http://schemas.microsoft.com/office/powerpoint/2010/main" val="1716279969"/>
+      </p:ext>
+    </p:extLst>
+  </p:cSld>
+  <p:clrMapOvr>
+    <a:masterClrMapping/>
+  </p:clrMapOvr>
+</p:sldLayout>
+</file>
+
+<file path=ppt/slideLayouts/slideLayout14.xml><?xml version="1.0" encoding="utf-8"?>
+<p:sldLayout xmlns:a="http://schemas.openxmlformats.org/drawingml/2006/main" xmlns:r="http://schemas.openxmlformats.org/officeDocument/2006/relationships" xmlns:p="http://schemas.openxmlformats.org/presentationml/2006/main" preserve="1">
+  <p:cSld name="Три колонки">
+    <p:spTree>
+      <p:nvGrpSpPr>
+        <p:cNvPr id="1" name=""/>
+        <p:cNvGrpSpPr/>
+        <p:nvPr/>
+      </p:nvGrpSpPr>
+      <p:grpSpPr>
+        <a:xfrm>
+          <a:off x="0" y="0"/>
+          <a:ext cx="0" cy="0"/>
+          <a:chOff x="0" y="0"/>
+          <a:chExt cx="0" cy="0"/>
+        </a:xfrm>
+      </p:grpSpPr>
+      <p:sp>
+        <p:nvSpPr>
+          <p:cNvPr id="15" name="Title 1"/>
+          <p:cNvSpPr>
+            <a:spLocks noGrp="1"/>
+          </p:cNvSpPr>
+          <p:nvPr>
+            <p:ph type="title"/>
+          </p:nvPr>
+        </p:nvSpPr>
+        <p:spPr>
+          <a:xfrm>
+            <a:off x="913794" y="609600"/>
+            <a:ext cx="10353762" cy="1325563"/>
+          </a:xfrm>
+        </p:spPr>
+        <p:txBody>
+          <a:bodyPr/>
+          <a:lstStyle/>
+          <a:p>
+            <a:r>
+              <a:rPr lang="ru-RU" smtClean="0"/>
+              <a:t>Образец заголовка</a:t>
+            </a:r>
+            <a:endParaRPr lang="en-US" dirty="0"/>
+          </a:p>
+        </p:txBody>
+      </p:sp>
+      <p:sp>
+        <p:nvSpPr>
+          <p:cNvPr id="7" name="Text Placeholder 2"/>
+          <p:cNvSpPr>
+            <a:spLocks noGrp="1"/>
+          </p:cNvSpPr>
+          <p:nvPr>
+            <p:ph type="body" idx="1"/>
+          </p:nvPr>
+        </p:nvSpPr>
+        <p:spPr>
+          <a:xfrm>
+            <a:off x="913794" y="2088319"/>
+            <a:ext cx="3298956" cy="823305"/>
+          </a:xfrm>
+        </p:spPr>
+        <p:txBody>
+          <a:bodyPr anchor="b">
+            <a:noAutofit/>
+          </a:bodyPr>
+          <a:lstStyle>
+            <a:lvl1pPr marL="0" indent="0" algn="ctr">
+              <a:lnSpc>
+                <a:spcPct val="100000"/>
+              </a:lnSpc>
+              <a:buNone/>
+              <a:defRPr sz="2400" b="0">
+                <a:solidFill>
+                  <a:schemeClr val="tx1"/>
+                </a:solidFill>
+              </a:defRPr>
+            </a:lvl1pPr>
+            <a:lvl2pPr marL="457200" indent="0">
+              <a:buNone/>
+              <a:defRPr sz="2000" b="1"/>
+            </a:lvl2pPr>
+            <a:lvl3pPr marL="914400" indent="0">
+              <a:buNone/>
+              <a:defRPr sz="1800" b="1"/>
+            </a:lvl3pPr>
+            <a:lvl4pPr marL="1371600" indent="0">
+              <a:buNone/>
+              <a:defRPr sz="1600" b="1"/>
+            </a:lvl4pPr>
+            <a:lvl5pPr marL="1828800" indent="0">
+              <a:buNone/>
+              <a:defRPr sz="1600" b="1"/>
+            </a:lvl5pPr>
+            <a:lvl6pPr marL="2286000" indent="0">
+              <a:buNone/>
+              <a:defRPr sz="1600" b="1"/>
+            </a:lvl6pPr>
+            <a:lvl7pPr marL="2743200" indent="0">
+              <a:buNone/>
+              <a:defRPr sz="1600" b="1"/>
+            </a:lvl7pPr>
+            <a:lvl8pPr marL="3200400" indent="0">
+              <a:buNone/>
+              <a:defRPr sz="1600" b="1"/>
+            </a:lvl8pPr>
+            <a:lvl9pPr marL="3657600" indent="0">
+              <a:buNone/>
+              <a:defRPr sz="1600" b="1"/>
+            </a:lvl9pPr>
+          </a:lstStyle>
+          <a:p>
+            <a:pPr lvl="0"/>
+            <a:r>
+              <a:rPr lang="ru-RU" smtClean="0"/>
+              <a:t>Образец текста</a:t>
+            </a:r>
+          </a:p>
+        </p:txBody>
+      </p:sp>
+      <p:sp>
+        <p:nvSpPr>
+          <p:cNvPr id="8" name="Text Placeholder 3"/>
+          <p:cNvSpPr>
+            <a:spLocks noGrp="1"/>
+          </p:cNvSpPr>
+          <p:nvPr>
+            <p:ph type="body" sz="half" idx="15"/>
+          </p:nvPr>
+        </p:nvSpPr>
+        <p:spPr>
+          <a:xfrm>
+            <a:off x="913794" y="2911624"/>
+            <a:ext cx="3298956" cy="2879576"/>
+          </a:xfrm>
+        </p:spPr>
+        <p:txBody>
+          <a:bodyPr anchor="t">
+            <a:normAutofit/>
+          </a:bodyPr>
+          <a:lstStyle>
+            <a:lvl1pPr marL="0" indent="0" algn="ctr">
+              <a:buNone/>
+              <a:defRPr sz="1400"/>
+            </a:lvl1pPr>
+            <a:lvl2pPr marL="457200" indent="0">
+              <a:buNone/>
+              <a:defRPr sz="1200"/>
+            </a:lvl2pPr>
+            <a:lvl3pPr marL="914400" indent="0">
+              <a:buNone/>
+              <a:defRPr sz="1000"/>
+            </a:lvl3pPr>
+            <a:lvl4pPr marL="1371600" indent="0">
+              <a:buNone/>
+              <a:defRPr sz="900"/>
+            </a:lvl4pPr>
+            <a:lvl5pPr marL="1828800" indent="0">
+              <a:buNone/>
+              <a:defRPr sz="900"/>
+            </a:lvl5pPr>
+            <a:lvl6pPr marL="2286000" indent="0">
+              <a:buNone/>
+              <a:defRPr sz="900"/>
+            </a:lvl6pPr>
+            <a:lvl7pPr marL="2743200" indent="0">
+              <a:buNone/>
+              <a:defRPr sz="900"/>
+            </a:lvl7pPr>
+            <a:lvl8pPr marL="3200400" indent="0">
+              <a:buNone/>
+              <a:defRPr sz="900"/>
+            </a:lvl8pPr>
+            <a:lvl9pPr marL="3657600" indent="0">
+              <a:buNone/>
+              <a:defRPr sz="900"/>
+            </a:lvl9pPr>
+          </a:lstStyle>
+          <a:p>
+            <a:pPr lvl="0"/>
+            <a:r>
+              <a:rPr lang="ru-RU" smtClean="0"/>
+              <a:t>Образец текста</a:t>
+            </a:r>
+          </a:p>
+        </p:txBody>
+      </p:sp>
+      <p:sp>
+        <p:nvSpPr>
+          <p:cNvPr id="9" name="Text Placeholder 4"/>
+          <p:cNvSpPr>
+            <a:spLocks noGrp="1"/>
+          </p:cNvSpPr>
+          <p:nvPr>
+            <p:ph type="body" sz="quarter" idx="3"/>
+          </p:nvPr>
+        </p:nvSpPr>
+        <p:spPr>
+          <a:xfrm>
+            <a:off x="4444878" y="2088320"/>
+            <a:ext cx="3298558" cy="823304"/>
+          </a:xfrm>
+        </p:spPr>
+        <p:txBody>
+          <a:bodyPr anchor="b">
+            <a:noAutofit/>
+          </a:bodyPr>
+          <a:lstStyle>
+            <a:lvl1pPr marL="0" indent="0" algn="ctr">
+              <a:lnSpc>
+                <a:spcPct val="100000"/>
+              </a:lnSpc>
+              <a:buNone/>
+              <a:defRPr sz="2400" b="0">
+                <a:solidFill>
+                  <a:schemeClr val="tx1"/>
+                </a:solidFill>
+              </a:defRPr>
+            </a:lvl1pPr>
+            <a:lvl2pPr marL="457200" indent="0">
+              <a:buNone/>
+              <a:defRPr sz="2000" b="1"/>
+            </a:lvl2pPr>
+            <a:lvl3pPr marL="914400" indent="0">
+              <a:buNone/>
+              <a:defRPr sz="1800" b="1"/>
+            </a:lvl3pPr>
+            <a:lvl4pPr marL="1371600" indent="0">
+              <a:buNone/>
+              <a:defRPr sz="1600" b="1"/>
+            </a:lvl4pPr>
+            <a:lvl5pPr marL="1828800" indent="0">
+              <a:buNone/>
+              <a:defRPr sz="1600" b="1"/>
+            </a:lvl5pPr>
+            <a:lvl6pPr marL="2286000" indent="0">
+              <a:buNone/>
+              <a:defRPr sz="1600" b="1"/>
+            </a:lvl6pPr>
+            <a:lvl7pPr marL="2743200" indent="0">
+              <a:buNone/>
+              <a:defRPr sz="1600" b="1"/>
+            </a:lvl7pPr>
+            <a:lvl8pPr marL="3200400" indent="0">
+              <a:buNone/>
+              <a:defRPr sz="1600" b="1"/>
+            </a:lvl8pPr>
+            <a:lvl9pPr marL="3657600" indent="0">
+              <a:buNone/>
+              <a:defRPr sz="1600" b="1"/>
+            </a:lvl9pPr>
+          </a:lstStyle>
+          <a:p>
+            <a:pPr lvl="0"/>
+            <a:r>
+              <a:rPr lang="ru-RU" smtClean="0"/>
+              <a:t>Образец текста</a:t>
+            </a:r>
+          </a:p>
+        </p:txBody>
+      </p:sp>
+      <p:sp>
+        <p:nvSpPr>
+          <p:cNvPr id="10" name="Text Placeholder 3"/>
+          <p:cNvSpPr>
+            <a:spLocks noGrp="1"/>
+          </p:cNvSpPr>
+          <p:nvPr>
+            <p:ph type="body" sz="half" idx="16"/>
+          </p:nvPr>
+        </p:nvSpPr>
+        <p:spPr>
+          <a:xfrm>
+            <a:off x="4444878" y="2911624"/>
+            <a:ext cx="3299821" cy="2879576"/>
+          </a:xfrm>
+        </p:spPr>
+        <p:txBody>
+          <a:bodyPr anchor="t">
+            <a:normAutofit/>
+          </a:bodyPr>
+          <a:lstStyle>
+            <a:lvl1pPr marL="0" indent="0" algn="ctr">
+              <a:buNone/>
+              <a:defRPr sz="1400"/>
+            </a:lvl1pPr>
+            <a:lvl2pPr marL="457200" indent="0">
+              <a:buNone/>
+              <a:defRPr sz="1200"/>
+            </a:lvl2pPr>
+            <a:lvl3pPr marL="914400" indent="0">
+              <a:buNone/>
+              <a:defRPr sz="1000"/>
+            </a:lvl3pPr>
+            <a:lvl4pPr marL="1371600" indent="0">
+              <a:buNone/>
+              <a:defRPr sz="900"/>
+            </a:lvl4pPr>
+            <a:lvl5pPr marL="1828800" indent="0">
+              <a:buNone/>
+              <a:defRPr sz="900"/>
+            </a:lvl5pPr>
+            <a:lvl6pPr marL="2286000" indent="0">
+              <a:buNone/>
+              <a:defRPr sz="900"/>
+            </a:lvl6pPr>
+            <a:lvl7pPr marL="2743200" indent="0">
+              <a:buNone/>
+              <a:defRPr sz="900"/>
+            </a:lvl7pPr>
+            <a:lvl8pPr marL="3200400" indent="0">
+              <a:buNone/>
+              <a:defRPr sz="900"/>
+            </a:lvl8pPr>
+            <a:lvl9pPr marL="3657600" indent="0">
+              <a:buNone/>
+              <a:defRPr sz="900"/>
+            </a:lvl9pPr>
+          </a:lstStyle>
+          <a:p>
+            <a:pPr lvl="0"/>
+            <a:r>
+              <a:rPr lang="ru-RU" smtClean="0"/>
+              <a:t>Образец текста</a:t>
+            </a:r>
+          </a:p>
+        </p:txBody>
+      </p:sp>
+      <p:sp>
+        <p:nvSpPr>
+          <p:cNvPr id="11" name="Text Placeholder 4"/>
+          <p:cNvSpPr>
+            <a:spLocks noGrp="1"/>
+          </p:cNvSpPr>
+          <p:nvPr>
+            <p:ph type="body" sz="quarter" idx="13"/>
+          </p:nvPr>
+        </p:nvSpPr>
+        <p:spPr>
+          <a:xfrm>
+            <a:off x="7973298" y="2088320"/>
+            <a:ext cx="3291211" cy="823304"/>
+          </a:xfrm>
+        </p:spPr>
+        <p:txBody>
+          <a:bodyPr anchor="b">
+            <a:noAutofit/>
+          </a:bodyPr>
+          <a:lstStyle>
+            <a:lvl1pPr marL="0" indent="0" algn="ctr">
+              <a:lnSpc>
+                <a:spcPct val="100000"/>
+              </a:lnSpc>
+              <a:buNone/>
+              <a:defRPr sz="2400" b="0">
+                <a:solidFill>
+                  <a:schemeClr val="tx1"/>
+                </a:solidFill>
+              </a:defRPr>
+            </a:lvl1pPr>
+            <a:lvl2pPr marL="457200" indent="0">
+              <a:buNone/>
+              <a:defRPr sz="2000" b="1"/>
+            </a:lvl2pPr>
+            <a:lvl3pPr marL="914400" indent="0">
+              <a:buNone/>
+              <a:defRPr sz="1800" b="1"/>
+            </a:lvl3pPr>
+            <a:lvl4pPr marL="1371600" indent="0">
+              <a:buNone/>
+              <a:defRPr sz="1600" b="1"/>
+            </a:lvl4pPr>
+            <a:lvl5pPr marL="1828800" indent="0">
+              <a:buNone/>
+              <a:defRPr sz="1600" b="1"/>
+            </a:lvl5pPr>
+            <a:lvl6pPr marL="2286000" indent="0">
+              <a:buNone/>
+              <a:defRPr sz="1600" b="1"/>
+            </a:lvl6pPr>
+            <a:lvl7pPr marL="2743200" indent="0">
+              <a:buNone/>
+              <a:defRPr sz="1600" b="1"/>
+            </a:lvl7pPr>
+            <a:lvl8pPr marL="3200400" indent="0">
+              <a:buNone/>
+              <a:defRPr sz="1600" b="1"/>
+            </a:lvl8pPr>
+            <a:lvl9pPr marL="3657600" indent="0">
+              <a:buNone/>
+              <a:defRPr sz="1600" b="1"/>
+            </a:lvl9pPr>
+          </a:lstStyle>
+          <a:p>
+            <a:pPr lvl="0"/>
+            <a:r>
+              <a:rPr lang="ru-RU" smtClean="0"/>
+              <a:t>Образец текста</a:t>
+            </a:r>
+          </a:p>
+        </p:txBody>
+      </p:sp>
+      <p:sp>
+        <p:nvSpPr>
+          <p:cNvPr id="12" name="Text Placeholder 3"/>
+          <p:cNvSpPr>
+            <a:spLocks noGrp="1"/>
+          </p:cNvSpPr>
+          <p:nvPr>
+            <p:ph type="body" sz="half" idx="17"/>
+          </p:nvPr>
+        </p:nvSpPr>
+        <p:spPr>
+          <a:xfrm>
+            <a:off x="7976346" y="2911624"/>
+            <a:ext cx="3291211" cy="2879576"/>
+          </a:xfrm>
+        </p:spPr>
+        <p:txBody>
+          <a:bodyPr anchor="t">
+            <a:normAutofit/>
+          </a:bodyPr>
+          <a:lstStyle>
+            <a:lvl1pPr marL="0" indent="0" algn="ctr">
+              <a:buNone/>
+              <a:defRPr sz="1400"/>
+            </a:lvl1pPr>
+            <a:lvl2pPr marL="457200" indent="0">
+              <a:buNone/>
+              <a:defRPr sz="1200"/>
+            </a:lvl2pPr>
+            <a:lvl3pPr marL="914400" indent="0">
+              <a:buNone/>
+              <a:defRPr sz="1000"/>
+            </a:lvl3pPr>
+            <a:lvl4pPr marL="1371600" indent="0">
+              <a:buNone/>
+              <a:defRPr sz="900"/>
+            </a:lvl4pPr>
+            <a:lvl5pPr marL="1828800" indent="0">
+              <a:buNone/>
+              <a:defRPr sz="900"/>
+            </a:lvl5pPr>
+            <a:lvl6pPr marL="2286000" indent="0">
+              <a:buNone/>
+              <a:defRPr sz="900"/>
+            </a:lvl6pPr>
+            <a:lvl7pPr marL="2743200" indent="0">
+              <a:buNone/>
+              <a:defRPr sz="900"/>
+            </a:lvl7pPr>
+            <a:lvl8pPr marL="3200400" indent="0">
+              <a:buNone/>
+              <a:defRPr sz="900"/>
+            </a:lvl8pPr>
+            <a:lvl9pPr marL="3657600" indent="0">
+              <a:buNone/>
+              <a:defRPr sz="900"/>
+            </a:lvl9pPr>
+          </a:lstStyle>
+          <a:p>
+            <a:pPr lvl="0"/>
+            <a:r>
+              <a:rPr lang="ru-RU" smtClean="0"/>
+              <a:t>Образец текста</a:t>
+            </a:r>
+          </a:p>
+        </p:txBody>
+      </p:sp>
+      <p:sp>
+        <p:nvSpPr>
+          <p:cNvPr id="3" name="Date Placeholder 2"/>
+          <p:cNvSpPr>
+            <a:spLocks noGrp="1"/>
+          </p:cNvSpPr>
+          <p:nvPr>
+            <p:ph type="dt" sz="half" idx="10"/>
+          </p:nvPr>
+        </p:nvSpPr>
+        <p:spPr/>
+        <p:txBody>
+          <a:bodyPr/>
+          <a:lstStyle/>
+          <a:p>
+            <a:fld id="{5C592379-A7E8-405E-B755-9577B6DC0DD7}" type="datetimeFigureOut">
+              <a:rPr lang="ru-RU" smtClean="0"/>
+              <a:t>16.12.2024</a:t>
+            </a:fld>
+            <a:endParaRPr lang="ru-RU"/>
+          </a:p>
+        </p:txBody>
+      </p:sp>
+      <p:sp>
+        <p:nvSpPr>
+          <p:cNvPr id="4" name="Footer Placeholder 3"/>
+          <p:cNvSpPr>
+            <a:spLocks noGrp="1"/>
+          </p:cNvSpPr>
+          <p:nvPr>
+            <p:ph type="ftr" sz="quarter" idx="11"/>
+          </p:nvPr>
+        </p:nvSpPr>
+        <p:spPr/>
+        <p:txBody>
+          <a:bodyPr/>
+          <a:lstStyle/>
+          <a:p>
+            <a:endParaRPr lang="ru-RU"/>
+          </a:p>
+        </p:txBody>
+      </p:sp>
+      <p:sp>
+        <p:nvSpPr>
+          <p:cNvPr id="5" name="Slide Number Placeholder 4"/>
+          <p:cNvSpPr>
+            <a:spLocks noGrp="1"/>
+          </p:cNvSpPr>
+          <p:nvPr>
+            <p:ph type="sldNum" sz="quarter" idx="12"/>
+          </p:nvPr>
+        </p:nvSpPr>
+        <p:spPr/>
+        <p:txBody>
+          <a:bodyPr/>
+          <a:lstStyle/>
+          <a:p>
+            <a:fld id="{BD2B9FBE-D97B-4608-83A9-FBFC9D49D552}" type="slidenum">
+              <a:rPr lang="ru-RU" smtClean="0"/>
+              <a:t>‹#›</a:t>
+            </a:fld>
+            <a:endParaRPr lang="ru-RU"/>
+          </a:p>
+        </p:txBody>
+      </p:sp>
+    </p:spTree>
+    <p:extLst>
+      <p:ext uri="{BB962C8B-B14F-4D97-AF65-F5344CB8AC3E}">
+        <p14:creationId xmlns:p14="http://schemas.microsoft.com/office/powerpoint/2010/main" val="299193108"/>
+      </p:ext>
+    </p:extLst>
+  </p:cSld>
+  <p:clrMapOvr>
+    <a:masterClrMapping/>
+  </p:clrMapOvr>
+</p:sldLayout>
+</file>
+
+<file path=ppt/slideLayouts/slideLayout15.xml><?xml version="1.0" encoding="utf-8"?>
+<p:sldLayout xmlns:a="http://schemas.openxmlformats.org/drawingml/2006/main" xmlns:r="http://schemas.openxmlformats.org/officeDocument/2006/relationships" xmlns:p="http://schemas.openxmlformats.org/presentationml/2006/main" preserve="1">
+  <p:cSld name="Столбец с тремя рисунками">
+    <p:spTree>
+      <p:nvGrpSpPr>
+        <p:cNvPr id="1" name=""/>
+        <p:cNvGrpSpPr/>
+        <p:nvPr/>
+      </p:nvGrpSpPr>
+      <p:grpSpPr>
+        <a:xfrm>
+          <a:off x="0" y="0"/>
+          <a:ext cx="0" cy="0"/>
+          <a:chOff x="0" y="0"/>
+          <a:chExt cx="0" cy="0"/>
+        </a:xfrm>
+      </p:grpSpPr>
+      <p:sp>
+        <p:nvSpPr>
+          <p:cNvPr id="30" name="Title 1"/>
+          <p:cNvSpPr>
+            <a:spLocks noGrp="1"/>
+          </p:cNvSpPr>
+          <p:nvPr>
+            <p:ph type="title"/>
+          </p:nvPr>
+        </p:nvSpPr>
+        <p:spPr>
+          <a:xfrm>
+            <a:off x="913795" y="609600"/>
+            <a:ext cx="10353762" cy="1325563"/>
+          </a:xfrm>
+        </p:spPr>
+        <p:txBody>
+          <a:bodyPr/>
+          <a:lstStyle/>
+          <a:p>
+            <a:r>
+              <a:rPr lang="ru-RU" smtClean="0"/>
+              <a:t>Образец заголовка</a:t>
+            </a:r>
+            <a:endParaRPr lang="en-US" dirty="0"/>
+          </a:p>
+        </p:txBody>
+      </p:sp>
+      <p:sp>
+        <p:nvSpPr>
+          <p:cNvPr id="19" name="Text Placeholder 2"/>
+          <p:cNvSpPr>
+            <a:spLocks noGrp="1"/>
+          </p:cNvSpPr>
+          <p:nvPr>
+            <p:ph type="body" idx="1"/>
+          </p:nvPr>
+        </p:nvSpPr>
+        <p:spPr>
+          <a:xfrm>
+            <a:off x="913795" y="4195899"/>
+            <a:ext cx="3298955" cy="576262"/>
+          </a:xfrm>
+        </p:spPr>
+        <p:txBody>
+          <a:bodyPr anchor="b">
+            <a:noAutofit/>
+          </a:bodyPr>
+          <a:lstStyle>
+            <a:lvl1pPr marL="0" indent="0" algn="ctr">
+              <a:lnSpc>
+                <a:spcPct val="100000"/>
+              </a:lnSpc>
+              <a:buNone/>
+              <a:defRPr sz="2000" b="0">
+                <a:solidFill>
+                  <a:schemeClr val="tx1"/>
+                </a:solidFill>
+              </a:defRPr>
+            </a:lvl1pPr>
+            <a:lvl2pPr marL="457200" indent="0">
+              <a:buNone/>
+              <a:defRPr sz="2000" b="1"/>
+            </a:lvl2pPr>
+            <a:lvl3pPr marL="914400" indent="0">
+              <a:buNone/>
+              <a:defRPr sz="1800" b="1"/>
+            </a:lvl3pPr>
+            <a:lvl4pPr marL="1371600" indent="0">
+              <a:buNone/>
+              <a:defRPr sz="1600" b="1"/>
+            </a:lvl4pPr>
+            <a:lvl5pPr marL="1828800" indent="0">
+              <a:buNone/>
+              <a:defRPr sz="1600" b="1"/>
+            </a:lvl5pPr>
+            <a:lvl6pPr marL="2286000" indent="0">
+              <a:buNone/>
+              <a:defRPr sz="1600" b="1"/>
+            </a:lvl6pPr>
+            <a:lvl7pPr marL="2743200" indent="0">
+              <a:buNone/>
+              <a:defRPr sz="1600" b="1"/>
+            </a:lvl7pPr>
+            <a:lvl8pPr marL="3200400" indent="0">
+              <a:buNone/>
+              <a:defRPr sz="1600" b="1"/>
+            </a:lvl8pPr>
+            <a:lvl9pPr marL="3657600" indent="0">
+              <a:buNone/>
+              <a:defRPr sz="1600" b="1"/>
+            </a:lvl9pPr>
+          </a:lstStyle>
+          <a:p>
+            <a:pPr lvl="0"/>
+            <a:r>
+              <a:rPr lang="ru-RU" smtClean="0"/>
+              <a:t>Образец текста</a:t>
+            </a:r>
+          </a:p>
+        </p:txBody>
+      </p:sp>
+      <p:sp>
+        <p:nvSpPr>
+          <p:cNvPr id="20" name="Picture Placeholder 2"/>
+          <p:cNvSpPr>
+            <a:spLocks noGrp="1" noChangeAspect="1"/>
+          </p:cNvSpPr>
+          <p:nvPr>
+            <p:ph type="pic" idx="15"/>
+          </p:nvPr>
+        </p:nvSpPr>
+        <p:spPr>
+          <a:xfrm>
+            <a:off x="1092020" y="2298987"/>
+            <a:ext cx="2940050" cy="1524000"/>
+          </a:xfrm>
+          <a:prstGeom prst="roundRect">
+            <a:avLst>
+              <a:gd name="adj" fmla="val 0"/>
+            </a:avLst>
+          </a:prstGeom>
+          <a:noFill/>
+          <a:ln w="146050" cap="sq">
+            <a:solidFill>
+              <a:srgbClr val="FFFFFF"/>
+            </a:solidFill>
+            <a:miter lim="800000"/>
+          </a:ln>
+          <a:effectLst>
+            <a:outerShdw blurRad="55000" dist="18000" dir="5400000" algn="tl" rotWithShape="0">
+              <a:srgbClr val="000000">
+                <a:alpha val="40000"/>
+              </a:srgbClr>
+            </a:outerShdw>
+          </a:effectLst>
+          <a:scene3d>
+            <a:camera prst="orthographicFront"/>
+            <a:lightRig rig="twoPt" dir="t">
+              <a:rot lat="0" lon="0" rev="7200000"/>
+            </a:lightRig>
+          </a:scene3d>
+          <a:sp3d>
+            <a:bevelT w="25400" h="19050"/>
+            <a:contourClr>
+              <a:srgbClr val="FFFFFF"/>
+            </a:contourClr>
+          </a:sp3d>
+        </p:spPr>
+        <p:txBody>
+          <a:bodyPr anchor="t">
+            <a:normAutofit/>
+          </a:bodyPr>
+          <a:lstStyle>
+            <a:lvl1pPr marL="0" indent="0" algn="ctr">
+              <a:buNone/>
+              <a:defRPr sz="1600"/>
+            </a:lvl1pPr>
+            <a:lvl2pPr marL="457200" indent="0">
+              <a:buNone/>
+              <a:defRPr sz="1600"/>
+            </a:lvl2pPr>
+            <a:lvl3pPr marL="914400" indent="0">
+              <a:buNone/>
+              <a:defRPr sz="1600"/>
+            </a:lvl3pPr>
+            <a:lvl4pPr marL="1371600" indent="0">
+              <a:buNone/>
+              <a:defRPr sz="1600"/>
+            </a:lvl4pPr>
+            <a:lvl5pPr marL="1828800" indent="0">
+              <a:buNone/>
+              <a:defRPr sz="1600"/>
+            </a:lvl5pPr>
+            <a:lvl6pPr marL="2286000" indent="0">
+              <a:buNone/>
+              <a:defRPr sz="1600"/>
+            </a:lvl6pPr>
+            <a:lvl7pPr marL="2743200" indent="0">
+              <a:buNone/>
+              <a:defRPr sz="1600"/>
+            </a:lvl7pPr>
+            <a:lvl8pPr marL="3200400" indent="0">
+              <a:buNone/>
+              <a:defRPr sz="1600"/>
+            </a:lvl8pPr>
+            <a:lvl9pPr marL="3657600" indent="0">
+              <a:buNone/>
+              <a:defRPr sz="1600"/>
+            </a:lvl9pPr>
+          </a:lstStyle>
+          <a:p>
+            <a:r>
+              <a:rPr lang="ru-RU" smtClean="0"/>
+              <a:t>Вставка рисунка</a:t>
+            </a:r>
+            <a:endParaRPr lang="en-US" dirty="0"/>
+          </a:p>
+        </p:txBody>
+      </p:sp>
+      <p:sp>
+        <p:nvSpPr>
+          <p:cNvPr id="21" name="Text Placeholder 3"/>
+          <p:cNvSpPr>
+            <a:spLocks noGrp="1"/>
+          </p:cNvSpPr>
+          <p:nvPr>
+            <p:ph type="body" sz="half" idx="18"/>
+          </p:nvPr>
+        </p:nvSpPr>
+        <p:spPr>
+          <a:xfrm>
+            <a:off x="913795" y="4772161"/>
+            <a:ext cx="3298955" cy="1019038"/>
+          </a:xfrm>
+        </p:spPr>
+        <p:txBody>
+          <a:bodyPr anchor="t">
+            <a:normAutofit/>
+          </a:bodyPr>
+          <a:lstStyle>
+            <a:lvl1pPr marL="0" indent="0" algn="ctr">
+              <a:buNone/>
+              <a:defRPr sz="1400"/>
+            </a:lvl1pPr>
+            <a:lvl2pPr marL="457200" indent="0">
+              <a:buNone/>
+              <a:defRPr sz="1200"/>
+            </a:lvl2pPr>
+            <a:lvl3pPr marL="914400" indent="0">
+              <a:buNone/>
+              <a:defRPr sz="1000"/>
+            </a:lvl3pPr>
+            <a:lvl4pPr marL="1371600" indent="0">
+              <a:buNone/>
+              <a:defRPr sz="900"/>
+            </a:lvl4pPr>
+            <a:lvl5pPr marL="1828800" indent="0">
+              <a:buNone/>
+              <a:defRPr sz="900"/>
+            </a:lvl5pPr>
+            <a:lvl6pPr marL="2286000" indent="0">
+              <a:buNone/>
+              <a:defRPr sz="900"/>
+            </a:lvl6pPr>
+            <a:lvl7pPr marL="2743200" indent="0">
+              <a:buNone/>
+              <a:defRPr sz="900"/>
+            </a:lvl7pPr>
+            <a:lvl8pPr marL="3200400" indent="0">
+              <a:buNone/>
+              <a:defRPr sz="900"/>
+            </a:lvl8pPr>
+            <a:lvl9pPr marL="3657600" indent="0">
+              <a:buNone/>
+              <a:defRPr sz="900"/>
+            </a:lvl9pPr>
+          </a:lstStyle>
+          <a:p>
+            <a:pPr lvl="0"/>
+            <a:r>
+              <a:rPr lang="ru-RU" smtClean="0"/>
+              <a:t>Образец текста</a:t>
+            </a:r>
+          </a:p>
+        </p:txBody>
+      </p:sp>
+      <p:sp>
+        <p:nvSpPr>
+          <p:cNvPr id="22" name="Text Placeholder 4"/>
+          <p:cNvSpPr>
+            <a:spLocks noGrp="1"/>
+          </p:cNvSpPr>
+          <p:nvPr>
+            <p:ph type="body" sz="quarter" idx="3"/>
+          </p:nvPr>
+        </p:nvSpPr>
+        <p:spPr>
+          <a:xfrm>
+            <a:off x="4442701" y="4195899"/>
+            <a:ext cx="3298983" cy="576262"/>
+          </a:xfrm>
+        </p:spPr>
+        <p:txBody>
+          <a:bodyPr anchor="b">
+            <a:noAutofit/>
+          </a:bodyPr>
+          <a:lstStyle>
+            <a:lvl1pPr marL="0" indent="0" algn="ctr">
+              <a:lnSpc>
+                <a:spcPct val="100000"/>
+              </a:lnSpc>
+              <a:buNone/>
+              <a:defRPr sz="2000" b="0">
+                <a:solidFill>
+                  <a:schemeClr val="tx1"/>
+                </a:solidFill>
+              </a:defRPr>
+            </a:lvl1pPr>
+            <a:lvl2pPr marL="457200" indent="0">
+              <a:buNone/>
+              <a:defRPr sz="2000" b="1"/>
+            </a:lvl2pPr>
+            <a:lvl3pPr marL="914400" indent="0">
+              <a:buNone/>
+              <a:defRPr sz="1800" b="1"/>
+            </a:lvl3pPr>
+            <a:lvl4pPr marL="1371600" indent="0">
+              <a:buNone/>
+              <a:defRPr sz="1600" b="1"/>
+            </a:lvl4pPr>
+            <a:lvl5pPr marL="1828800" indent="0">
+              <a:buNone/>
+              <a:defRPr sz="1600" b="1"/>
+            </a:lvl5pPr>
+            <a:lvl6pPr marL="2286000" indent="0">
+              <a:buNone/>
+              <a:defRPr sz="1600" b="1"/>
+            </a:lvl6pPr>
+            <a:lvl7pPr marL="2743200" indent="0">
+              <a:buNone/>
+              <a:defRPr sz="1600" b="1"/>
+            </a:lvl7pPr>
+            <a:lvl8pPr marL="3200400" indent="0">
+              <a:buNone/>
+              <a:defRPr sz="1600" b="1"/>
+            </a:lvl8pPr>
+            <a:lvl9pPr marL="3657600" indent="0">
+              <a:buNone/>
+              <a:defRPr sz="1600" b="1"/>
+            </a:lvl9pPr>
+          </a:lstStyle>
+          <a:p>
+            <a:pPr lvl="0"/>
+            <a:r>
+              <a:rPr lang="ru-RU" smtClean="0"/>
+              <a:t>Образец текста</a:t>
+            </a:r>
+          </a:p>
+        </p:txBody>
+      </p:sp>
+      <p:sp>
+        <p:nvSpPr>
+          <p:cNvPr id="23" name="Picture Placeholder 2"/>
+          <p:cNvSpPr>
+            <a:spLocks noGrp="1" noChangeAspect="1"/>
+          </p:cNvSpPr>
+          <p:nvPr>
+            <p:ph type="pic" idx="21"/>
+          </p:nvPr>
+        </p:nvSpPr>
+        <p:spPr>
+          <a:xfrm>
+            <a:off x="4568996" y="2298987"/>
+            <a:ext cx="2930525" cy="1524000"/>
+          </a:xfrm>
+          <a:prstGeom prst="roundRect">
+            <a:avLst>
+              <a:gd name="adj" fmla="val 0"/>
+            </a:avLst>
+          </a:prstGeom>
+          <a:noFill/>
+          <a:ln w="146050" cap="sq">
+            <a:solidFill>
+              <a:srgbClr val="FFFFFF"/>
+            </a:solidFill>
+            <a:miter lim="800000"/>
+          </a:ln>
+          <a:effectLst>
+            <a:outerShdw blurRad="55000" dist="18000" dir="5400000" algn="tl" rotWithShape="0">
+              <a:srgbClr val="000000">
+                <a:alpha val="40000"/>
+              </a:srgbClr>
+            </a:outerShdw>
+          </a:effectLst>
+          <a:scene3d>
+            <a:camera prst="orthographicFront"/>
+            <a:lightRig rig="twoPt" dir="t">
+              <a:rot lat="0" lon="0" rev="7200000"/>
+            </a:lightRig>
+          </a:scene3d>
+          <a:sp3d>
+            <a:bevelT w="25400" h="19050"/>
+            <a:contourClr>
+              <a:srgbClr val="FFFFFF"/>
+            </a:contourClr>
+          </a:sp3d>
+        </p:spPr>
+        <p:txBody>
+          <a:bodyPr anchor="t">
+            <a:normAutofit/>
+          </a:bodyPr>
+          <a:lstStyle>
+            <a:lvl1pPr marL="0" indent="0" algn="ctr">
+              <a:buNone/>
+              <a:defRPr sz="1600"/>
+            </a:lvl1pPr>
+            <a:lvl2pPr marL="457200" indent="0">
+              <a:buNone/>
+              <a:defRPr sz="1600"/>
+            </a:lvl2pPr>
+            <a:lvl3pPr marL="914400" indent="0">
+              <a:buNone/>
+              <a:defRPr sz="1600"/>
+            </a:lvl3pPr>
+            <a:lvl4pPr marL="1371600" indent="0">
+              <a:buNone/>
+              <a:defRPr sz="1600"/>
+            </a:lvl4pPr>
+            <a:lvl5pPr marL="1828800" indent="0">
+              <a:buNone/>
+              <a:defRPr sz="1600"/>
+            </a:lvl5pPr>
+            <a:lvl6pPr marL="2286000" indent="0">
+              <a:buNone/>
+              <a:defRPr sz="1600"/>
+            </a:lvl6pPr>
+            <a:lvl7pPr marL="2743200" indent="0">
+              <a:buNone/>
+              <a:defRPr sz="1600"/>
+            </a:lvl7pPr>
+            <a:lvl8pPr marL="3200400" indent="0">
+              <a:buNone/>
+              <a:defRPr sz="1600"/>
+            </a:lvl8pPr>
+            <a:lvl9pPr marL="3657600" indent="0">
+              <a:buNone/>
+              <a:defRPr sz="1600"/>
+            </a:lvl9pPr>
+          </a:lstStyle>
+          <a:p>
+            <a:r>
+              <a:rPr lang="ru-RU" smtClean="0"/>
+              <a:t>Вставка рисунка</a:t>
+            </a:r>
+            <a:endParaRPr lang="en-US" dirty="0"/>
+          </a:p>
+        </p:txBody>
+      </p:sp>
+      <p:sp>
+        <p:nvSpPr>
+          <p:cNvPr id="24" name="Text Placeholder 3"/>
+          <p:cNvSpPr>
+            <a:spLocks noGrp="1"/>
+          </p:cNvSpPr>
+          <p:nvPr>
+            <p:ph type="body" sz="half" idx="19"/>
+          </p:nvPr>
+        </p:nvSpPr>
+        <p:spPr>
+          <a:xfrm>
+            <a:off x="4441348" y="4772160"/>
+            <a:ext cx="3300336" cy="1019038"/>
+          </a:xfrm>
+        </p:spPr>
+        <p:txBody>
+          <a:bodyPr anchor="t">
+            <a:normAutofit/>
+          </a:bodyPr>
+          <a:lstStyle>
+            <a:lvl1pPr marL="0" indent="0" algn="ctr">
+              <a:buNone/>
+              <a:defRPr sz="1400"/>
+            </a:lvl1pPr>
+            <a:lvl2pPr marL="457200" indent="0">
+              <a:buNone/>
+              <a:defRPr sz="1200"/>
+            </a:lvl2pPr>
+            <a:lvl3pPr marL="914400" indent="0">
+              <a:buNone/>
+              <a:defRPr sz="1000"/>
+            </a:lvl3pPr>
+            <a:lvl4pPr marL="1371600" indent="0">
+              <a:buNone/>
+              <a:defRPr sz="900"/>
+            </a:lvl4pPr>
+            <a:lvl5pPr marL="1828800" indent="0">
+              <a:buNone/>
+              <a:defRPr sz="900"/>
+            </a:lvl5pPr>
+            <a:lvl6pPr marL="2286000" indent="0">
+              <a:buNone/>
+              <a:defRPr sz="900"/>
+            </a:lvl6pPr>
+            <a:lvl7pPr marL="2743200" indent="0">
+              <a:buNone/>
+              <a:defRPr sz="900"/>
+            </a:lvl7pPr>
+            <a:lvl8pPr marL="3200400" indent="0">
+              <a:buNone/>
+              <a:defRPr sz="900"/>
+            </a:lvl8pPr>
+            <a:lvl9pPr marL="3657600" indent="0">
+              <a:buNone/>
+              <a:defRPr sz="900"/>
+            </a:lvl9pPr>
+          </a:lstStyle>
+          <a:p>
+            <a:pPr lvl="0"/>
+            <a:r>
+              <a:rPr lang="ru-RU" smtClean="0"/>
+              <a:t>Образец текста</a:t>
+            </a:r>
+          </a:p>
+        </p:txBody>
+      </p:sp>
+      <p:sp>
+        <p:nvSpPr>
+          <p:cNvPr id="25" name="Text Placeholder 4"/>
+          <p:cNvSpPr>
+            <a:spLocks noGrp="1"/>
+          </p:cNvSpPr>
+          <p:nvPr>
+            <p:ph type="body" sz="quarter" idx="13"/>
+          </p:nvPr>
+        </p:nvSpPr>
+        <p:spPr>
+          <a:xfrm>
+            <a:off x="7973423" y="4195899"/>
+            <a:ext cx="3289900" cy="576262"/>
+          </a:xfrm>
+        </p:spPr>
+        <p:txBody>
+          <a:bodyPr anchor="b">
+            <a:noAutofit/>
+          </a:bodyPr>
+          <a:lstStyle>
+            <a:lvl1pPr marL="0" indent="0" algn="ctr">
+              <a:lnSpc>
+                <a:spcPct val="100000"/>
+              </a:lnSpc>
+              <a:buNone/>
+              <a:defRPr sz="2000" b="0">
+                <a:solidFill>
+                  <a:schemeClr val="tx1"/>
+                </a:solidFill>
+              </a:defRPr>
+            </a:lvl1pPr>
+            <a:lvl2pPr marL="457200" indent="0">
+              <a:buNone/>
+              <a:defRPr sz="2000" b="1"/>
+            </a:lvl2pPr>
+            <a:lvl3pPr marL="914400" indent="0">
+              <a:buNone/>
+              <a:defRPr sz="1800" b="1"/>
+            </a:lvl3pPr>
+            <a:lvl4pPr marL="1371600" indent="0">
+              <a:buNone/>
+              <a:defRPr sz="1600" b="1"/>
+            </a:lvl4pPr>
+            <a:lvl5pPr marL="1828800" indent="0">
+              <a:buNone/>
+              <a:defRPr sz="1600" b="1"/>
+            </a:lvl5pPr>
+            <a:lvl6pPr marL="2286000" indent="0">
+              <a:buNone/>
+              <a:defRPr sz="1600" b="1"/>
+            </a:lvl6pPr>
+            <a:lvl7pPr marL="2743200" indent="0">
+              <a:buNone/>
+              <a:defRPr sz="1600" b="1"/>
+            </a:lvl7pPr>
+            <a:lvl8pPr marL="3200400" indent="0">
+              <a:buNone/>
+              <a:defRPr sz="1600" b="1"/>
+            </a:lvl8pPr>
+            <a:lvl9pPr marL="3657600" indent="0">
+              <a:buNone/>
+              <a:defRPr sz="1600" b="1"/>
+            </a:lvl9pPr>
+          </a:lstStyle>
+          <a:p>
+            <a:pPr lvl="0"/>
+            <a:r>
+              <a:rPr lang="ru-RU" smtClean="0"/>
+              <a:t>Образец текста</a:t>
+            </a:r>
+          </a:p>
+        </p:txBody>
+      </p:sp>
+      <p:sp>
+        <p:nvSpPr>
+          <p:cNvPr id="26" name="Picture Placeholder 2"/>
+          <p:cNvSpPr>
+            <a:spLocks noGrp="1" noChangeAspect="1"/>
+          </p:cNvSpPr>
+          <p:nvPr>
+            <p:ph type="pic" idx="22"/>
+          </p:nvPr>
+        </p:nvSpPr>
+        <p:spPr>
+          <a:xfrm>
+            <a:off x="8152803" y="2298987"/>
+            <a:ext cx="2932113" cy="1524000"/>
+          </a:xfrm>
+          <a:prstGeom prst="roundRect">
+            <a:avLst>
+              <a:gd name="adj" fmla="val 0"/>
+            </a:avLst>
+          </a:prstGeom>
+          <a:noFill/>
+          <a:ln w="146050" cap="sq">
+            <a:solidFill>
+              <a:srgbClr val="FFFFFF"/>
+            </a:solidFill>
+            <a:miter lim="800000"/>
+          </a:ln>
+          <a:effectLst>
+            <a:outerShdw blurRad="55000" dist="18000" dir="5400000" algn="tl" rotWithShape="0">
+              <a:srgbClr val="000000">
+                <a:alpha val="40000"/>
+              </a:srgbClr>
+            </a:outerShdw>
+          </a:effectLst>
+          <a:scene3d>
+            <a:camera prst="orthographicFront"/>
+            <a:lightRig rig="twoPt" dir="t">
+              <a:rot lat="0" lon="0" rev="7200000"/>
+            </a:lightRig>
+          </a:scene3d>
+          <a:sp3d>
+            <a:bevelT w="25400" h="19050"/>
+            <a:contourClr>
+              <a:srgbClr val="FFFFFF"/>
+            </a:contourClr>
+          </a:sp3d>
+        </p:spPr>
+        <p:txBody>
+          <a:bodyPr anchor="t">
+            <a:normAutofit/>
+          </a:bodyPr>
+          <a:lstStyle>
+            <a:lvl1pPr marL="0" indent="0" algn="ctr">
+              <a:buNone/>
+              <a:defRPr sz="1600"/>
+            </a:lvl1pPr>
+            <a:lvl2pPr marL="457200" indent="0">
+              <a:buNone/>
+              <a:defRPr sz="1600"/>
+            </a:lvl2pPr>
+            <a:lvl3pPr marL="914400" indent="0">
+              <a:buNone/>
+              <a:defRPr sz="1600"/>
+            </a:lvl3pPr>
+            <a:lvl4pPr marL="1371600" indent="0">
+              <a:buNone/>
+              <a:defRPr sz="1600"/>
+            </a:lvl4pPr>
+            <a:lvl5pPr marL="1828800" indent="0">
+              <a:buNone/>
+              <a:defRPr sz="1600"/>
+            </a:lvl5pPr>
+            <a:lvl6pPr marL="2286000" indent="0">
+              <a:buNone/>
+              <a:defRPr sz="1600"/>
+            </a:lvl6pPr>
+            <a:lvl7pPr marL="2743200" indent="0">
+              <a:buNone/>
+              <a:defRPr sz="1600"/>
+            </a:lvl7pPr>
+            <a:lvl8pPr marL="3200400" indent="0">
+              <a:buNone/>
+              <a:defRPr sz="1600"/>
+            </a:lvl8pPr>
+            <a:lvl9pPr marL="3657600" indent="0">
+              <a:buNone/>
+              <a:defRPr sz="1600"/>
+            </a:lvl9pPr>
+          </a:lstStyle>
+          <a:p>
+            <a:r>
+              <a:rPr lang="ru-RU" smtClean="0"/>
+              <a:t>Вставка рисунка</a:t>
+            </a:r>
+            <a:endParaRPr lang="en-US" dirty="0"/>
+          </a:p>
+        </p:txBody>
+      </p:sp>
+      <p:sp>
+        <p:nvSpPr>
+          <p:cNvPr id="27" name="Text Placeholder 3"/>
+          <p:cNvSpPr>
+            <a:spLocks noGrp="1"/>
+          </p:cNvSpPr>
+          <p:nvPr>
+            <p:ph type="body" sz="half" idx="20"/>
+          </p:nvPr>
+        </p:nvSpPr>
+        <p:spPr>
+          <a:xfrm>
+            <a:off x="7973298" y="4772161"/>
+            <a:ext cx="3294258" cy="1019037"/>
+          </a:xfrm>
+        </p:spPr>
+        <p:txBody>
+          <a:bodyPr anchor="t">
+            <a:normAutofit/>
+          </a:bodyPr>
+          <a:lstStyle>
+            <a:lvl1pPr marL="0" indent="0" algn="ctr">
+              <a:buNone/>
+              <a:defRPr sz="1400"/>
+            </a:lvl1pPr>
+            <a:lvl2pPr marL="457200" indent="0">
+              <a:buNone/>
+              <a:defRPr sz="1200"/>
+            </a:lvl2pPr>
+            <a:lvl3pPr marL="914400" indent="0">
+              <a:buNone/>
+              <a:defRPr sz="1000"/>
+            </a:lvl3pPr>
+            <a:lvl4pPr marL="1371600" indent="0">
+              <a:buNone/>
+              <a:defRPr sz="900"/>
+            </a:lvl4pPr>
+            <a:lvl5pPr marL="1828800" indent="0">
+              <a:buNone/>
+              <a:defRPr sz="900"/>
+            </a:lvl5pPr>
+            <a:lvl6pPr marL="2286000" indent="0">
+              <a:buNone/>
+              <a:defRPr sz="900"/>
+            </a:lvl6pPr>
+            <a:lvl7pPr marL="2743200" indent="0">
+              <a:buNone/>
+              <a:defRPr sz="900"/>
+            </a:lvl7pPr>
+            <a:lvl8pPr marL="3200400" indent="0">
+              <a:buNone/>
+              <a:defRPr sz="900"/>
+            </a:lvl8pPr>
+            <a:lvl9pPr marL="3657600" indent="0">
+              <a:buNone/>
+              <a:defRPr sz="900"/>
+            </a:lvl9pPr>
+          </a:lstStyle>
+          <a:p>
+            <a:pPr lvl="0"/>
+            <a:r>
+              <a:rPr lang="ru-RU" smtClean="0"/>
+              <a:t>Образец текста</a:t>
+            </a:r>
+          </a:p>
+        </p:txBody>
+      </p:sp>
+      <p:sp>
+        <p:nvSpPr>
+          <p:cNvPr id="3" name="Date Placeholder 2"/>
+          <p:cNvSpPr>
+            <a:spLocks noGrp="1"/>
+          </p:cNvSpPr>
+          <p:nvPr>
+            <p:ph type="dt" sz="half" idx="10"/>
+          </p:nvPr>
+        </p:nvSpPr>
+        <p:spPr/>
+        <p:txBody>
+          <a:bodyPr/>
+          <a:lstStyle/>
+          <a:p>
+            <a:fld id="{5C592379-A7E8-405E-B755-9577B6DC0DD7}" type="datetimeFigureOut">
+              <a:rPr lang="ru-RU" smtClean="0"/>
+              <a:t>16.12.2024</a:t>
+            </a:fld>
+            <a:endParaRPr lang="ru-RU"/>
+          </a:p>
+        </p:txBody>
+      </p:sp>
+      <p:sp>
+        <p:nvSpPr>
+          <p:cNvPr id="4" name="Footer Placeholder 3"/>
+          <p:cNvSpPr>
+            <a:spLocks noGrp="1"/>
+          </p:cNvSpPr>
+          <p:nvPr>
+            <p:ph type="ftr" sz="quarter" idx="11"/>
+          </p:nvPr>
+        </p:nvSpPr>
+        <p:spPr/>
+        <p:txBody>
+          <a:bodyPr/>
+          <a:lstStyle/>
+          <a:p>
+            <a:endParaRPr lang="ru-RU"/>
+          </a:p>
+        </p:txBody>
+      </p:sp>
+      <p:sp>
+        <p:nvSpPr>
+          <p:cNvPr id="5" name="Slide Number Placeholder 4"/>
+          <p:cNvSpPr>
+            <a:spLocks noGrp="1"/>
+          </p:cNvSpPr>
+          <p:nvPr>
+            <p:ph type="sldNum" sz="quarter" idx="12"/>
+          </p:nvPr>
+        </p:nvSpPr>
+        <p:spPr/>
+        <p:txBody>
+          <a:bodyPr/>
+          <a:lstStyle/>
+          <a:p>
+            <a:fld id="{BD2B9FBE-D97B-4608-83A9-FBFC9D49D552}" type="slidenum">
+              <a:rPr lang="ru-RU" smtClean="0"/>
+              <a:t>‹#›</a:t>
+            </a:fld>
+            <a:endParaRPr lang="ru-RU"/>
+          </a:p>
+        </p:txBody>
+      </p:sp>
+    </p:spTree>
+    <p:extLst>
+      <p:ext uri="{BB962C8B-B14F-4D97-AF65-F5344CB8AC3E}">
+        <p14:creationId xmlns:p14="http://schemas.microsoft.com/office/powerpoint/2010/main" val="1381654315"/>
+      </p:ext>
+    </p:extLst>
+  </p:cSld>
+  <p:clrMapOvr>
+    <a:masterClrMapping/>
+  </p:clrMapOvr>
+</p:sldLayout>
+</file>
+
+<file path=ppt/slideLayouts/slideLayout16.xml><?xml version="1.0" encoding="utf-8"?>
 <p:sldLayout xmlns:a="http://schemas.openxmlformats.org/drawingml/2006/main" xmlns:r="http://schemas.openxmlformats.org/officeDocument/2006/relationships" xmlns:p="http://schemas.openxmlformats.org/presentationml/2006/main" type="vertTx" preserve="1">
   <p:cSld name="Заголовок и вертикальный текст">
     <p:spTree>
@@ -323,7 +2881,7 @@
       </p:grpSpPr>
       <p:sp>
         <p:nvSpPr>
-          <p:cNvPr id="2" name="Заголовок 1"/>
+          <p:cNvPr id="2" name="Title 1"/>
           <p:cNvSpPr>
             <a:spLocks noGrp="1"/>
           </p:cNvSpPr>
@@ -340,13 +2898,13 @@
               <a:rPr lang="ru-RU" smtClean="0"/>
               <a:t>Образец заголовка</a:t>
             </a:r>
-            <a:endParaRPr lang="ru-RU"/>
-          </a:p>
-        </p:txBody>
-      </p:sp>
-      <p:sp>
-        <p:nvSpPr>
-          <p:cNvPr id="3" name="Вертикальный текст 2"/>
+            <a:endParaRPr lang="en-US" dirty="0"/>
+          </a:p>
+        </p:txBody>
+      </p:sp>
+      <p:sp>
+        <p:nvSpPr>
+          <p:cNvPr id="3" name="Vertical Text Placeholder 2"/>
           <p:cNvSpPr>
             <a:spLocks noGrp="1"/>
           </p:cNvSpPr>
@@ -392,13 +2950,13 @@
               <a:rPr lang="ru-RU" smtClean="0"/>
               <a:t>Пятый уровень</a:t>
             </a:r>
-            <a:endParaRPr lang="ru-RU"/>
-          </a:p>
-        </p:txBody>
-      </p:sp>
-      <p:sp>
-        <p:nvSpPr>
-          <p:cNvPr id="4" name="Дата 3"/>
+            <a:endParaRPr lang="en-US" dirty="0"/>
+          </a:p>
+        </p:txBody>
+      </p:sp>
+      <p:sp>
+        <p:nvSpPr>
+          <p:cNvPr id="4" name="Date Placeholder 3"/>
           <p:cNvSpPr>
             <a:spLocks noGrp="1"/>
           </p:cNvSpPr>
@@ -413,7 +2971,7 @@
           <a:p>
             <a:fld id="{5C592379-A7E8-405E-B755-9577B6DC0DD7}" type="datetimeFigureOut">
               <a:rPr lang="ru-RU" smtClean="0"/>
-              <a:t>25.11.2024</a:t>
+              <a:t>16.12.2024</a:t>
             </a:fld>
             <a:endParaRPr lang="ru-RU"/>
           </a:p>
@@ -421,7 +2979,7 @@
       </p:sp>
       <p:sp>
         <p:nvSpPr>
-          <p:cNvPr id="5" name="Нижний колонтитул 4"/>
+          <p:cNvPr id="5" name="Footer Placeholder 4"/>
           <p:cNvSpPr>
             <a:spLocks noGrp="1"/>
           </p:cNvSpPr>
@@ -440,7 +2998,7 @@
       </p:sp>
       <p:sp>
         <p:nvSpPr>
-          <p:cNvPr id="6" name="Номер слайда 5"/>
+          <p:cNvPr id="6" name="Slide Number Placeholder 5"/>
           <p:cNvSpPr>
             <a:spLocks noGrp="1"/>
           </p:cNvSpPr>
@@ -464,7 +3022,7 @@
     </p:spTree>
     <p:extLst>
       <p:ext uri="{BB962C8B-B14F-4D97-AF65-F5344CB8AC3E}">
-        <p14:creationId xmlns:p14="http://schemas.microsoft.com/office/powerpoint/2010/main" val="308782267"/>
+        <p14:creationId xmlns:p14="http://schemas.microsoft.com/office/powerpoint/2010/main" val="807879702"/>
       </p:ext>
     </p:extLst>
   </p:cSld>
@@ -474,7 +3032,7 @@
 </p:sldLayout>
 </file>
 
-<file path=ppt/slideLayouts/slideLayout11.xml><?xml version="1.0" encoding="utf-8"?>
+<file path=ppt/slideLayouts/slideLayout17.xml><?xml version="1.0" encoding="utf-8"?>
 <p:sldLayout xmlns:a="http://schemas.openxmlformats.org/drawingml/2006/main" xmlns:r="http://schemas.openxmlformats.org/officeDocument/2006/relationships" xmlns:p="http://schemas.openxmlformats.org/presentationml/2006/main" type="vertTitleAndTx" preserve="1">
   <p:cSld name="Вертикальный заголовок и текст">
     <p:spTree>
@@ -493,7 +3051,7 @@
       </p:grpSpPr>
       <p:sp>
         <p:nvSpPr>
-          <p:cNvPr id="2" name="Вертикальный заголовок 1"/>
+          <p:cNvPr id="2" name="Vertical Title 1"/>
           <p:cNvSpPr>
             <a:spLocks noGrp="1"/>
           </p:cNvSpPr>
@@ -503,25 +3061,29 @@
         </p:nvSpPr>
         <p:spPr>
           <a:xfrm>
-            <a:off x="8724900" y="365125"/>
-            <a:ext cx="2628900" cy="5811838"/>
+            <a:off x="8724900" y="609599"/>
+            <a:ext cx="2542657" cy="5181601"/>
           </a:xfrm>
         </p:spPr>
         <p:txBody>
           <a:bodyPr vert="eaVert"/>
-          <a:lstStyle/>
+          <a:lstStyle>
+            <a:lvl1pPr algn="l">
+              <a:defRPr/>
+            </a:lvl1pPr>
+          </a:lstStyle>
           <a:p>
             <a:r>
               <a:rPr lang="ru-RU" smtClean="0"/>
               <a:t>Образец заголовка</a:t>
             </a:r>
-            <a:endParaRPr lang="ru-RU"/>
-          </a:p>
-        </p:txBody>
-      </p:sp>
-      <p:sp>
-        <p:nvSpPr>
-          <p:cNvPr id="3" name="Вертикальный текст 2"/>
+            <a:endParaRPr lang="en-US" dirty="0"/>
+          </a:p>
+        </p:txBody>
+      </p:sp>
+      <p:sp>
+        <p:nvSpPr>
+          <p:cNvPr id="3" name="Vertical Text Placeholder 2"/>
           <p:cNvSpPr>
             <a:spLocks noGrp="1"/>
           </p:cNvSpPr>
@@ -531,8 +3093,8 @@
         </p:nvSpPr>
         <p:spPr>
           <a:xfrm>
-            <a:off x="838200" y="365125"/>
-            <a:ext cx="7734300" cy="5811838"/>
+            <a:off x="913794" y="609599"/>
+            <a:ext cx="7658705" cy="5181601"/>
           </a:xfrm>
         </p:spPr>
         <p:txBody>
@@ -572,13 +3134,13 @@
               <a:rPr lang="ru-RU" smtClean="0"/>
               <a:t>Пятый уровень</a:t>
             </a:r>
-            <a:endParaRPr lang="ru-RU"/>
-          </a:p>
-        </p:txBody>
-      </p:sp>
-      <p:sp>
-        <p:nvSpPr>
-          <p:cNvPr id="4" name="Дата 3"/>
+            <a:endParaRPr lang="en-US" dirty="0"/>
+          </a:p>
+        </p:txBody>
+      </p:sp>
+      <p:sp>
+        <p:nvSpPr>
+          <p:cNvPr id="4" name="Date Placeholder 3"/>
           <p:cNvSpPr>
             <a:spLocks noGrp="1"/>
           </p:cNvSpPr>
@@ -593,7 +3155,7 @@
           <a:p>
             <a:fld id="{5C592379-A7E8-405E-B755-9577B6DC0DD7}" type="datetimeFigureOut">
               <a:rPr lang="ru-RU" smtClean="0"/>
-              <a:t>25.11.2024</a:t>
+              <a:t>16.12.2024</a:t>
             </a:fld>
             <a:endParaRPr lang="ru-RU"/>
           </a:p>
@@ -601,7 +3163,7 @@
       </p:sp>
       <p:sp>
         <p:nvSpPr>
-          <p:cNvPr id="5" name="Нижний колонтитул 4"/>
+          <p:cNvPr id="5" name="Footer Placeholder 4"/>
           <p:cNvSpPr>
             <a:spLocks noGrp="1"/>
           </p:cNvSpPr>
@@ -620,7 +3182,7 @@
       </p:sp>
       <p:sp>
         <p:nvSpPr>
-          <p:cNvPr id="6" name="Номер слайда 5"/>
+          <p:cNvPr id="6" name="Slide Number Placeholder 5"/>
           <p:cNvSpPr>
             <a:spLocks noGrp="1"/>
           </p:cNvSpPr>
@@ -644,7 +3206,7 @@
     </p:spTree>
     <p:extLst>
       <p:ext uri="{BB962C8B-B14F-4D97-AF65-F5344CB8AC3E}">
-        <p14:creationId xmlns:p14="http://schemas.microsoft.com/office/powerpoint/2010/main" val="2011338883"/>
+        <p14:creationId xmlns:p14="http://schemas.microsoft.com/office/powerpoint/2010/main" val="1720475908"/>
       </p:ext>
     </p:extLst>
   </p:cSld>
@@ -673,7 +3235,7 @@
       </p:grpSpPr>
       <p:sp>
         <p:nvSpPr>
-          <p:cNvPr id="2" name="Заголовок 1"/>
+          <p:cNvPr id="2" name="Title 1"/>
           <p:cNvSpPr>
             <a:spLocks noGrp="1"/>
           </p:cNvSpPr>
@@ -690,13 +3252,13 @@
               <a:rPr lang="ru-RU" smtClean="0"/>
               <a:t>Образец заголовка</a:t>
             </a:r>
-            <a:endParaRPr lang="ru-RU"/>
-          </a:p>
-        </p:txBody>
-      </p:sp>
-      <p:sp>
-        <p:nvSpPr>
-          <p:cNvPr id="3" name="Объект 2"/>
+            <a:endParaRPr lang="en-US" dirty="0"/>
+          </a:p>
+        </p:txBody>
+      </p:sp>
+      <p:sp>
+        <p:nvSpPr>
+          <p:cNvPr id="3" name="Content Placeholder 2"/>
           <p:cNvSpPr>
             <a:spLocks noGrp="1"/>
           </p:cNvSpPr>
@@ -742,13 +3304,13 @@
               <a:rPr lang="ru-RU" smtClean="0"/>
               <a:t>Пятый уровень</a:t>
             </a:r>
-            <a:endParaRPr lang="ru-RU"/>
-          </a:p>
-        </p:txBody>
-      </p:sp>
-      <p:sp>
-        <p:nvSpPr>
-          <p:cNvPr id="4" name="Дата 3"/>
+            <a:endParaRPr lang="en-US" dirty="0"/>
+          </a:p>
+        </p:txBody>
+      </p:sp>
+      <p:sp>
+        <p:nvSpPr>
+          <p:cNvPr id="4" name="Date Placeholder 3"/>
           <p:cNvSpPr>
             <a:spLocks noGrp="1"/>
           </p:cNvSpPr>
@@ -763,7 +3325,7 @@
           <a:p>
             <a:fld id="{5C592379-A7E8-405E-B755-9577B6DC0DD7}" type="datetimeFigureOut">
               <a:rPr lang="ru-RU" smtClean="0"/>
-              <a:t>25.11.2024</a:t>
+              <a:t>16.12.2024</a:t>
             </a:fld>
             <a:endParaRPr lang="ru-RU"/>
           </a:p>
@@ -771,7 +3333,7 @@
       </p:sp>
       <p:sp>
         <p:nvSpPr>
-          <p:cNvPr id="5" name="Нижний колонтитул 4"/>
+          <p:cNvPr id="5" name="Footer Placeholder 4"/>
           <p:cNvSpPr>
             <a:spLocks noGrp="1"/>
           </p:cNvSpPr>
@@ -790,7 +3352,7 @@
       </p:sp>
       <p:sp>
         <p:nvSpPr>
-          <p:cNvPr id="6" name="Номер слайда 5"/>
+          <p:cNvPr id="6" name="Slide Number Placeholder 5"/>
           <p:cNvSpPr>
             <a:spLocks noGrp="1"/>
           </p:cNvSpPr>
@@ -814,7 +3376,7 @@
     </p:spTree>
     <p:extLst>
       <p:ext uri="{BB962C8B-B14F-4D97-AF65-F5344CB8AC3E}">
-        <p14:creationId xmlns:p14="http://schemas.microsoft.com/office/powerpoint/2010/main" val="1423513622"/>
+        <p14:creationId xmlns:p14="http://schemas.microsoft.com/office/powerpoint/2010/main" val="2819654216"/>
       </p:ext>
     </p:extLst>
   </p:cSld>
@@ -843,7 +3405,7 @@
       </p:grpSpPr>
       <p:sp>
         <p:nvSpPr>
-          <p:cNvPr id="2" name="Заголовок 1"/>
+          <p:cNvPr id="2" name="Title 1"/>
           <p:cNvSpPr>
             <a:spLocks noGrp="1"/>
           </p:cNvSpPr>
@@ -853,15 +3415,17 @@
         </p:nvSpPr>
         <p:spPr>
           <a:xfrm>
-            <a:off x="831850" y="1709738"/>
-            <a:ext cx="10515600" cy="2852737"/>
-          </a:xfrm>
-        </p:spPr>
-        <p:txBody>
-          <a:bodyPr anchor="b"/>
+            <a:off x="1229244" y="657226"/>
+            <a:ext cx="9733512" cy="2852737"/>
+          </a:xfrm>
+        </p:spPr>
+        <p:txBody>
+          <a:bodyPr anchor="b">
+            <a:normAutofit/>
+          </a:bodyPr>
           <a:lstStyle>
             <a:lvl1pPr>
-              <a:defRPr sz="6000"/>
+              <a:defRPr sz="3400"/>
             </a:lvl1pPr>
           </a:lstStyle>
           <a:p>
@@ -869,13 +3433,13 @@
               <a:rPr lang="ru-RU" smtClean="0"/>
               <a:t>Образец заголовка</a:t>
             </a:r>
-            <a:endParaRPr lang="ru-RU"/>
-          </a:p>
-        </p:txBody>
-      </p:sp>
-      <p:sp>
-        <p:nvSpPr>
-          <p:cNvPr id="3" name="Текст 2"/>
+            <a:endParaRPr lang="en-US" dirty="0"/>
+          </a:p>
+        </p:txBody>
+      </p:sp>
+      <p:sp>
+        <p:nvSpPr>
+          <p:cNvPr id="3" name="Text Placeholder 2"/>
           <p:cNvSpPr>
             <a:spLocks noGrp="1"/>
           </p:cNvSpPr>
@@ -885,14 +3449,14 @@
         </p:nvSpPr>
         <p:spPr>
           <a:xfrm>
-            <a:off x="831850" y="4589463"/>
-            <a:ext cx="10515600" cy="1500187"/>
+            <a:off x="1229244" y="3602038"/>
+            <a:ext cx="9733512" cy="1500187"/>
           </a:xfrm>
         </p:spPr>
         <p:txBody>
           <a:bodyPr/>
           <a:lstStyle>
-            <a:lvl1pPr marL="0" indent="0">
+            <a:lvl1pPr marL="0" indent="0" algn="ctr">
               <a:buNone/>
               <a:defRPr sz="2400">
                 <a:solidFill>
@@ -994,7 +3558,7 @@
       </p:sp>
       <p:sp>
         <p:nvSpPr>
-          <p:cNvPr id="4" name="Дата 3"/>
+          <p:cNvPr id="4" name="Date Placeholder 3"/>
           <p:cNvSpPr>
             <a:spLocks noGrp="1"/>
           </p:cNvSpPr>
@@ -1009,7 +3573,7 @@
           <a:p>
             <a:fld id="{5C592379-A7E8-405E-B755-9577B6DC0DD7}" type="datetimeFigureOut">
               <a:rPr lang="ru-RU" smtClean="0"/>
-              <a:t>25.11.2024</a:t>
+              <a:t>16.12.2024</a:t>
             </a:fld>
             <a:endParaRPr lang="ru-RU"/>
           </a:p>
@@ -1017,7 +3581,7 @@
       </p:sp>
       <p:sp>
         <p:nvSpPr>
-          <p:cNvPr id="5" name="Нижний колонтитул 4"/>
+          <p:cNvPr id="5" name="Footer Placeholder 4"/>
           <p:cNvSpPr>
             <a:spLocks noGrp="1"/>
           </p:cNvSpPr>
@@ -1036,7 +3600,7 @@
       </p:sp>
       <p:sp>
         <p:nvSpPr>
-          <p:cNvPr id="6" name="Номер слайда 5"/>
+          <p:cNvPr id="6" name="Slide Number Placeholder 5"/>
           <p:cNvSpPr>
             <a:spLocks noGrp="1"/>
           </p:cNvSpPr>
@@ -1060,7 +3624,7 @@
     </p:spTree>
     <p:extLst>
       <p:ext uri="{BB962C8B-B14F-4D97-AF65-F5344CB8AC3E}">
-        <p14:creationId xmlns:p14="http://schemas.microsoft.com/office/powerpoint/2010/main" val="19223189"/>
+        <p14:creationId xmlns:p14="http://schemas.microsoft.com/office/powerpoint/2010/main" val="1466547668"/>
       </p:ext>
     </p:extLst>
   </p:cSld>
@@ -1089,7 +3653,7 @@
       </p:grpSpPr>
       <p:sp>
         <p:nvSpPr>
-          <p:cNvPr id="2" name="Заголовок 1"/>
+          <p:cNvPr id="2" name="Title 1"/>
           <p:cNvSpPr>
             <a:spLocks noGrp="1"/>
           </p:cNvSpPr>
@@ -1097,151 +3661,156 @@
             <p:ph type="title"/>
           </p:nvPr>
         </p:nvSpPr>
+        <p:spPr>
+          <a:xfrm>
+            <a:off x="913795" y="609600"/>
+            <a:ext cx="10353761" cy="1326321"/>
+          </a:xfrm>
+        </p:spPr>
+        <p:txBody>
+          <a:bodyPr/>
+          <a:lstStyle/>
+          <a:p>
+            <a:r>
+              <a:rPr lang="ru-RU" smtClean="0"/>
+              <a:t>Образец заголовка</a:t>
+            </a:r>
+            <a:endParaRPr lang="en-US" dirty="0"/>
+          </a:p>
+        </p:txBody>
+      </p:sp>
+      <p:sp>
+        <p:nvSpPr>
+          <p:cNvPr id="3" name="Content Placeholder 2"/>
+          <p:cNvSpPr>
+            <a:spLocks noGrp="1"/>
+          </p:cNvSpPr>
+          <p:nvPr>
+            <p:ph sz="half" idx="1"/>
+          </p:nvPr>
+        </p:nvSpPr>
+        <p:spPr>
+          <a:xfrm>
+            <a:off x="913795" y="2088319"/>
+            <a:ext cx="5106004" cy="3702881"/>
+          </a:xfrm>
+        </p:spPr>
+        <p:txBody>
+          <a:bodyPr/>
+          <a:lstStyle/>
+          <a:p>
+            <a:pPr lvl="0"/>
+            <a:r>
+              <a:rPr lang="ru-RU" smtClean="0"/>
+              <a:t>Образец текста</a:t>
+            </a:r>
+          </a:p>
+          <a:p>
+            <a:pPr lvl="1"/>
+            <a:r>
+              <a:rPr lang="ru-RU" smtClean="0"/>
+              <a:t>Второй уровень</a:t>
+            </a:r>
+          </a:p>
+          <a:p>
+            <a:pPr lvl="2"/>
+            <a:r>
+              <a:rPr lang="ru-RU" smtClean="0"/>
+              <a:t>Третий уровень</a:t>
+            </a:r>
+          </a:p>
+          <a:p>
+            <a:pPr lvl="3"/>
+            <a:r>
+              <a:rPr lang="ru-RU" smtClean="0"/>
+              <a:t>Четвертый уровень</a:t>
+            </a:r>
+          </a:p>
+          <a:p>
+            <a:pPr lvl="4"/>
+            <a:r>
+              <a:rPr lang="ru-RU" smtClean="0"/>
+              <a:t>Пятый уровень</a:t>
+            </a:r>
+            <a:endParaRPr lang="en-US" dirty="0"/>
+          </a:p>
+        </p:txBody>
+      </p:sp>
+      <p:sp>
+        <p:nvSpPr>
+          <p:cNvPr id="4" name="Content Placeholder 3"/>
+          <p:cNvSpPr>
+            <a:spLocks noGrp="1"/>
+          </p:cNvSpPr>
+          <p:nvPr>
+            <p:ph sz="half" idx="2"/>
+          </p:nvPr>
+        </p:nvSpPr>
+        <p:spPr>
+          <a:xfrm>
+            <a:off x="6173403" y="2088319"/>
+            <a:ext cx="5094154" cy="3702881"/>
+          </a:xfrm>
+        </p:spPr>
+        <p:txBody>
+          <a:bodyPr/>
+          <a:lstStyle/>
+          <a:p>
+            <a:pPr lvl="0"/>
+            <a:r>
+              <a:rPr lang="ru-RU" smtClean="0"/>
+              <a:t>Образец текста</a:t>
+            </a:r>
+          </a:p>
+          <a:p>
+            <a:pPr lvl="1"/>
+            <a:r>
+              <a:rPr lang="ru-RU" smtClean="0"/>
+              <a:t>Второй уровень</a:t>
+            </a:r>
+          </a:p>
+          <a:p>
+            <a:pPr lvl="2"/>
+            <a:r>
+              <a:rPr lang="ru-RU" smtClean="0"/>
+              <a:t>Третий уровень</a:t>
+            </a:r>
+          </a:p>
+          <a:p>
+            <a:pPr lvl="3"/>
+            <a:r>
+              <a:rPr lang="ru-RU" smtClean="0"/>
+              <a:t>Четвертый уровень</a:t>
+            </a:r>
+          </a:p>
+          <a:p>
+            <a:pPr lvl="4"/>
+            <a:r>
+              <a:rPr lang="ru-RU" smtClean="0"/>
+              <a:t>Пятый уровень</a:t>
+            </a:r>
+            <a:endParaRPr lang="en-US" dirty="0"/>
+          </a:p>
+        </p:txBody>
+      </p:sp>
+      <p:sp>
+        <p:nvSpPr>
+          <p:cNvPr id="5" name="Date Placeholder 4"/>
+          <p:cNvSpPr>
+            <a:spLocks noGrp="1"/>
+          </p:cNvSpPr>
+          <p:nvPr>
+            <p:ph type="dt" sz="half" idx="10"/>
+          </p:nvPr>
+        </p:nvSpPr>
         <p:spPr/>
         <p:txBody>
           <a:bodyPr/>
           <a:lstStyle/>
           <a:p>
-            <a:r>
-              <a:rPr lang="ru-RU" smtClean="0"/>
-              <a:t>Образец заголовка</a:t>
-            </a:r>
-            <a:endParaRPr lang="ru-RU"/>
-          </a:p>
-        </p:txBody>
-      </p:sp>
-      <p:sp>
-        <p:nvSpPr>
-          <p:cNvPr id="3" name="Объект 2"/>
-          <p:cNvSpPr>
-            <a:spLocks noGrp="1"/>
-          </p:cNvSpPr>
-          <p:nvPr>
-            <p:ph sz="half" idx="1"/>
-          </p:nvPr>
-        </p:nvSpPr>
-        <p:spPr>
-          <a:xfrm>
-            <a:off x="838200" y="1825625"/>
-            <a:ext cx="5181600" cy="4351338"/>
-          </a:xfrm>
-        </p:spPr>
-        <p:txBody>
-          <a:bodyPr/>
-          <a:lstStyle/>
-          <a:p>
-            <a:pPr lvl="0"/>
-            <a:r>
-              <a:rPr lang="ru-RU" smtClean="0"/>
-              <a:t>Образец текста</a:t>
-            </a:r>
-          </a:p>
-          <a:p>
-            <a:pPr lvl="1"/>
-            <a:r>
-              <a:rPr lang="ru-RU" smtClean="0"/>
-              <a:t>Второй уровень</a:t>
-            </a:r>
-          </a:p>
-          <a:p>
-            <a:pPr lvl="2"/>
-            <a:r>
-              <a:rPr lang="ru-RU" smtClean="0"/>
-              <a:t>Третий уровень</a:t>
-            </a:r>
-          </a:p>
-          <a:p>
-            <a:pPr lvl="3"/>
-            <a:r>
-              <a:rPr lang="ru-RU" smtClean="0"/>
-              <a:t>Четвертый уровень</a:t>
-            </a:r>
-          </a:p>
-          <a:p>
-            <a:pPr lvl="4"/>
-            <a:r>
-              <a:rPr lang="ru-RU" smtClean="0"/>
-              <a:t>Пятый уровень</a:t>
-            </a:r>
-            <a:endParaRPr lang="ru-RU"/>
-          </a:p>
-        </p:txBody>
-      </p:sp>
-      <p:sp>
-        <p:nvSpPr>
-          <p:cNvPr id="4" name="Объект 3"/>
-          <p:cNvSpPr>
-            <a:spLocks noGrp="1"/>
-          </p:cNvSpPr>
-          <p:nvPr>
-            <p:ph sz="half" idx="2"/>
-          </p:nvPr>
-        </p:nvSpPr>
-        <p:spPr>
-          <a:xfrm>
-            <a:off x="6172200" y="1825625"/>
-            <a:ext cx="5181600" cy="4351338"/>
-          </a:xfrm>
-        </p:spPr>
-        <p:txBody>
-          <a:bodyPr/>
-          <a:lstStyle/>
-          <a:p>
-            <a:pPr lvl="0"/>
-            <a:r>
-              <a:rPr lang="ru-RU" smtClean="0"/>
-              <a:t>Образец текста</a:t>
-            </a:r>
-          </a:p>
-          <a:p>
-            <a:pPr lvl="1"/>
-            <a:r>
-              <a:rPr lang="ru-RU" smtClean="0"/>
-              <a:t>Второй уровень</a:t>
-            </a:r>
-          </a:p>
-          <a:p>
-            <a:pPr lvl="2"/>
-            <a:r>
-              <a:rPr lang="ru-RU" smtClean="0"/>
-              <a:t>Третий уровень</a:t>
-            </a:r>
-          </a:p>
-          <a:p>
-            <a:pPr lvl="3"/>
-            <a:r>
-              <a:rPr lang="ru-RU" smtClean="0"/>
-              <a:t>Четвертый уровень</a:t>
-            </a:r>
-          </a:p>
-          <a:p>
-            <a:pPr lvl="4"/>
-            <a:r>
-              <a:rPr lang="ru-RU" smtClean="0"/>
-              <a:t>Пятый уровень</a:t>
-            </a:r>
-            <a:endParaRPr lang="ru-RU"/>
-          </a:p>
-        </p:txBody>
-      </p:sp>
-      <p:sp>
-        <p:nvSpPr>
-          <p:cNvPr id="5" name="Дата 4"/>
-          <p:cNvSpPr>
-            <a:spLocks noGrp="1"/>
-          </p:cNvSpPr>
-          <p:nvPr>
-            <p:ph type="dt" sz="half" idx="10"/>
-          </p:nvPr>
-        </p:nvSpPr>
-        <p:spPr/>
-        <p:txBody>
-          <a:bodyPr/>
-          <a:lstStyle/>
-          <a:p>
             <a:fld id="{5C592379-A7E8-405E-B755-9577B6DC0DD7}" type="datetimeFigureOut">
               <a:rPr lang="ru-RU" smtClean="0"/>
-              <a:t>25.11.2024</a:t>
+              <a:t>16.12.2024</a:t>
             </a:fld>
             <a:endParaRPr lang="ru-RU"/>
           </a:p>
@@ -1249,7 +3818,7 @@
       </p:sp>
       <p:sp>
         <p:nvSpPr>
-          <p:cNvPr id="6" name="Нижний колонтитул 5"/>
+          <p:cNvPr id="6" name="Footer Placeholder 5"/>
           <p:cNvSpPr>
             <a:spLocks noGrp="1"/>
           </p:cNvSpPr>
@@ -1268,7 +3837,7 @@
       </p:sp>
       <p:sp>
         <p:nvSpPr>
-          <p:cNvPr id="7" name="Номер слайда 6"/>
+          <p:cNvPr id="7" name="Slide Number Placeholder 6"/>
           <p:cNvSpPr>
             <a:spLocks noGrp="1"/>
           </p:cNvSpPr>
@@ -1292,7 +3861,7 @@
     </p:spTree>
     <p:extLst>
       <p:ext uri="{BB962C8B-B14F-4D97-AF65-F5344CB8AC3E}">
-        <p14:creationId xmlns:p14="http://schemas.microsoft.com/office/powerpoint/2010/main" val="1755720379"/>
+        <p14:creationId xmlns:p14="http://schemas.microsoft.com/office/powerpoint/2010/main" val="2871092792"/>
       </p:ext>
     </p:extLst>
   </p:cSld>
@@ -1321,7 +3890,7 @@
       </p:grpSpPr>
       <p:sp>
         <p:nvSpPr>
-          <p:cNvPr id="2" name="Заголовок 1"/>
+          <p:cNvPr id="2" name="Title 1"/>
           <p:cNvSpPr>
             <a:spLocks noGrp="1"/>
           </p:cNvSpPr>
@@ -1331,8 +3900,8 @@
         </p:nvSpPr>
         <p:spPr>
           <a:xfrm>
-            <a:off x="839788" y="365125"/>
-            <a:ext cx="10515600" cy="1325563"/>
+            <a:off x="913795" y="609600"/>
+            <a:ext cx="10353761" cy="1325563"/>
           </a:xfrm>
         </p:spPr>
         <p:txBody>
@@ -1343,13 +3912,13 @@
               <a:rPr lang="ru-RU" smtClean="0"/>
               <a:t>Образец заголовка</a:t>
             </a:r>
-            <a:endParaRPr lang="ru-RU"/>
-          </a:p>
-        </p:txBody>
-      </p:sp>
-      <p:sp>
-        <p:nvSpPr>
-          <p:cNvPr id="3" name="Текст 2"/>
+            <a:endParaRPr lang="en-US" dirty="0"/>
+          </a:p>
+        </p:txBody>
+      </p:sp>
+      <p:sp>
+        <p:nvSpPr>
+          <p:cNvPr id="3" name="Text Placeholder 2"/>
           <p:cNvSpPr>
             <a:spLocks noGrp="1"/>
           </p:cNvSpPr>
@@ -1359,14 +3928,17 @@
         </p:nvSpPr>
         <p:spPr>
           <a:xfrm>
-            <a:off x="839788" y="1681163"/>
-            <a:ext cx="5157787" cy="823912"/>
+            <a:off x="1141804" y="2088320"/>
+            <a:ext cx="4879199" cy="823912"/>
           </a:xfrm>
         </p:spPr>
         <p:txBody>
           <a:bodyPr anchor="b"/>
           <a:lstStyle>
             <a:lvl1pPr marL="0" indent="0">
+              <a:lnSpc>
+                <a:spcPct val="100000"/>
+              </a:lnSpc>
               <a:buNone/>
               <a:defRPr sz="2400" b="1"/>
             </a:lvl1pPr>
@@ -1414,7 +3986,7 @@
       </p:sp>
       <p:sp>
         <p:nvSpPr>
-          <p:cNvPr id="4" name="Объект 3"/>
+          <p:cNvPr id="4" name="Content Placeholder 3"/>
           <p:cNvSpPr>
             <a:spLocks noGrp="1"/>
           </p:cNvSpPr>
@@ -1424,8 +3996,8 @@
         </p:nvSpPr>
         <p:spPr>
           <a:xfrm>
-            <a:off x="839788" y="2505075"/>
-            <a:ext cx="5157787" cy="3684588"/>
+            <a:off x="913795" y="2912232"/>
+            <a:ext cx="5107208" cy="2878968"/>
           </a:xfrm>
         </p:spPr>
         <p:txBody>
@@ -1465,13 +4037,13 @@
               <a:rPr lang="ru-RU" smtClean="0"/>
               <a:t>Пятый уровень</a:t>
             </a:r>
-            <a:endParaRPr lang="ru-RU"/>
-          </a:p>
-        </p:txBody>
-      </p:sp>
-      <p:sp>
-        <p:nvSpPr>
-          <p:cNvPr id="5" name="Текст 4"/>
+            <a:endParaRPr lang="en-US" dirty="0"/>
+          </a:p>
+        </p:txBody>
+      </p:sp>
+      <p:sp>
+        <p:nvSpPr>
+          <p:cNvPr id="5" name="Text Placeholder 4"/>
           <p:cNvSpPr>
             <a:spLocks noGrp="1"/>
           </p:cNvSpPr>
@@ -1481,14 +4053,17 @@
         </p:nvSpPr>
         <p:spPr>
           <a:xfrm>
-            <a:off x="6172200" y="1681163"/>
-            <a:ext cx="5183188" cy="823912"/>
+            <a:off x="6402003" y="2088320"/>
+            <a:ext cx="4865554" cy="823912"/>
           </a:xfrm>
         </p:spPr>
         <p:txBody>
           <a:bodyPr anchor="b"/>
           <a:lstStyle>
             <a:lvl1pPr marL="0" indent="0">
+              <a:lnSpc>
+                <a:spcPct val="100000"/>
+              </a:lnSpc>
               <a:buNone/>
               <a:defRPr sz="2400" b="1"/>
             </a:lvl1pPr>
@@ -1536,7 +4111,7 @@
       </p:sp>
       <p:sp>
         <p:nvSpPr>
-          <p:cNvPr id="6" name="Объект 5"/>
+          <p:cNvPr id="6" name="Content Placeholder 5"/>
           <p:cNvSpPr>
             <a:spLocks noGrp="1"/>
           </p:cNvSpPr>
@@ -1546,8 +4121,8 @@
         </p:nvSpPr>
         <p:spPr>
           <a:xfrm>
-            <a:off x="6172200" y="2505075"/>
-            <a:ext cx="5183188" cy="3684588"/>
+            <a:off x="6172200" y="2912232"/>
+            <a:ext cx="5095357" cy="2878968"/>
           </a:xfrm>
         </p:spPr>
         <p:txBody>
@@ -1587,13 +4162,13 @@
               <a:rPr lang="ru-RU" smtClean="0"/>
               <a:t>Пятый уровень</a:t>
             </a:r>
-            <a:endParaRPr lang="ru-RU"/>
-          </a:p>
-        </p:txBody>
-      </p:sp>
-      <p:sp>
-        <p:nvSpPr>
-          <p:cNvPr id="7" name="Дата 6"/>
+            <a:endParaRPr lang="en-US" dirty="0"/>
+          </a:p>
+        </p:txBody>
+      </p:sp>
+      <p:sp>
+        <p:nvSpPr>
+          <p:cNvPr id="7" name="Date Placeholder 6"/>
           <p:cNvSpPr>
             <a:spLocks noGrp="1"/>
           </p:cNvSpPr>
@@ -1608,7 +4183,7 @@
           <a:p>
             <a:fld id="{5C592379-A7E8-405E-B755-9577B6DC0DD7}" type="datetimeFigureOut">
               <a:rPr lang="ru-RU" smtClean="0"/>
-              <a:t>25.11.2024</a:t>
+              <a:t>16.12.2024</a:t>
             </a:fld>
             <a:endParaRPr lang="ru-RU"/>
           </a:p>
@@ -1616,7 +4191,7 @@
       </p:sp>
       <p:sp>
         <p:nvSpPr>
-          <p:cNvPr id="8" name="Нижний колонтитул 7"/>
+          <p:cNvPr id="8" name="Footer Placeholder 7"/>
           <p:cNvSpPr>
             <a:spLocks noGrp="1"/>
           </p:cNvSpPr>
@@ -1635,7 +4210,7 @@
       </p:sp>
       <p:sp>
         <p:nvSpPr>
-          <p:cNvPr id="9" name="Номер слайда 8"/>
+          <p:cNvPr id="9" name="Slide Number Placeholder 8"/>
           <p:cNvSpPr>
             <a:spLocks noGrp="1"/>
           </p:cNvSpPr>
@@ -1659,7 +4234,7 @@
     </p:spTree>
     <p:extLst>
       <p:ext uri="{BB962C8B-B14F-4D97-AF65-F5344CB8AC3E}">
-        <p14:creationId xmlns:p14="http://schemas.microsoft.com/office/powerpoint/2010/main" val="124115118"/>
+        <p14:creationId xmlns:p14="http://schemas.microsoft.com/office/powerpoint/2010/main" val="8999448"/>
       </p:ext>
     </p:extLst>
   </p:cSld>
@@ -1688,7 +4263,7 @@
       </p:grpSpPr>
       <p:sp>
         <p:nvSpPr>
-          <p:cNvPr id="2" name="Заголовок 1"/>
+          <p:cNvPr id="2" name="Title 1"/>
           <p:cNvSpPr>
             <a:spLocks noGrp="1"/>
           </p:cNvSpPr>
@@ -1705,13 +4280,13 @@
               <a:rPr lang="ru-RU" smtClean="0"/>
               <a:t>Образец заголовка</a:t>
             </a:r>
-            <a:endParaRPr lang="ru-RU"/>
-          </a:p>
-        </p:txBody>
-      </p:sp>
-      <p:sp>
-        <p:nvSpPr>
-          <p:cNvPr id="3" name="Дата 2"/>
+            <a:endParaRPr lang="en-US" dirty="0"/>
+          </a:p>
+        </p:txBody>
+      </p:sp>
+      <p:sp>
+        <p:nvSpPr>
+          <p:cNvPr id="3" name="Date Placeholder 2"/>
           <p:cNvSpPr>
             <a:spLocks noGrp="1"/>
           </p:cNvSpPr>
@@ -1726,7 +4301,7 @@
           <a:p>
             <a:fld id="{5C592379-A7E8-405E-B755-9577B6DC0DD7}" type="datetimeFigureOut">
               <a:rPr lang="ru-RU" smtClean="0"/>
-              <a:t>25.11.2024</a:t>
+              <a:t>16.12.2024</a:t>
             </a:fld>
             <a:endParaRPr lang="ru-RU"/>
           </a:p>
@@ -1734,7 +4309,7 @@
       </p:sp>
       <p:sp>
         <p:nvSpPr>
-          <p:cNvPr id="4" name="Нижний колонтитул 3"/>
+          <p:cNvPr id="4" name="Footer Placeholder 3"/>
           <p:cNvSpPr>
             <a:spLocks noGrp="1"/>
           </p:cNvSpPr>
@@ -1753,7 +4328,7 @@
       </p:sp>
       <p:sp>
         <p:nvSpPr>
-          <p:cNvPr id="5" name="Номер слайда 4"/>
+          <p:cNvPr id="5" name="Slide Number Placeholder 4"/>
           <p:cNvSpPr>
             <a:spLocks noGrp="1"/>
           </p:cNvSpPr>
@@ -1777,7 +4352,7 @@
     </p:spTree>
     <p:extLst>
       <p:ext uri="{BB962C8B-B14F-4D97-AF65-F5344CB8AC3E}">
-        <p14:creationId xmlns:p14="http://schemas.microsoft.com/office/powerpoint/2010/main" val="2149820800"/>
+        <p14:creationId xmlns:p14="http://schemas.microsoft.com/office/powerpoint/2010/main" val="71916818"/>
       </p:ext>
     </p:extLst>
   </p:cSld>
@@ -1806,7 +4381,7 @@
       </p:grpSpPr>
       <p:sp>
         <p:nvSpPr>
-          <p:cNvPr id="2" name="Дата 1"/>
+          <p:cNvPr id="2" name="Date Placeholder 1"/>
           <p:cNvSpPr>
             <a:spLocks noGrp="1"/>
           </p:cNvSpPr>
@@ -1821,7 +4396,7 @@
           <a:p>
             <a:fld id="{5C592379-A7E8-405E-B755-9577B6DC0DD7}" type="datetimeFigureOut">
               <a:rPr lang="ru-RU" smtClean="0"/>
-              <a:t>25.11.2024</a:t>
+              <a:t>16.12.2024</a:t>
             </a:fld>
             <a:endParaRPr lang="ru-RU"/>
           </a:p>
@@ -1829,7 +4404,7 @@
       </p:sp>
       <p:sp>
         <p:nvSpPr>
-          <p:cNvPr id="3" name="Нижний колонтитул 2"/>
+          <p:cNvPr id="3" name="Footer Placeholder 2"/>
           <p:cNvSpPr>
             <a:spLocks noGrp="1"/>
           </p:cNvSpPr>
@@ -1848,7 +4423,7 @@
       </p:sp>
       <p:sp>
         <p:nvSpPr>
-          <p:cNvPr id="4" name="Номер слайда 3"/>
+          <p:cNvPr id="4" name="Slide Number Placeholder 3"/>
           <p:cNvSpPr>
             <a:spLocks noGrp="1"/>
           </p:cNvSpPr>
@@ -1872,7 +4447,7 @@
     </p:spTree>
     <p:extLst>
       <p:ext uri="{BB962C8B-B14F-4D97-AF65-F5344CB8AC3E}">
-        <p14:creationId xmlns:p14="http://schemas.microsoft.com/office/powerpoint/2010/main" val="115711655"/>
+        <p14:creationId xmlns:p14="http://schemas.microsoft.com/office/powerpoint/2010/main" val="2531643799"/>
       </p:ext>
     </p:extLst>
   </p:cSld>
@@ -1901,7 +4476,7 @@
       </p:grpSpPr>
       <p:sp>
         <p:nvSpPr>
-          <p:cNvPr id="2" name="Заголовок 1"/>
+          <p:cNvPr id="2" name="Title 1"/>
           <p:cNvSpPr>
             <a:spLocks noGrp="1"/>
           </p:cNvSpPr>
@@ -1911,15 +4486,17 @@
         </p:nvSpPr>
         <p:spPr>
           <a:xfrm>
-            <a:off x="839788" y="457200"/>
-            <a:ext cx="3932237" cy="1600200"/>
-          </a:xfrm>
-        </p:spPr>
-        <p:txBody>
-          <a:bodyPr anchor="b"/>
+            <a:off x="917228" y="609600"/>
+            <a:ext cx="3932237" cy="2362200"/>
+          </a:xfrm>
+        </p:spPr>
+        <p:txBody>
+          <a:bodyPr anchor="b">
+            <a:normAutofit/>
+          </a:bodyPr>
           <a:lstStyle>
             <a:lvl1pPr>
-              <a:defRPr sz="3200"/>
+              <a:defRPr sz="2800"/>
             </a:lvl1pPr>
           </a:lstStyle>
           <a:p>
@@ -1927,13 +4504,13 @@
               <a:rPr lang="ru-RU" smtClean="0"/>
               <a:t>Образец заголовка</a:t>
             </a:r>
-            <a:endParaRPr lang="ru-RU"/>
-          </a:p>
-        </p:txBody>
-      </p:sp>
-      <p:sp>
-        <p:nvSpPr>
-          <p:cNvPr id="3" name="Объект 2"/>
+            <a:endParaRPr lang="en-US" dirty="0"/>
+          </a:p>
+        </p:txBody>
+      </p:sp>
+      <p:sp>
+        <p:nvSpPr>
+          <p:cNvPr id="3" name="Content Placeholder 2"/>
           <p:cNvSpPr>
             <a:spLocks noGrp="1"/>
           </p:cNvSpPr>
@@ -1943,99 +4520,71 @@
         </p:nvSpPr>
         <p:spPr>
           <a:xfrm>
-            <a:off x="5183188" y="987425"/>
-            <a:ext cx="6172200" cy="4873625"/>
+            <a:off x="5078064" y="609600"/>
+            <a:ext cx="6189492" cy="5181600"/>
+          </a:xfrm>
+        </p:spPr>
+        <p:txBody>
+          <a:bodyPr anchor="ctr"/>
+          <a:lstStyle/>
+          <a:p>
+            <a:pPr lvl="0"/>
+            <a:r>
+              <a:rPr lang="ru-RU" smtClean="0"/>
+              <a:t>Образец текста</a:t>
+            </a:r>
+          </a:p>
+          <a:p>
+            <a:pPr lvl="1"/>
+            <a:r>
+              <a:rPr lang="ru-RU" smtClean="0"/>
+              <a:t>Второй уровень</a:t>
+            </a:r>
+          </a:p>
+          <a:p>
+            <a:pPr lvl="2"/>
+            <a:r>
+              <a:rPr lang="ru-RU" smtClean="0"/>
+              <a:t>Третий уровень</a:t>
+            </a:r>
+          </a:p>
+          <a:p>
+            <a:pPr lvl="3"/>
+            <a:r>
+              <a:rPr lang="ru-RU" smtClean="0"/>
+              <a:t>Четвертый уровень</a:t>
+            </a:r>
+          </a:p>
+          <a:p>
+            <a:pPr lvl="4"/>
+            <a:r>
+              <a:rPr lang="ru-RU" smtClean="0"/>
+              <a:t>Пятый уровень</a:t>
+            </a:r>
+            <a:endParaRPr lang="en-US" dirty="0"/>
+          </a:p>
+        </p:txBody>
+      </p:sp>
+      <p:sp>
+        <p:nvSpPr>
+          <p:cNvPr id="4" name="Text Placeholder 3"/>
+          <p:cNvSpPr>
+            <a:spLocks noGrp="1"/>
+          </p:cNvSpPr>
+          <p:nvPr>
+            <p:ph type="body" sz="half" idx="2"/>
+          </p:nvPr>
+        </p:nvSpPr>
+        <p:spPr>
+          <a:xfrm>
+            <a:off x="917228" y="2971800"/>
+            <a:ext cx="3932237" cy="2819399"/>
           </a:xfrm>
         </p:spPr>
         <p:txBody>
           <a:bodyPr/>
           <a:lstStyle>
-            <a:lvl1pPr>
-              <a:defRPr sz="3200"/>
-            </a:lvl1pPr>
-            <a:lvl2pPr>
-              <a:defRPr sz="2800"/>
-            </a:lvl2pPr>
-            <a:lvl3pPr>
-              <a:defRPr sz="2400"/>
-            </a:lvl3pPr>
-            <a:lvl4pPr>
-              <a:defRPr sz="2000"/>
-            </a:lvl4pPr>
-            <a:lvl5pPr>
-              <a:defRPr sz="2000"/>
-            </a:lvl5pPr>
-            <a:lvl6pPr>
-              <a:defRPr sz="2000"/>
-            </a:lvl6pPr>
-            <a:lvl7pPr>
-              <a:defRPr sz="2000"/>
-            </a:lvl7pPr>
-            <a:lvl8pPr>
-              <a:defRPr sz="2000"/>
-            </a:lvl8pPr>
-            <a:lvl9pPr>
-              <a:defRPr sz="2000"/>
-            </a:lvl9pPr>
-          </a:lstStyle>
-          <a:p>
-            <a:pPr lvl="0"/>
-            <a:r>
-              <a:rPr lang="ru-RU" smtClean="0"/>
-              <a:t>Образец текста</a:t>
-            </a:r>
-          </a:p>
-          <a:p>
-            <a:pPr lvl="1"/>
-            <a:r>
-              <a:rPr lang="ru-RU" smtClean="0"/>
-              <a:t>Второй уровень</a:t>
-            </a:r>
-          </a:p>
-          <a:p>
-            <a:pPr lvl="2"/>
-            <a:r>
-              <a:rPr lang="ru-RU" smtClean="0"/>
-              <a:t>Третий уровень</a:t>
-            </a:r>
-          </a:p>
-          <a:p>
-            <a:pPr lvl="3"/>
-            <a:r>
-              <a:rPr lang="ru-RU" smtClean="0"/>
-              <a:t>Четвертый уровень</a:t>
-            </a:r>
-          </a:p>
-          <a:p>
-            <a:pPr lvl="4"/>
-            <a:r>
-              <a:rPr lang="ru-RU" smtClean="0"/>
-              <a:t>Пятый уровень</a:t>
-            </a:r>
-            <a:endParaRPr lang="ru-RU"/>
-          </a:p>
-        </p:txBody>
-      </p:sp>
-      <p:sp>
-        <p:nvSpPr>
-          <p:cNvPr id="4" name="Текст 3"/>
-          <p:cNvSpPr>
-            <a:spLocks noGrp="1"/>
-          </p:cNvSpPr>
-          <p:nvPr>
-            <p:ph type="body" sz="half" idx="2"/>
-          </p:nvPr>
-        </p:nvSpPr>
-        <p:spPr>
-          <a:xfrm>
-            <a:off x="839788" y="2057400"/>
-            <a:ext cx="3932237" cy="3811588"/>
-          </a:xfrm>
-        </p:spPr>
-        <p:txBody>
-          <a:bodyPr/>
-          <a:lstStyle>
-            <a:lvl1pPr marL="0" indent="0">
+            <a:lvl1pPr marL="0" indent="0" algn="ctr">
               <a:buNone/>
               <a:defRPr sz="1600"/>
             </a:lvl1pPr>
@@ -2083,7 +4632,7 @@
       </p:sp>
       <p:sp>
         <p:nvSpPr>
-          <p:cNvPr id="5" name="Дата 4"/>
+          <p:cNvPr id="5" name="Date Placeholder 4"/>
           <p:cNvSpPr>
             <a:spLocks noGrp="1"/>
           </p:cNvSpPr>
@@ -2098,7 +4647,7 @@
           <a:p>
             <a:fld id="{5C592379-A7E8-405E-B755-9577B6DC0DD7}" type="datetimeFigureOut">
               <a:rPr lang="ru-RU" smtClean="0"/>
-              <a:t>25.11.2024</a:t>
+              <a:t>16.12.2024</a:t>
             </a:fld>
             <a:endParaRPr lang="ru-RU"/>
           </a:p>
@@ -2106,7 +4655,7 @@
       </p:sp>
       <p:sp>
         <p:nvSpPr>
-          <p:cNvPr id="6" name="Нижний колонтитул 5"/>
+          <p:cNvPr id="6" name="Footer Placeholder 5"/>
           <p:cNvSpPr>
             <a:spLocks noGrp="1"/>
           </p:cNvSpPr>
@@ -2125,7 +4674,7 @@
       </p:sp>
       <p:sp>
         <p:nvSpPr>
-          <p:cNvPr id="7" name="Номер слайда 6"/>
+          <p:cNvPr id="7" name="Slide Number Placeholder 6"/>
           <p:cNvSpPr>
             <a:spLocks noGrp="1"/>
           </p:cNvSpPr>
@@ -2149,7 +4698,7 @@
     </p:spTree>
     <p:extLst>
       <p:ext uri="{BB962C8B-B14F-4D97-AF65-F5344CB8AC3E}">
-        <p14:creationId xmlns:p14="http://schemas.microsoft.com/office/powerpoint/2010/main" val="2377813293"/>
+        <p14:creationId xmlns:p14="http://schemas.microsoft.com/office/powerpoint/2010/main" val="744642738"/>
       </p:ext>
     </p:extLst>
   </p:cSld>
@@ -2178,7 +4727,7 @@
       </p:grpSpPr>
       <p:sp>
         <p:nvSpPr>
-          <p:cNvPr id="2" name="Заголовок 1"/>
+          <p:cNvPr id="2" name="Title 1"/>
           <p:cNvSpPr>
             <a:spLocks noGrp="1"/>
           </p:cNvSpPr>
@@ -2188,12 +4737,14 @@
         </p:nvSpPr>
         <p:spPr>
           <a:xfrm>
-            <a:off x="839788" y="457200"/>
-            <a:ext cx="3932237" cy="1600200"/>
-          </a:xfrm>
-        </p:spPr>
-        <p:txBody>
-          <a:bodyPr anchor="b"/>
+            <a:off x="917227" y="609600"/>
+            <a:ext cx="5929773" cy="2362200"/>
+          </a:xfrm>
+        </p:spPr>
+        <p:txBody>
+          <a:bodyPr anchor="b">
+            <a:normAutofit/>
+          </a:bodyPr>
           <a:lstStyle>
             <a:lvl1pPr>
               <a:defRPr sz="3200"/>
@@ -2204,15 +4755,15 @@
               <a:rPr lang="ru-RU" smtClean="0"/>
               <a:t>Образец заголовка</a:t>
             </a:r>
-            <a:endParaRPr lang="ru-RU"/>
-          </a:p>
-        </p:txBody>
-      </p:sp>
-      <p:sp>
-        <p:nvSpPr>
-          <p:cNvPr id="3" name="Рисунок 2"/>
-          <p:cNvSpPr>
-            <a:spLocks noGrp="1"/>
+            <a:endParaRPr lang="en-US" dirty="0"/>
+          </a:p>
+        </p:txBody>
+      </p:sp>
+      <p:sp>
+        <p:nvSpPr>
+          <p:cNvPr id="3" name="Picture Placeholder 2"/>
+          <p:cNvSpPr>
+            <a:spLocks noGrp="1" noChangeAspect="1"/>
           </p:cNvSpPr>
           <p:nvPr>
             <p:ph type="pic" idx="1"/>
@@ -2220,14 +4771,40 @@
         </p:nvSpPr>
         <p:spPr>
           <a:xfrm>
-            <a:off x="5183188" y="987425"/>
-            <a:ext cx="6172200" cy="4873625"/>
-          </a:xfrm>
-        </p:spPr>
-        <p:txBody>
-          <a:bodyPr/>
+            <a:off x="7424804" y="758881"/>
+            <a:ext cx="3255356" cy="4883038"/>
+          </a:xfrm>
+          <a:noFill/>
+          <a:ln w="190500" cap="sq">
+            <a:solidFill>
+              <a:srgbClr val="FFFFFF"/>
+            </a:solidFill>
+            <a:miter lim="800000"/>
+          </a:ln>
+          <a:effectLst>
+            <a:outerShdw blurRad="55000" dist="18000" dir="5400000" algn="tl" rotWithShape="0">
+              <a:srgbClr val="000000">
+                <a:alpha val="40000"/>
+              </a:srgbClr>
+            </a:outerShdw>
+          </a:effectLst>
+          <a:scene3d>
+            <a:camera prst="orthographicFront"/>
+            <a:lightRig rig="twoPt" dir="t">
+              <a:rot lat="0" lon="0" rev="7200000"/>
+            </a:lightRig>
+          </a:scene3d>
+          <a:sp3d>
+            <a:bevelT w="25400" h="19050"/>
+            <a:contourClr>
+              <a:srgbClr val="FFFFFF"/>
+            </a:contourClr>
+          </a:sp3d>
+        </p:spPr>
+        <p:txBody>
+          <a:bodyPr anchor="t"/>
           <a:lstStyle>
-            <a:lvl1pPr marL="0" indent="0">
+            <a:lvl1pPr marL="0" indent="0" algn="ctr">
               <a:buNone/>
               <a:defRPr sz="3200"/>
             </a:lvl1pPr>
@@ -2265,13 +4842,17 @@
             </a:lvl9pPr>
           </a:lstStyle>
           <a:p>
-            <a:endParaRPr lang="ru-RU"/>
-          </a:p>
-        </p:txBody>
-      </p:sp>
-      <p:sp>
-        <p:nvSpPr>
-          <p:cNvPr id="4" name="Текст 3"/>
+            <a:r>
+              <a:rPr lang="ru-RU" smtClean="0"/>
+              <a:t>Вставка рисунка</a:t>
+            </a:r>
+            <a:endParaRPr lang="en-US" dirty="0"/>
+          </a:p>
+        </p:txBody>
+      </p:sp>
+      <p:sp>
+        <p:nvSpPr>
+          <p:cNvPr id="4" name="Text Placeholder 3"/>
           <p:cNvSpPr>
             <a:spLocks noGrp="1"/>
           </p:cNvSpPr>
@@ -2281,16 +4862,18 @@
         </p:nvSpPr>
         <p:spPr>
           <a:xfrm>
-            <a:off x="839788" y="2057400"/>
-            <a:ext cx="3932237" cy="3811588"/>
-          </a:xfrm>
-        </p:spPr>
-        <p:txBody>
-          <a:bodyPr/>
+            <a:off x="913794" y="2971800"/>
+            <a:ext cx="5934950" cy="2819400"/>
+          </a:xfrm>
+        </p:spPr>
+        <p:txBody>
+          <a:bodyPr>
+            <a:normAutofit/>
+          </a:bodyPr>
           <a:lstStyle>
-            <a:lvl1pPr marL="0" indent="0">
-              <a:buNone/>
-              <a:defRPr sz="1600"/>
+            <a:lvl1pPr marL="0" indent="0" algn="ctr">
+              <a:buNone/>
+              <a:defRPr sz="1800"/>
             </a:lvl1pPr>
             <a:lvl2pPr marL="457200" indent="0">
               <a:buNone/>
@@ -2336,7 +4919,7 @@
       </p:sp>
       <p:sp>
         <p:nvSpPr>
-          <p:cNvPr id="5" name="Дата 4"/>
+          <p:cNvPr id="5" name="Date Placeholder 4"/>
           <p:cNvSpPr>
             <a:spLocks noGrp="1"/>
           </p:cNvSpPr>
@@ -2351,7 +4934,7 @@
           <a:p>
             <a:fld id="{5C592379-A7E8-405E-B755-9577B6DC0DD7}" type="datetimeFigureOut">
               <a:rPr lang="ru-RU" smtClean="0"/>
-              <a:t>25.11.2024</a:t>
+              <a:t>16.12.2024</a:t>
             </a:fld>
             <a:endParaRPr lang="ru-RU"/>
           </a:p>
@@ -2359,7 +4942,7 @@
       </p:sp>
       <p:sp>
         <p:nvSpPr>
-          <p:cNvPr id="6" name="Нижний колонтитул 5"/>
+          <p:cNvPr id="6" name="Footer Placeholder 5"/>
           <p:cNvSpPr>
             <a:spLocks noGrp="1"/>
           </p:cNvSpPr>
@@ -2378,7 +4961,7 @@
       </p:sp>
       <p:sp>
         <p:nvSpPr>
-          <p:cNvPr id="7" name="Номер слайда 6"/>
+          <p:cNvPr id="7" name="Slide Number Placeholder 6"/>
           <p:cNvSpPr>
             <a:spLocks noGrp="1"/>
           </p:cNvSpPr>
@@ -2402,7 +4985,7 @@
     </p:spTree>
     <p:extLst>
       <p:ext uri="{BB962C8B-B14F-4D97-AF65-F5344CB8AC3E}">
-        <p14:creationId xmlns:p14="http://schemas.microsoft.com/office/powerpoint/2010/main" val="3385136468"/>
+        <p14:creationId xmlns:p14="http://schemas.microsoft.com/office/powerpoint/2010/main" val="966550489"/>
       </p:ext>
     </p:extLst>
   </p:cSld>
@@ -2416,8 +4999,8 @@
 <p:sldMaster xmlns:a="http://schemas.openxmlformats.org/drawingml/2006/main" xmlns:r="http://schemas.openxmlformats.org/officeDocument/2006/relationships" xmlns:p="http://schemas.openxmlformats.org/presentationml/2006/main">
   <p:cSld>
     <p:bg>
-      <p:bgRef idx="1001">
-        <a:schemeClr val="bg1"/>
+      <p:bgRef idx="1003">
+        <a:schemeClr val="bg2"/>
       </p:bgRef>
     </p:bg>
     <p:spTree>
@@ -2436,7 +5019,7 @@
       </p:grpSpPr>
       <p:sp>
         <p:nvSpPr>
-          <p:cNvPr id="2" name="Заголовок 1"/>
+          <p:cNvPr id="2" name="Title Placeholder 1"/>
           <p:cNvSpPr>
             <a:spLocks noGrp="1"/>
           </p:cNvSpPr>
@@ -2446,8 +5029,8 @@
         </p:nvSpPr>
         <p:spPr>
           <a:xfrm>
-            <a:off x="838200" y="365125"/>
-            <a:ext cx="10515600" cy="1325563"/>
+            <a:off x="913795" y="609600"/>
+            <a:ext cx="10353761" cy="1326321"/>
           </a:xfrm>
           <a:prstGeom prst="rect">
             <a:avLst/>
@@ -2463,13 +5046,13 @@
               <a:rPr lang="ru-RU" smtClean="0"/>
               <a:t>Образец заголовка</a:t>
             </a:r>
-            <a:endParaRPr lang="ru-RU"/>
-          </a:p>
-        </p:txBody>
-      </p:sp>
-      <p:sp>
-        <p:nvSpPr>
-          <p:cNvPr id="3" name="Текст 2"/>
+            <a:endParaRPr lang="en-US" dirty="0"/>
+          </a:p>
+        </p:txBody>
+      </p:sp>
+      <p:sp>
+        <p:nvSpPr>
+          <p:cNvPr id="3" name="Text Placeholder 2"/>
           <p:cNvSpPr>
             <a:spLocks noGrp="1"/>
           </p:cNvSpPr>
@@ -2479,8 +5062,8 @@
         </p:nvSpPr>
         <p:spPr>
           <a:xfrm>
-            <a:off x="838200" y="1825625"/>
-            <a:ext cx="10515600" cy="4351338"/>
+            <a:off x="913795" y="2096064"/>
+            <a:ext cx="10353762" cy="3695136"/>
           </a:xfrm>
           <a:prstGeom prst="rect">
             <a:avLst/>
@@ -2525,13 +5108,13 @@
               <a:rPr lang="ru-RU" smtClean="0"/>
               <a:t>Пятый уровень</a:t>
             </a:r>
-            <a:endParaRPr lang="ru-RU"/>
-          </a:p>
-        </p:txBody>
-      </p:sp>
-      <p:sp>
-        <p:nvSpPr>
-          <p:cNvPr id="4" name="Дата 3"/>
+            <a:endParaRPr lang="en-US" dirty="0"/>
+          </a:p>
+        </p:txBody>
+      </p:sp>
+      <p:sp>
+        <p:nvSpPr>
+          <p:cNvPr id="4" name="Date Placeholder 3"/>
           <p:cNvSpPr>
             <a:spLocks noGrp="1"/>
           </p:cNvSpPr>
@@ -2541,7 +5124,7 @@
         </p:nvSpPr>
         <p:spPr>
           <a:xfrm>
-            <a:off x="838200" y="6356350"/>
+            <a:off x="7678736" y="5883275"/>
             <a:ext cx="2743200" cy="365125"/>
           </a:xfrm>
           <a:prstGeom prst="rect">
@@ -2551,8 +5134,8 @@
         <p:txBody>
           <a:bodyPr vert="horz" lIns="91440" tIns="45720" rIns="91440" bIns="45720" rtlCol="0" anchor="ctr"/>
           <a:lstStyle>
-            <a:lvl1pPr algn="l">
-              <a:defRPr sz="1200">
+            <a:lvl1pPr algn="r">
+              <a:defRPr sz="1000">
                 <a:solidFill>
                   <a:schemeClr val="tx1">
                     <a:tint val="75000"/>
@@ -2564,7 +5147,7 @@
           <a:p>
             <a:fld id="{5C592379-A7E8-405E-B755-9577B6DC0DD7}" type="datetimeFigureOut">
               <a:rPr lang="ru-RU" smtClean="0"/>
-              <a:t>25.11.2024</a:t>
+              <a:t>16.12.2024</a:t>
             </a:fld>
             <a:endParaRPr lang="ru-RU"/>
           </a:p>
@@ -2572,7 +5155,7 @@
       </p:sp>
       <p:sp>
         <p:nvSpPr>
-          <p:cNvPr id="5" name="Нижний колонтитул 4"/>
+          <p:cNvPr id="5" name="Footer Placeholder 4"/>
           <p:cNvSpPr>
             <a:spLocks noGrp="1"/>
           </p:cNvSpPr>
@@ -2582,8 +5165,8 @@
         </p:nvSpPr>
         <p:spPr>
           <a:xfrm>
-            <a:off x="4038600" y="6356350"/>
-            <a:ext cx="4114800" cy="365125"/>
+            <a:off x="913794" y="5883275"/>
+            <a:ext cx="6672865" cy="365125"/>
           </a:xfrm>
           <a:prstGeom prst="rect">
             <a:avLst/>
@@ -2592,8 +5175,8 @@
         <p:txBody>
           <a:bodyPr vert="horz" lIns="91440" tIns="45720" rIns="91440" bIns="45720" rtlCol="0" anchor="ctr"/>
           <a:lstStyle>
-            <a:lvl1pPr algn="ctr">
-              <a:defRPr sz="1200">
+            <a:lvl1pPr algn="l">
+              <a:defRPr sz="1000">
                 <a:solidFill>
                   <a:schemeClr val="tx1">
                     <a:tint val="75000"/>
@@ -2609,7 +5192,7 @@
       </p:sp>
       <p:sp>
         <p:nvSpPr>
-          <p:cNvPr id="6" name="Номер слайда 5"/>
+          <p:cNvPr id="6" name="Slide Number Placeholder 5"/>
           <p:cNvSpPr>
             <a:spLocks noGrp="1"/>
           </p:cNvSpPr>
@@ -2619,8 +5202,8 @@
         </p:nvSpPr>
         <p:spPr>
           <a:xfrm>
-            <a:off x="8610600" y="6356350"/>
-            <a:ext cx="2743200" cy="365125"/>
+            <a:off x="10514011" y="5883275"/>
+            <a:ext cx="753545" cy="365125"/>
           </a:xfrm>
           <a:prstGeom prst="rect">
             <a:avLst/>
@@ -2630,7 +5213,7 @@
           <a:bodyPr vert="horz" lIns="91440" tIns="45720" rIns="91440" bIns="45720" rtlCol="0" anchor="ctr"/>
           <a:lstStyle>
             <a:lvl1pPr algn="r">
-              <a:defRPr sz="1200">
+              <a:defRPr sz="1000">
                 <a:solidFill>
                   <a:schemeClr val="tx1">
                     <a:tint val="75000"/>
@@ -2651,27 +5234,33 @@
     </p:spTree>
     <p:extLst>
       <p:ext uri="{BB962C8B-B14F-4D97-AF65-F5344CB8AC3E}">
-        <p14:creationId xmlns:p14="http://schemas.microsoft.com/office/powerpoint/2010/main" val="2914127023"/>
+        <p14:creationId xmlns:p14="http://schemas.microsoft.com/office/powerpoint/2010/main" val="3543767476"/>
       </p:ext>
     </p:extLst>
   </p:cSld>
-  <p:clrMap bg1="lt1" tx1="dk1" bg2="lt2" tx2="dk2" accent1="accent1" accent2="accent2" accent3="accent3" accent4="accent4" accent5="accent5" accent6="accent6" hlink="hlink" folHlink="folHlink"/>
+  <p:clrMap bg1="dk1" tx1="lt1" bg2="dk2" tx2="lt2" accent1="accent1" accent2="accent2" accent3="accent3" accent4="accent4" accent5="accent5" accent6="accent6" hlink="hlink" folHlink="folHlink"/>
   <p:sldLayoutIdLst>
-    <p:sldLayoutId id="2147483649" r:id="rId1"/>
-    <p:sldLayoutId id="2147483650" r:id="rId2"/>
-    <p:sldLayoutId id="2147483651" r:id="rId3"/>
-    <p:sldLayoutId id="2147483652" r:id="rId4"/>
-    <p:sldLayoutId id="2147483653" r:id="rId5"/>
-    <p:sldLayoutId id="2147483654" r:id="rId6"/>
-    <p:sldLayoutId id="2147483655" r:id="rId7"/>
-    <p:sldLayoutId id="2147483656" r:id="rId8"/>
-    <p:sldLayoutId id="2147483657" r:id="rId9"/>
-    <p:sldLayoutId id="2147483658" r:id="rId10"/>
-    <p:sldLayoutId id="2147483659" r:id="rId11"/>
+    <p:sldLayoutId id="2147483691" r:id="rId1"/>
+    <p:sldLayoutId id="2147483692" r:id="rId2"/>
+    <p:sldLayoutId id="2147483693" r:id="rId3"/>
+    <p:sldLayoutId id="2147483694" r:id="rId4"/>
+    <p:sldLayoutId id="2147483695" r:id="rId5"/>
+    <p:sldLayoutId id="2147483696" r:id="rId6"/>
+    <p:sldLayoutId id="2147483697" r:id="rId7"/>
+    <p:sldLayoutId id="2147483698" r:id="rId8"/>
+    <p:sldLayoutId id="2147483699" r:id="rId9"/>
+    <p:sldLayoutId id="2147483700" r:id="rId10"/>
+    <p:sldLayoutId id="2147483701" r:id="rId11"/>
+    <p:sldLayoutId id="2147483702" r:id="rId12"/>
+    <p:sldLayoutId id="2147483703" r:id="rId13"/>
+    <p:sldLayoutId id="2147483704" r:id="rId14"/>
+    <p:sldLayoutId id="2147483705" r:id="rId15"/>
+    <p:sldLayoutId id="2147483706" r:id="rId16"/>
+    <p:sldLayoutId id="2147483707" r:id="rId17"/>
   </p:sldLayoutIdLst>
   <p:txStyles>
     <p:titleStyle>
-      <a:lvl1pPr algn="l" defTabSz="914400" rtl="0" eaLnBrk="1" latinLnBrk="0" hangingPunct="1">
+      <a:lvl1pPr algn="ctr" defTabSz="914400" rtl="0" eaLnBrk="1" latinLnBrk="0" hangingPunct="1">
         <a:lnSpc>
           <a:spcPct val="90000"/>
         </a:lnSpc>
@@ -2679,10 +5268,17 @@
           <a:spcPct val="0"/>
         </a:spcBef>
         <a:buNone/>
-        <a:defRPr sz="4400" kern="1200">
+        <a:defRPr sz="3400" b="1" i="0" kern="1200" cap="all">
           <a:solidFill>
             <a:schemeClr val="tx1"/>
           </a:solidFill>
+          <a:effectLst>
+            <a:outerShdw blurRad="50800" dist="63500" dir="2700000" algn="tl" rotWithShape="0">
+              <a:srgbClr val="000000">
+                <a:alpha val="48000"/>
+              </a:srgbClr>
+            </a:outerShdw>
+          </a:effectLst>
           <a:latin typeface="+mj-lt"/>
           <a:ea typeface="+mj-ea"/>
           <a:cs typeface="+mj-cs"/>
@@ -2692,17 +5288,24 @@
     <p:bodyStyle>
       <a:lvl1pPr marL="228600" indent="-228600" algn="l" defTabSz="914400" rtl="0" eaLnBrk="1" latinLnBrk="0" hangingPunct="1">
         <a:lnSpc>
-          <a:spcPct val="90000"/>
+          <a:spcPct val="120000"/>
         </a:lnSpc>
         <a:spcBef>
           <a:spcPts val="1000"/>
         </a:spcBef>
         <a:buFont typeface="Arial" panose="020B0604020202020204" pitchFamily="34" charset="0"/>
         <a:buChar char="•"/>
-        <a:defRPr sz="2800" kern="1200">
+        <a:defRPr sz="2000" kern="1200">
           <a:solidFill>
             <a:schemeClr val="tx1"/>
           </a:solidFill>
+          <a:effectLst>
+            <a:outerShdw blurRad="50800" dist="38100" dir="2700000" algn="tl" rotWithShape="0">
+              <a:srgbClr val="000000">
+                <a:alpha val="48000"/>
+              </a:srgbClr>
+            </a:outerShdw>
+          </a:effectLst>
           <a:latin typeface="+mn-lt"/>
           <a:ea typeface="+mn-ea"/>
           <a:cs typeface="+mn-cs"/>
@@ -2710,43 +5313,7 @@
       </a:lvl1pPr>
       <a:lvl2pPr marL="685800" indent="-228600" algn="l" defTabSz="914400" rtl="0" eaLnBrk="1" latinLnBrk="0" hangingPunct="1">
         <a:lnSpc>
-          <a:spcPct val="90000"/>
-        </a:lnSpc>
-        <a:spcBef>
-          <a:spcPts val="500"/>
-        </a:spcBef>
-        <a:buFont typeface="Arial" panose="020B0604020202020204" pitchFamily="34" charset="0"/>
-        <a:buChar char="•"/>
-        <a:defRPr sz="2400" kern="1200">
-          <a:solidFill>
-            <a:schemeClr val="tx1"/>
-          </a:solidFill>
-          <a:latin typeface="+mn-lt"/>
-          <a:ea typeface="+mn-ea"/>
-          <a:cs typeface="+mn-cs"/>
-        </a:defRPr>
-      </a:lvl2pPr>
-      <a:lvl3pPr marL="1143000" indent="-228600" algn="l" defTabSz="914400" rtl="0" eaLnBrk="1" latinLnBrk="0" hangingPunct="1">
-        <a:lnSpc>
-          <a:spcPct val="90000"/>
-        </a:lnSpc>
-        <a:spcBef>
-          <a:spcPts val="500"/>
-        </a:spcBef>
-        <a:buFont typeface="Arial" panose="020B0604020202020204" pitchFamily="34" charset="0"/>
-        <a:buChar char="•"/>
-        <a:defRPr sz="2000" kern="1200">
-          <a:solidFill>
-            <a:schemeClr val="tx1"/>
-          </a:solidFill>
-          <a:latin typeface="+mn-lt"/>
-          <a:ea typeface="+mn-ea"/>
-          <a:cs typeface="+mn-cs"/>
-        </a:defRPr>
-      </a:lvl3pPr>
-      <a:lvl4pPr marL="1600200" indent="-228600" algn="l" defTabSz="914400" rtl="0" eaLnBrk="1" latinLnBrk="0" hangingPunct="1">
-        <a:lnSpc>
-          <a:spcPct val="90000"/>
+          <a:spcPct val="120000"/>
         </a:lnSpc>
         <a:spcBef>
           <a:spcPts val="500"/>
@@ -2757,6 +5324,63 @@
           <a:solidFill>
             <a:schemeClr val="tx1"/>
           </a:solidFill>
+          <a:effectLst>
+            <a:outerShdw blurRad="50800" dist="38100" dir="2700000" algn="tl" rotWithShape="0">
+              <a:srgbClr val="000000">
+                <a:alpha val="48000"/>
+              </a:srgbClr>
+            </a:outerShdw>
+          </a:effectLst>
+          <a:latin typeface="+mn-lt"/>
+          <a:ea typeface="+mn-ea"/>
+          <a:cs typeface="+mn-cs"/>
+        </a:defRPr>
+      </a:lvl2pPr>
+      <a:lvl3pPr marL="1143000" indent="-228600" algn="l" defTabSz="914400" rtl="0" eaLnBrk="1" latinLnBrk="0" hangingPunct="1">
+        <a:lnSpc>
+          <a:spcPct val="120000"/>
+        </a:lnSpc>
+        <a:spcBef>
+          <a:spcPts val="500"/>
+        </a:spcBef>
+        <a:buFont typeface="Arial" panose="020B0604020202020204" pitchFamily="34" charset="0"/>
+        <a:buChar char="•"/>
+        <a:defRPr sz="1600" kern="1200">
+          <a:solidFill>
+            <a:schemeClr val="tx1"/>
+          </a:solidFill>
+          <a:effectLst>
+            <a:outerShdw blurRad="50800" dist="38100" dir="2700000" algn="tl" rotWithShape="0">
+              <a:srgbClr val="000000">
+                <a:alpha val="48000"/>
+              </a:srgbClr>
+            </a:outerShdw>
+          </a:effectLst>
+          <a:latin typeface="+mn-lt"/>
+          <a:ea typeface="+mn-ea"/>
+          <a:cs typeface="+mn-cs"/>
+        </a:defRPr>
+      </a:lvl3pPr>
+      <a:lvl4pPr marL="1600200" indent="-228600" algn="l" defTabSz="914400" rtl="0" eaLnBrk="1" latinLnBrk="0" hangingPunct="1">
+        <a:lnSpc>
+          <a:spcPct val="120000"/>
+        </a:lnSpc>
+        <a:spcBef>
+          <a:spcPts val="500"/>
+        </a:spcBef>
+        <a:buFont typeface="Arial" panose="020B0604020202020204" pitchFamily="34" charset="0"/>
+        <a:buChar char="•"/>
+        <a:defRPr sz="1400" kern="1200">
+          <a:solidFill>
+            <a:schemeClr val="tx1"/>
+          </a:solidFill>
+          <a:effectLst>
+            <a:outerShdw blurRad="50800" dist="38100" dir="2700000" algn="tl" rotWithShape="0">
+              <a:srgbClr val="000000">
+                <a:alpha val="48000"/>
+              </a:srgbClr>
+            </a:outerShdw>
+          </a:effectLst>
           <a:latin typeface="+mn-lt"/>
           <a:ea typeface="+mn-ea"/>
           <a:cs typeface="+mn-cs"/>
@@ -2764,17 +5388,24 @@
       </a:lvl4pPr>
       <a:lvl5pPr marL="2057400" indent="-228600" algn="l" defTabSz="914400" rtl="0" eaLnBrk="1" latinLnBrk="0" hangingPunct="1">
         <a:lnSpc>
-          <a:spcPct val="90000"/>
+          <a:spcPct val="120000"/>
         </a:lnSpc>
         <a:spcBef>
           <a:spcPts val="500"/>
         </a:spcBef>
         <a:buFont typeface="Arial" panose="020B0604020202020204" pitchFamily="34" charset="0"/>
         <a:buChar char="•"/>
-        <a:defRPr sz="1800" kern="1200">
+        <a:defRPr sz="1200" kern="1200">
           <a:solidFill>
             <a:schemeClr val="tx1"/>
           </a:solidFill>
+          <a:effectLst>
+            <a:outerShdw blurRad="50800" dist="38100" dir="2700000" algn="tl" rotWithShape="0">
+              <a:srgbClr val="000000">
+                <a:alpha val="48000"/>
+              </a:srgbClr>
+            </a:outerShdw>
+          </a:effectLst>
           <a:latin typeface="+mn-lt"/>
           <a:ea typeface="+mn-ea"/>
           <a:cs typeface="+mn-cs"/>
@@ -2782,17 +5413,24 @@
       </a:lvl5pPr>
       <a:lvl6pPr marL="2514600" indent="-228600" algn="l" defTabSz="914400" rtl="0" eaLnBrk="1" latinLnBrk="0" hangingPunct="1">
         <a:lnSpc>
-          <a:spcPct val="90000"/>
+          <a:spcPct val="120000"/>
         </a:lnSpc>
         <a:spcBef>
           <a:spcPts val="500"/>
         </a:spcBef>
         <a:buFont typeface="Arial" panose="020B0604020202020204" pitchFamily="34" charset="0"/>
         <a:buChar char="•"/>
-        <a:defRPr sz="1800" kern="1200">
+        <a:defRPr sz="1200" kern="1200">
           <a:solidFill>
             <a:schemeClr val="tx1"/>
           </a:solidFill>
+          <a:effectLst>
+            <a:outerShdw blurRad="50800" dist="38100" dir="2700000" algn="tl" rotWithShape="0">
+              <a:srgbClr val="000000">
+                <a:alpha val="48000"/>
+              </a:srgbClr>
+            </a:outerShdw>
+          </a:effectLst>
           <a:latin typeface="+mn-lt"/>
           <a:ea typeface="+mn-ea"/>
           <a:cs typeface="+mn-cs"/>
@@ -2800,17 +5438,24 @@
       </a:lvl6pPr>
       <a:lvl7pPr marL="2971800" indent="-228600" algn="l" defTabSz="914400" rtl="0" eaLnBrk="1" latinLnBrk="0" hangingPunct="1">
         <a:lnSpc>
-          <a:spcPct val="90000"/>
+          <a:spcPct val="120000"/>
         </a:lnSpc>
         <a:spcBef>
           <a:spcPts val="500"/>
         </a:spcBef>
         <a:buFont typeface="Arial" panose="020B0604020202020204" pitchFamily="34" charset="0"/>
         <a:buChar char="•"/>
-        <a:defRPr sz="1800" kern="1200">
+        <a:defRPr sz="1200" kern="1200">
           <a:solidFill>
             <a:schemeClr val="tx1"/>
           </a:solidFill>
+          <a:effectLst>
+            <a:outerShdw blurRad="50800" dist="38100" dir="2700000" algn="tl" rotWithShape="0">
+              <a:srgbClr val="000000">
+                <a:alpha val="48000"/>
+              </a:srgbClr>
+            </a:outerShdw>
+          </a:effectLst>
           <a:latin typeface="+mn-lt"/>
           <a:ea typeface="+mn-ea"/>
           <a:cs typeface="+mn-cs"/>
@@ -2818,17 +5463,24 @@
       </a:lvl7pPr>
       <a:lvl8pPr marL="3429000" indent="-228600" algn="l" defTabSz="914400" rtl="0" eaLnBrk="1" latinLnBrk="0" hangingPunct="1">
         <a:lnSpc>
-          <a:spcPct val="90000"/>
+          <a:spcPct val="120000"/>
         </a:lnSpc>
         <a:spcBef>
           <a:spcPts val="500"/>
         </a:spcBef>
         <a:buFont typeface="Arial" panose="020B0604020202020204" pitchFamily="34" charset="0"/>
         <a:buChar char="•"/>
-        <a:defRPr sz="1800" kern="1200">
+        <a:defRPr sz="1200" kern="1200">
           <a:solidFill>
             <a:schemeClr val="tx1"/>
           </a:solidFill>
+          <a:effectLst>
+            <a:outerShdw blurRad="50800" dist="38100" dir="2700000" algn="tl" rotWithShape="0">
+              <a:srgbClr val="000000">
+                <a:alpha val="48000"/>
+              </a:srgbClr>
+            </a:outerShdw>
+          </a:effectLst>
           <a:latin typeface="+mn-lt"/>
           <a:ea typeface="+mn-ea"/>
           <a:cs typeface="+mn-cs"/>
@@ -2836,17 +5488,24 @@
       </a:lvl8pPr>
       <a:lvl9pPr marL="3886200" indent="-228600" algn="l" defTabSz="914400" rtl="0" eaLnBrk="1" latinLnBrk="0" hangingPunct="1">
         <a:lnSpc>
-          <a:spcPct val="90000"/>
+          <a:spcPct val="120000"/>
         </a:lnSpc>
         <a:spcBef>
           <a:spcPts val="500"/>
         </a:spcBef>
         <a:buFont typeface="Arial" panose="020B0604020202020204" pitchFamily="34" charset="0"/>
         <a:buChar char="•"/>
-        <a:defRPr sz="1800" kern="1200">
+        <a:defRPr sz="1200" kern="1200">
           <a:solidFill>
             <a:schemeClr val="tx1"/>
           </a:solidFill>
+          <a:effectLst>
+            <a:outerShdw blurRad="50800" dist="38100" dir="2700000" algn="tl" rotWithShape="0">
+              <a:srgbClr val="000000">
+                <a:alpha val="48000"/>
+              </a:srgbClr>
+            </a:outerShdw>
+          </a:effectLst>
           <a:latin typeface="+mn-lt"/>
           <a:ea typeface="+mn-ea"/>
           <a:cs typeface="+mn-cs"/>
@@ -2855,7 +5514,7 @@
     </p:bodyStyle>
     <p:otherStyle>
       <a:defPPr>
-        <a:defRPr lang="ru-RU"/>
+        <a:defRPr lang="en-US"/>
       </a:defPPr>
       <a:lvl1pPr marL="0" algn="l" defTabSz="914400" rtl="0" eaLnBrk="1" latinLnBrk="0" hangingPunct="1">
         <a:defRPr sz="1800" kern="1200">
@@ -2971,116 +5630,390 @@
       </p:grpSpPr>
       <p:sp>
         <p:nvSpPr>
-          <p:cNvPr id="3" name="Подзаголовок 2"/>
-          <p:cNvSpPr>
-            <a:spLocks noGrp="1"/>
-          </p:cNvSpPr>
-          <p:nvPr>
-            <p:ph type="subTitle" idx="1"/>
-          </p:nvPr>
+          <p:cNvPr id="2" name="object 2"/>
+          <p:cNvSpPr txBox="1"/>
+          <p:nvPr/>
         </p:nvSpPr>
         <p:spPr>
           <a:xfrm>
-            <a:off x="1524000" y="1517650"/>
-            <a:ext cx="9144000" cy="3740150"/>
-          </a:xfrm>
-        </p:spPr>
-        <p:txBody>
-          <a:bodyPr>
-            <a:normAutofit fontScale="85000" lnSpcReduction="20000"/>
+            <a:off x="2080879" y="189909"/>
+            <a:ext cx="7607721" cy="455591"/>
+          </a:xfrm>
+          <a:prstGeom prst="rect">
+            <a:avLst/>
+          </a:prstGeom>
+        </p:spPr>
+        <p:txBody>
+          <a:bodyPr vert="horz" wrap="square" lIns="0" tIns="7701" rIns="0" bIns="0" rtlCol="0">
+            <a:spAutoFit/>
           </a:bodyPr>
           <a:lstStyle/>
           <a:p>
-            <a:r>
-              <a:rPr lang="en-US" b="1" dirty="0" smtClean="0"/>
-              <a:t>Slide 1: Introduction to SOGAZ</a:t>
-            </a:r>
-          </a:p>
-          <a:p>
-            <a:r>
-              <a:rPr lang="en-US" b="1" dirty="0" smtClean="0"/>
-              <a:t>English:</a:t>
-            </a:r>
-            <a:endParaRPr lang="en-US" dirty="0" smtClean="0"/>
-          </a:p>
-          <a:p>
-            <a:r>
-              <a:rPr lang="en-US" b="1" dirty="0" smtClean="0"/>
-              <a:t>SOGAZ Overview</a:t>
-            </a:r>
-            <a:endParaRPr lang="en-US" dirty="0" smtClean="0"/>
-          </a:p>
-          <a:p>
-            <a:pPr lvl="1"/>
-            <a:r>
-              <a:rPr lang="en-US" dirty="0" smtClean="0"/>
-              <a:t>Founded in 1993, SOGAZ is one of the largest insurance companies in Russia.</a:t>
-            </a:r>
-          </a:p>
-          <a:p>
-            <a:pPr lvl="1"/>
-            <a:r>
-              <a:rPr lang="en-US" dirty="0" smtClean="0"/>
-              <a:t>Headquartered in Moscow, the company provides a wide range of insurance products for businesses and individuals.</a:t>
-            </a:r>
-          </a:p>
-          <a:p>
-            <a:pPr lvl="1"/>
-            <a:r>
-              <a:rPr lang="en-US" dirty="0" smtClean="0"/>
-              <a:t>SOGAZ operates with a focus on innovation, reliability, and customer satisfaction.</a:t>
-            </a:r>
-          </a:p>
-          <a:p>
-            <a:r>
-              <a:rPr lang="en-US" b="1" dirty="0" smtClean="0"/>
-              <a:t>Russian:</a:t>
-            </a:r>
-            <a:endParaRPr lang="en-US" dirty="0" smtClean="0"/>
-          </a:p>
-          <a:p>
-            <a:r>
-              <a:rPr lang="ru-RU" b="1" dirty="0" smtClean="0"/>
-              <a:t>Обзор СОГАЗ</a:t>
-            </a:r>
-            <a:endParaRPr lang="ru-RU" dirty="0" smtClean="0"/>
-          </a:p>
-          <a:p>
-            <a:pPr lvl="1"/>
-            <a:r>
-              <a:rPr lang="ru-RU" dirty="0" smtClean="0"/>
-              <a:t>Основан в 1993 году, СОГАЗ является одной из крупнейших страховых компаний России.</a:t>
-            </a:r>
-          </a:p>
-          <a:p>
-            <a:pPr lvl="1"/>
-            <a:r>
-              <a:rPr lang="ru-RU" dirty="0" smtClean="0"/>
-              <a:t>Штаб-квартира компании расположена в Москве. Она предоставляет широкий спектр страховых продуктов для бизнеса и физических лиц.</a:t>
-            </a:r>
-          </a:p>
-          <a:p>
-            <a:pPr lvl="1"/>
-            <a:r>
-              <a:rPr lang="ru-RU" dirty="0" smtClean="0"/>
-              <a:t>СОГАЗ делает акцент на инновациях, надежности и удовлетворенности клиентов</a:t>
-            </a:r>
-          </a:p>
-          <a:p>
-            <a:endParaRPr lang="ru-RU" dirty="0"/>
+            <a:pPr marL="7701" marR="3081" indent="223337">
+              <a:spcBef>
+                <a:spcPts val="61"/>
+              </a:spcBef>
+            </a:pPr>
+            <a:r>
+              <a:rPr sz="1455" b="1" spc="6" dirty="0">
+                <a:latin typeface="Courier New"/>
+                <a:cs typeface="Courier New"/>
+              </a:rPr>
+              <a:t>Федеральное государственное бюджетное образовательное учреждение </a:t>
+            </a:r>
+            <a:r>
+              <a:rPr sz="1455" b="1" spc="9" dirty="0">
+                <a:latin typeface="Courier New"/>
+                <a:cs typeface="Courier New"/>
+              </a:rPr>
+              <a:t> высшего</a:t>
+            </a:r>
+            <a:r>
+              <a:rPr sz="1455" b="1" spc="-45" dirty="0">
+                <a:latin typeface="Courier New"/>
+                <a:cs typeface="Courier New"/>
+              </a:rPr>
+              <a:t> </a:t>
+            </a:r>
+            <a:r>
+              <a:rPr sz="1455" b="1" spc="6" dirty="0">
+                <a:latin typeface="Courier New"/>
+                <a:cs typeface="Courier New"/>
+              </a:rPr>
+              <a:t>образования</a:t>
+            </a:r>
+            <a:r>
+              <a:rPr sz="1455" b="1" spc="-9" dirty="0">
+                <a:latin typeface="Courier New"/>
+                <a:cs typeface="Courier New"/>
+              </a:rPr>
+              <a:t> </a:t>
+            </a:r>
+            <a:r>
+              <a:rPr sz="1455" b="1" spc="9" dirty="0">
+                <a:latin typeface="Courier New"/>
+                <a:cs typeface="Courier New"/>
+              </a:rPr>
+              <a:t>«МИРЭА</a:t>
+            </a:r>
+            <a:r>
+              <a:rPr sz="1455" b="1" spc="-30" dirty="0">
+                <a:latin typeface="Courier New"/>
+                <a:cs typeface="Courier New"/>
+              </a:rPr>
+              <a:t> </a:t>
+            </a:r>
+            <a:r>
+              <a:rPr sz="1455" b="1" spc="3" dirty="0">
+                <a:latin typeface="Courier New"/>
+                <a:cs typeface="Courier New"/>
+              </a:rPr>
+              <a:t>–</a:t>
+            </a:r>
+            <a:r>
+              <a:rPr sz="1455" b="1" spc="18" dirty="0">
+                <a:latin typeface="Courier New"/>
+                <a:cs typeface="Courier New"/>
+              </a:rPr>
+              <a:t> </a:t>
+            </a:r>
+            <a:r>
+              <a:rPr sz="1455" b="1" spc="6" dirty="0">
+                <a:latin typeface="Courier New"/>
+                <a:cs typeface="Courier New"/>
+              </a:rPr>
+              <a:t>Российский</a:t>
+            </a:r>
+            <a:r>
+              <a:rPr sz="1455" b="1" spc="-27" dirty="0">
+                <a:latin typeface="Courier New"/>
+                <a:cs typeface="Courier New"/>
+              </a:rPr>
+              <a:t> </a:t>
+            </a:r>
+            <a:r>
+              <a:rPr sz="1455" b="1" spc="3" dirty="0">
+                <a:latin typeface="Courier New"/>
+                <a:cs typeface="Courier New"/>
+              </a:rPr>
+              <a:t>технологический</a:t>
+            </a:r>
+            <a:r>
+              <a:rPr sz="1455" b="1" spc="-45" dirty="0">
+                <a:latin typeface="Courier New"/>
+                <a:cs typeface="Courier New"/>
+              </a:rPr>
+              <a:t> </a:t>
+            </a:r>
+            <a:r>
+              <a:rPr sz="1455" b="1" spc="6" dirty="0">
+                <a:latin typeface="Courier New"/>
+                <a:cs typeface="Courier New"/>
+              </a:rPr>
+              <a:t>университет»</a:t>
+            </a:r>
+            <a:endParaRPr sz="1455">
+              <a:latin typeface="Courier New"/>
+              <a:cs typeface="Courier New"/>
+            </a:endParaRPr>
+          </a:p>
+        </p:txBody>
+      </p:sp>
+      <p:sp>
+        <p:nvSpPr>
+          <p:cNvPr id="3" name="object 3"/>
+          <p:cNvSpPr txBox="1">
+            <a:spLocks noGrp="1"/>
+          </p:cNvSpPr>
+          <p:nvPr>
+            <p:ph type="title"/>
+          </p:nvPr>
+        </p:nvSpPr>
+        <p:spPr>
+          <a:xfrm>
+            <a:off x="4548056" y="881794"/>
+            <a:ext cx="2673365" cy="372888"/>
+          </a:xfrm>
+          <a:prstGeom prst="rect">
+            <a:avLst/>
+          </a:prstGeom>
+        </p:spPr>
+        <p:txBody>
+          <a:bodyPr vert="horz" wrap="square" lIns="0" tIns="8856" rIns="0" bIns="0" rtlCol="0" anchor="ctr">
+            <a:spAutoFit/>
+          </a:bodyPr>
+          <a:lstStyle/>
+          <a:p>
+            <a:pPr marL="7701">
+              <a:lnSpc>
+                <a:spcPct val="100000"/>
+              </a:lnSpc>
+              <a:spcBef>
+                <a:spcPts val="70"/>
+              </a:spcBef>
+            </a:pPr>
+            <a:r>
+              <a:rPr sz="2365" spc="3" dirty="0"/>
+              <a:t>РТУ</a:t>
+            </a:r>
+            <a:r>
+              <a:rPr sz="2365" spc="64" dirty="0"/>
+              <a:t> </a:t>
+            </a:r>
+            <a:r>
+              <a:rPr sz="2365" spc="-18" dirty="0"/>
+              <a:t>МИРЭА</a:t>
+            </a:r>
+            <a:endParaRPr sz="2365" dirty="0"/>
+          </a:p>
+        </p:txBody>
+      </p:sp>
+      <p:sp>
+        <p:nvSpPr>
+          <p:cNvPr id="4" name="object 4"/>
+          <p:cNvSpPr txBox="1"/>
+          <p:nvPr/>
+        </p:nvSpPr>
+        <p:spPr>
+          <a:xfrm>
+            <a:off x="2309991" y="1980980"/>
+            <a:ext cx="7149494" cy="903534"/>
+          </a:xfrm>
+          <a:prstGeom prst="rect">
+            <a:avLst/>
+          </a:prstGeom>
+        </p:spPr>
+        <p:txBody>
+          <a:bodyPr vert="horz" wrap="square" lIns="0" tIns="7701" rIns="0" bIns="0" rtlCol="0">
+            <a:spAutoFit/>
+          </a:bodyPr>
+          <a:lstStyle/>
+          <a:p>
+            <a:pPr marL="7701" marR="3081" indent="1540" algn="ctr">
+              <a:spcBef>
+                <a:spcPts val="61"/>
+              </a:spcBef>
+            </a:pPr>
+            <a:r>
+              <a:rPr lang="en-US" sz="5821" dirty="0">
+                <a:latin typeface="Lucida Console"/>
+                <a:cs typeface="Lucida Console"/>
+              </a:rPr>
+              <a:t>Presentation</a:t>
+            </a:r>
+            <a:endParaRPr sz="5821" dirty="0">
+              <a:latin typeface="Lucida Console"/>
+              <a:cs typeface="Lucida Console"/>
+            </a:endParaRPr>
+          </a:p>
+        </p:txBody>
+      </p:sp>
+      <p:sp>
+        <p:nvSpPr>
+          <p:cNvPr id="5" name="object 5"/>
+          <p:cNvSpPr txBox="1"/>
+          <p:nvPr/>
+        </p:nvSpPr>
+        <p:spPr>
+          <a:xfrm>
+            <a:off x="63850" y="6486542"/>
+            <a:ext cx="5033949" cy="231684"/>
+          </a:xfrm>
+          <a:prstGeom prst="rect">
+            <a:avLst/>
+          </a:prstGeom>
+        </p:spPr>
+        <p:txBody>
+          <a:bodyPr vert="horz" wrap="square" lIns="0" tIns="7701" rIns="0" bIns="0" rtlCol="0">
+            <a:spAutoFit/>
+          </a:bodyPr>
+          <a:lstStyle/>
+          <a:p>
+            <a:pPr marL="7701">
+              <a:spcBef>
+                <a:spcPts val="61"/>
+              </a:spcBef>
+            </a:pPr>
+            <a:r>
+              <a:rPr sz="1455" spc="-3" dirty="0">
+                <a:latin typeface="Lucida Console"/>
+                <a:cs typeface="Lucida Console"/>
+              </a:rPr>
+              <a:t>РТУ</a:t>
+            </a:r>
+            <a:r>
+              <a:rPr sz="1455" spc="12" dirty="0">
+                <a:latin typeface="Lucida Console"/>
+                <a:cs typeface="Lucida Console"/>
+              </a:rPr>
+              <a:t> </a:t>
+            </a:r>
+            <a:r>
+              <a:rPr sz="1455" spc="-3" dirty="0">
+                <a:latin typeface="Lucida Console"/>
+                <a:cs typeface="Lucida Console"/>
+              </a:rPr>
+              <a:t>МИРЭА,</a:t>
+            </a:r>
+            <a:r>
+              <a:rPr sz="1455" spc="27" dirty="0">
+                <a:latin typeface="Lucida Console"/>
+                <a:cs typeface="Lucida Console"/>
+              </a:rPr>
+              <a:t> </a:t>
+            </a:r>
+            <a:r>
+              <a:rPr sz="1455" spc="-6" dirty="0" err="1">
+                <a:latin typeface="Lucida Console"/>
+                <a:cs typeface="Lucida Console"/>
+              </a:rPr>
+              <a:t>Институт</a:t>
+            </a:r>
+            <a:r>
+              <a:rPr sz="1455" spc="27" dirty="0">
+                <a:latin typeface="Lucida Console"/>
+                <a:cs typeface="Lucida Console"/>
+              </a:rPr>
+              <a:t> </a:t>
+            </a:r>
+            <a:r>
+              <a:rPr sz="1455" spc="-3" dirty="0" err="1" smtClean="0">
+                <a:latin typeface="Lucida Console"/>
+                <a:cs typeface="Lucida Console"/>
+              </a:rPr>
+              <a:t>информационных</a:t>
+            </a:r>
+            <a:r>
+              <a:rPr sz="1455" spc="69" dirty="0" smtClean="0">
+                <a:latin typeface="Lucida Console"/>
+                <a:cs typeface="Lucida Console"/>
+              </a:rPr>
+              <a:t> </a:t>
+            </a:r>
+            <a:r>
+              <a:rPr sz="1455" spc="-6" dirty="0">
+                <a:latin typeface="Lucida Console"/>
+                <a:cs typeface="Lucida Console"/>
+              </a:rPr>
+              <a:t>технологий</a:t>
+            </a:r>
+            <a:endParaRPr sz="1455" dirty="0">
+              <a:latin typeface="Lucida Console"/>
+              <a:cs typeface="Lucida Console"/>
+            </a:endParaRPr>
+          </a:p>
+        </p:txBody>
+      </p:sp>
+      <p:sp>
+        <p:nvSpPr>
+          <p:cNvPr id="7" name="object 5"/>
+          <p:cNvSpPr txBox="1"/>
+          <p:nvPr/>
+        </p:nvSpPr>
+        <p:spPr>
+          <a:xfrm>
+            <a:off x="8215313" y="6030951"/>
+            <a:ext cx="3976687" cy="455591"/>
+          </a:xfrm>
+          <a:prstGeom prst="rect">
+            <a:avLst/>
+          </a:prstGeom>
+        </p:spPr>
+        <p:txBody>
+          <a:bodyPr vert="horz" wrap="square" lIns="0" tIns="7701" rIns="0" bIns="0" rtlCol="0">
+            <a:spAutoFit/>
+          </a:bodyPr>
+          <a:lstStyle/>
+          <a:p>
+            <a:pPr marL="7701">
+              <a:spcBef>
+                <a:spcPts val="61"/>
+              </a:spcBef>
+            </a:pPr>
+            <a:r>
+              <a:rPr lang="ru-RU" sz="1455" spc="-3" dirty="0" smtClean="0">
+                <a:latin typeface="Lucida Console"/>
+                <a:cs typeface="Lucida Console"/>
+              </a:rPr>
+              <a:t>Студент: Миронов Дмитрий Сергеевич</a:t>
+            </a:r>
+            <a:br>
+              <a:rPr lang="ru-RU" sz="1455" spc="-3" dirty="0" smtClean="0">
+                <a:latin typeface="Lucida Console"/>
+                <a:cs typeface="Lucida Console"/>
+              </a:rPr>
+            </a:br>
+            <a:r>
+              <a:rPr lang="ru-RU" sz="1455" spc="-3" dirty="0" smtClean="0">
+                <a:latin typeface="Lucida Console"/>
+                <a:cs typeface="Lucida Console"/>
+              </a:rPr>
+              <a:t>Группы: ИКМО-05-23</a:t>
+            </a:r>
+            <a:endParaRPr sz="1455" dirty="0">
+              <a:latin typeface="Lucida Console"/>
+              <a:cs typeface="Lucida Console"/>
+            </a:endParaRPr>
           </a:p>
         </p:txBody>
       </p:sp>
     </p:spTree>
     <p:extLst>
       <p:ext uri="{BB962C8B-B14F-4D97-AF65-F5344CB8AC3E}">
-        <p14:creationId xmlns:p14="http://schemas.microsoft.com/office/powerpoint/2010/main" val="3412131238"/>
+        <p14:creationId xmlns:p14="http://schemas.microsoft.com/office/powerpoint/2010/main" val="1851879365"/>
       </p:ext>
     </p:extLst>
   </p:cSld>
   <p:clrMapOvr>
     <a:masterClrMapping/>
   </p:clrMapOvr>
+  <p:timing>
+    <p:tnLst>
+      <p:par>
+        <p:cTn id="1" dur="indefinite" restart="never" nodeType="tmRoot"/>
+      </p:par>
+    </p:tnLst>
+  </p:timing>
 </p:sld>
 </file>
 
@@ -3103,34 +6036,20 @@
       </p:grpSpPr>
       <p:sp>
         <p:nvSpPr>
-          <p:cNvPr id="2" name="Заголовок 1"/>
-          <p:cNvSpPr>
-            <a:spLocks noGrp="1"/>
-          </p:cNvSpPr>
-          <p:nvPr>
-            <p:ph type="title"/>
-          </p:nvPr>
-        </p:nvSpPr>
-        <p:spPr/>
-        <p:txBody>
-          <a:bodyPr/>
-          <a:lstStyle/>
-          <a:p>
-            <a:endParaRPr lang="ru-RU"/>
-          </a:p>
-        </p:txBody>
-      </p:sp>
-      <p:sp>
-        <p:nvSpPr>
-          <p:cNvPr id="3" name="Объект 2"/>
-          <p:cNvSpPr>
-            <a:spLocks noGrp="1"/>
-          </p:cNvSpPr>
-          <p:nvPr>
-            <p:ph idx="1"/>
-          </p:nvPr>
-        </p:nvSpPr>
-        <p:spPr/>
+          <p:cNvPr id="4" name="Заголовок 3"/>
+          <p:cNvSpPr>
+            <a:spLocks noGrp="1"/>
+          </p:cNvSpPr>
+          <p:nvPr>
+            <p:ph type="ctrTitle"/>
+          </p:nvPr>
+        </p:nvSpPr>
+        <p:spPr>
+          <a:xfrm>
+            <a:off x="400051" y="4895850"/>
+            <a:ext cx="11706224" cy="1824038"/>
+          </a:xfrm>
+        </p:spPr>
         <p:txBody>
           <a:bodyPr>
             <a:noAutofit/>
@@ -3138,131 +6057,98 @@
           <a:lstStyle/>
           <a:p>
             <a:r>
-              <a:rPr lang="en-US" sz="1600" b="1" dirty="0" smtClean="0"/>
-              <a:t>Slide 2: Key Facts and Figures</a:t>
-            </a:r>
-          </a:p>
-          <a:p>
-            <a:r>
-              <a:rPr lang="en-US" sz="1600" b="1" dirty="0" smtClean="0"/>
-              <a:t>English:</a:t>
-            </a:r>
-            <a:endParaRPr lang="en-US" sz="1600" dirty="0" smtClean="0"/>
-          </a:p>
-          <a:p>
-            <a:r>
-              <a:rPr lang="en-US" sz="1600" b="1" dirty="0" smtClean="0"/>
-              <a:t>Market Position</a:t>
-            </a:r>
-            <a:endParaRPr lang="en-US" sz="1600" dirty="0" smtClean="0"/>
-          </a:p>
-          <a:p>
-            <a:pPr lvl="1"/>
-            <a:r>
-              <a:rPr lang="en-US" sz="1400" dirty="0" smtClean="0"/>
-              <a:t>One of the leaders in the Russian insurance market.</a:t>
-            </a:r>
-          </a:p>
-          <a:p>
-            <a:pPr lvl="1"/>
-            <a:r>
-              <a:rPr lang="en-US" sz="1400" dirty="0" smtClean="0"/>
-              <a:t>Over 50 offices across Russia and international operations in several countries.</a:t>
-            </a:r>
-          </a:p>
-          <a:p>
-            <a:r>
-              <a:rPr lang="en-US" sz="1600" b="1" dirty="0" smtClean="0"/>
-              <a:t>Financial Strength</a:t>
-            </a:r>
-            <a:endParaRPr lang="en-US" sz="1600" dirty="0" smtClean="0"/>
-          </a:p>
-          <a:p>
-            <a:pPr lvl="1"/>
-            <a:r>
-              <a:rPr lang="en-US" sz="1400" dirty="0" smtClean="0"/>
-              <a:t>Annual premium income exceeds 400 billion rubles.</a:t>
-            </a:r>
-          </a:p>
-          <a:p>
-            <a:pPr lvl="1"/>
-            <a:r>
-              <a:rPr lang="en-US" sz="1400" dirty="0" smtClean="0"/>
-              <a:t>High credit ratings from major agencies (e.g., ACRA, Expert RA).</a:t>
-            </a:r>
-          </a:p>
-          <a:p>
-            <a:r>
-              <a:rPr lang="en-US" sz="1600" b="1" dirty="0" smtClean="0"/>
-              <a:t>Russian:</a:t>
-            </a:r>
-            <a:endParaRPr lang="en-US" sz="1600" dirty="0" smtClean="0"/>
-          </a:p>
-          <a:p>
-            <a:r>
-              <a:rPr lang="ru-RU" sz="1600" b="1" dirty="0" smtClean="0"/>
-              <a:t>Ключевые показатели</a:t>
-            </a:r>
-            <a:endParaRPr lang="ru-RU" sz="1600" dirty="0" smtClean="0"/>
-          </a:p>
-          <a:p>
-            <a:pPr lvl="1"/>
-            <a:r>
-              <a:rPr lang="ru-RU" sz="1400" dirty="0" smtClean="0"/>
-              <a:t>Один из лидеров на российском страховом рынке.</a:t>
-            </a:r>
-          </a:p>
-          <a:p>
-            <a:pPr lvl="1"/>
-            <a:r>
-              <a:rPr lang="ru-RU" sz="1400" dirty="0" smtClean="0"/>
-              <a:t>Более 50 офисов по России и международная деятельность в нескольких странах.</a:t>
-            </a:r>
-          </a:p>
-          <a:p>
-            <a:r>
-              <a:rPr lang="ru-RU" sz="1600" b="1" dirty="0" smtClean="0"/>
-              <a:t>Финансовая устойчивость</a:t>
-            </a:r>
-            <a:endParaRPr lang="ru-RU" sz="1600" dirty="0" smtClean="0"/>
-          </a:p>
-          <a:p>
-            <a:pPr lvl="1"/>
-            <a:r>
-              <a:rPr lang="ru-RU" sz="1400" dirty="0" smtClean="0"/>
-              <a:t>Годовой объем страховых премий превышает 400 млрд рублей.</a:t>
-            </a:r>
-          </a:p>
-          <a:p>
-            <a:pPr lvl="1"/>
-            <a:r>
-              <a:rPr lang="ru-RU" sz="1400" dirty="0" smtClean="0"/>
-              <a:t>Высокие кредитные рейтинги от ведущих агентств (например, </a:t>
-            </a:r>
-            <a:r>
-              <a:rPr lang="en-US" sz="1400" dirty="0" smtClean="0"/>
-              <a:t>ACRA, </a:t>
-            </a:r>
-            <a:r>
-              <a:rPr lang="ru-RU" sz="1400" dirty="0" smtClean="0"/>
-              <a:t>Эксперт РА).</a:t>
-            </a:r>
-          </a:p>
-          <a:p>
-            <a:endParaRPr lang="ru-RU" sz="1600" dirty="0"/>
-          </a:p>
-        </p:txBody>
-      </p:sp>
+              <a:rPr lang="en-US" sz="4400" b="1" dirty="0" smtClean="0"/>
+              <a:t>SOGAZ </a:t>
+            </a:r>
+            <a:r>
+              <a:rPr lang="ru-RU" sz="4400" b="1" dirty="0"/>
+              <a:t>(«</a:t>
+            </a:r>
+            <a:r>
+              <a:rPr lang="en-US" sz="4400" b="1" dirty="0"/>
+              <a:t>Gas Industry Insurance Company</a:t>
+            </a:r>
+            <a:r>
+              <a:rPr lang="ru-RU" sz="4400" b="1" dirty="0"/>
+              <a:t>»)</a:t>
+            </a:r>
+            <a:r>
+              <a:rPr lang="en-US" sz="4400" dirty="0"/>
+              <a:t/>
+            </a:r>
+            <a:br>
+              <a:rPr lang="en-US" sz="4400" dirty="0"/>
+            </a:br>
+            <a:r>
+              <a:rPr lang="en-US" sz="4400" dirty="0"/>
+              <a:t>Founded in </a:t>
+            </a:r>
+            <a:r>
+              <a:rPr lang="en-US" sz="4400" dirty="0" smtClean="0"/>
+              <a:t>1993</a:t>
+            </a:r>
+            <a:endParaRPr lang="ru-RU" sz="4400" dirty="0"/>
+          </a:p>
+        </p:txBody>
+      </p:sp>
+      <p:pic>
+        <p:nvPicPr>
+          <p:cNvPr id="1026" name="Picture 2" descr="СОГАЗ объявила о расширении работы в Крыму и новых регионах России — РБК"/>
+          <p:cNvPicPr>
+            <a:picLocks noChangeAspect="1" noChangeArrowheads="1"/>
+          </p:cNvPicPr>
+          <p:nvPr/>
+        </p:nvPicPr>
+        <p:blipFill>
+          <a:blip r:embed="rId2">
+            <a:extLst>
+              <a:ext uri="{28A0092B-C50C-407E-A947-70E740481C1C}">
+                <a14:useLocalDpi xmlns:a14="http://schemas.microsoft.com/office/drawing/2010/main" val="0"/>
+              </a:ext>
+            </a:extLst>
+          </a:blip>
+          <a:srcRect/>
+          <a:stretch>
+            <a:fillRect/>
+          </a:stretch>
+        </p:blipFill>
+        <p:spPr bwMode="auto">
+          <a:xfrm>
+            <a:off x="2290763" y="0"/>
+            <a:ext cx="7924800" cy="4895916"/>
+          </a:xfrm>
+          <a:prstGeom prst="rect">
+            <a:avLst/>
+          </a:prstGeom>
+          <a:noFill/>
+          <a:extLst>
+            <a:ext uri="{909E8E84-426E-40DD-AFC4-6F175D3DCCD1}">
+              <a14:hiddenFill xmlns:a14="http://schemas.microsoft.com/office/drawing/2010/main">
+                <a:solidFill>
+                  <a:srgbClr val="FFFFFF"/>
+                </a:solidFill>
+              </a14:hiddenFill>
+            </a:ext>
+          </a:extLst>
+        </p:spPr>
+      </p:pic>
     </p:spTree>
     <p:extLst>
       <p:ext uri="{BB962C8B-B14F-4D97-AF65-F5344CB8AC3E}">
-        <p14:creationId xmlns:p14="http://schemas.microsoft.com/office/powerpoint/2010/main" val="4223205402"/>
+        <p14:creationId xmlns:p14="http://schemas.microsoft.com/office/powerpoint/2010/main" val="3412131238"/>
       </p:ext>
     </p:extLst>
   </p:cSld>
   <p:clrMapOvr>
     <a:masterClrMapping/>
   </p:clrMapOvr>
+  <p:timing>
+    <p:tnLst>
+      <p:par>
+        <p:cTn id="1" dur="indefinite" restart="never" nodeType="tmRoot"/>
+      </p:par>
+    </p:tnLst>
+  </p:timing>
 </p:sld>
 </file>
 
@@ -3293,12 +6179,29 @@
             <p:ph type="title"/>
           </p:nvPr>
         </p:nvSpPr>
-        <p:spPr/>
-        <p:txBody>
-          <a:bodyPr/>
-          <a:lstStyle/>
-          <a:p>
-            <a:endParaRPr lang="ru-RU"/>
+        <p:spPr>
+          <a:xfrm>
+            <a:off x="1390650" y="4329113"/>
+            <a:ext cx="8915400" cy="3049588"/>
+          </a:xfrm>
+        </p:spPr>
+        <p:txBody>
+          <a:bodyPr/>
+          <a:lstStyle/>
+          <a:p>
+            <a:r>
+              <a:rPr lang="en-US" dirty="0"/>
+              <a:t>I</a:t>
+            </a:r>
+            <a:r>
+              <a:rPr lang="en-US" dirty="0" smtClean="0"/>
+              <a:t>nsurance </a:t>
+            </a:r>
+            <a:r>
+              <a:rPr lang="en-US" dirty="0"/>
+              <a:t>group for the whole country</a:t>
+            </a:r>
+            <a:endParaRPr lang="ru-RU" dirty="0"/>
           </a:p>
         </p:txBody>
       </p:sp>
@@ -3312,131 +6215,95 @@
             <p:ph idx="1"/>
           </p:nvPr>
         </p:nvSpPr>
-        <p:spPr/>
+        <p:spPr>
+          <a:xfrm>
+            <a:off x="9098756" y="0"/>
+            <a:ext cx="3093244" cy="1971675"/>
+          </a:xfrm>
+        </p:spPr>
         <p:txBody>
           <a:bodyPr>
-            <a:normAutofit fontScale="70000" lnSpcReduction="20000"/>
+            <a:noAutofit/>
           </a:bodyPr>
           <a:lstStyle/>
           <a:p>
-            <a:r>
-              <a:rPr lang="en-US" b="1" dirty="0" smtClean="0"/>
-              <a:t>Slide 3: Products and Services</a:t>
-            </a:r>
-          </a:p>
-          <a:p>
-            <a:r>
-              <a:rPr lang="en-US" b="1" dirty="0" smtClean="0"/>
-              <a:t>English:</a:t>
-            </a:r>
-            <a:endParaRPr lang="en-US" dirty="0" smtClean="0"/>
-          </a:p>
-          <a:p>
-            <a:r>
-              <a:rPr lang="en-US" b="1" dirty="0" smtClean="0"/>
-              <a:t>Insurance Solutions</a:t>
-            </a:r>
-            <a:endParaRPr lang="en-US" dirty="0" smtClean="0"/>
-          </a:p>
-          <a:p>
-            <a:pPr lvl="1"/>
-            <a:r>
-              <a:rPr lang="en-US" dirty="0" smtClean="0"/>
-              <a:t>Corporate insurance: property, liability, health, and business risks.</a:t>
-            </a:r>
-          </a:p>
-          <a:p>
-            <a:pPr lvl="1"/>
-            <a:r>
-              <a:rPr lang="en-US" dirty="0" smtClean="0"/>
-              <a:t>Personal insurance: health, property, travel, and life insurance.</a:t>
-            </a:r>
-          </a:p>
-          <a:p>
-            <a:r>
-              <a:rPr lang="en-US" b="1" dirty="0" smtClean="0"/>
-              <a:t>Special Services</a:t>
-            </a:r>
-            <a:endParaRPr lang="en-US" dirty="0" smtClean="0"/>
-          </a:p>
-          <a:p>
-            <a:pPr lvl="1"/>
-            <a:r>
-              <a:rPr lang="en-US" dirty="0" smtClean="0"/>
-              <a:t>Custom risk management programs.</a:t>
-            </a:r>
-          </a:p>
-          <a:p>
-            <a:pPr lvl="1"/>
-            <a:r>
-              <a:rPr lang="en-US" dirty="0" smtClean="0"/>
-              <a:t>Support for large infrastructure projects and industries.</a:t>
-            </a:r>
-          </a:p>
-          <a:p>
-            <a:r>
-              <a:rPr lang="en-US" b="1" dirty="0" smtClean="0"/>
-              <a:t>Russian:</a:t>
-            </a:r>
-            <a:endParaRPr lang="en-US" dirty="0" smtClean="0"/>
-          </a:p>
-          <a:p>
-            <a:r>
-              <a:rPr lang="ru-RU" b="1" dirty="0" smtClean="0"/>
-              <a:t>Продукты и услуги</a:t>
-            </a:r>
-            <a:endParaRPr lang="ru-RU" dirty="0" smtClean="0"/>
-          </a:p>
-          <a:p>
-            <a:pPr lvl="1"/>
-            <a:r>
-              <a:rPr lang="ru-RU" dirty="0" smtClean="0"/>
-              <a:t>Корпоративное страхование: имущество, ответственность, здоровье и бизнес-риски.</a:t>
-            </a:r>
-          </a:p>
-          <a:p>
-            <a:pPr lvl="1"/>
-            <a:r>
-              <a:rPr lang="ru-RU" dirty="0" smtClean="0"/>
-              <a:t>Личное страхование: здоровье, имущество, путешествия и жизнь.</a:t>
-            </a:r>
-          </a:p>
-          <a:p>
-            <a:r>
-              <a:rPr lang="ru-RU" b="1" dirty="0" smtClean="0"/>
-              <a:t>Особые услуги</a:t>
-            </a:r>
-            <a:endParaRPr lang="ru-RU" dirty="0" smtClean="0"/>
-          </a:p>
-          <a:p>
-            <a:pPr lvl="1"/>
-            <a:r>
-              <a:rPr lang="ru-RU" dirty="0" smtClean="0"/>
-              <a:t>Индивидуальные программы управления рисками.</a:t>
-            </a:r>
-          </a:p>
-          <a:p>
-            <a:pPr lvl="1"/>
-            <a:r>
-              <a:rPr lang="ru-RU" dirty="0" smtClean="0"/>
-              <a:t>Поддержка крупных инфраструктурных проектов и отраслей.</a:t>
-            </a:r>
-          </a:p>
-          <a:p>
-            <a:endParaRPr lang="ru-RU" dirty="0"/>
-          </a:p>
-        </p:txBody>
-      </p:sp>
+            <a:pPr marL="0" indent="0" algn="just">
+              <a:buNone/>
+            </a:pPr>
+            <a:r>
+              <a:rPr lang="en-US" sz="1600" dirty="0" smtClean="0"/>
+              <a:t>Over </a:t>
+            </a:r>
+            <a:r>
+              <a:rPr lang="en-US" sz="1600" dirty="0" smtClean="0"/>
+              <a:t>50 offices across Russia and international operations in several countries</a:t>
+            </a:r>
+            <a:r>
+              <a:rPr lang="en-US" sz="1600" dirty="0" smtClean="0"/>
+              <a:t>.</a:t>
+            </a:r>
+            <a:endParaRPr lang="en-US" sz="1600" dirty="0" smtClean="0"/>
+          </a:p>
+        </p:txBody>
+      </p:sp>
+      <p:pic>
+        <p:nvPicPr>
+          <p:cNvPr id="2052" name="Picture 4" descr="Согаз, страховая компания, Советская ул., 53, Вельск — Яндекс Карты"/>
+          <p:cNvPicPr>
+            <a:picLocks noChangeAspect="1" noChangeArrowheads="1"/>
+          </p:cNvPicPr>
+          <p:nvPr/>
+        </p:nvPicPr>
+        <p:blipFill>
+          <a:blip r:embed="rId2">
+            <a:extLst>
+              <a:ext uri="{28A0092B-C50C-407E-A947-70E740481C1C}">
+                <a14:useLocalDpi xmlns:a14="http://schemas.microsoft.com/office/drawing/2010/main" val="0"/>
+              </a:ext>
+            </a:extLst>
+          </a:blip>
+          <a:srcRect/>
+          <a:stretch>
+            <a:fillRect/>
+          </a:stretch>
+        </p:blipFill>
+        <p:spPr bwMode="auto">
+          <a:xfrm>
+            <a:off x="2605880" y="0"/>
+            <a:ext cx="6492876" cy="4869657"/>
+          </a:xfrm>
+          <a:prstGeom prst="rect">
+            <a:avLst/>
+          </a:prstGeom>
+          <a:noFill/>
+          <a:extLst>
+            <a:ext uri="{909E8E84-426E-40DD-AFC4-6F175D3DCCD1}">
+              <a14:hiddenFill xmlns:a14="http://schemas.microsoft.com/office/drawing/2010/main">
+                <a:solidFill>
+                  <a:srgbClr val="FFFFFF"/>
+                </a:solidFill>
+              </a14:hiddenFill>
+            </a:ext>
+          </a:extLst>
+        </p:spPr>
+      </p:pic>
     </p:spTree>
     <p:extLst>
       <p:ext uri="{BB962C8B-B14F-4D97-AF65-F5344CB8AC3E}">
-        <p14:creationId xmlns:p14="http://schemas.microsoft.com/office/powerpoint/2010/main" val="3631986537"/>
+        <p14:creationId xmlns:p14="http://schemas.microsoft.com/office/powerpoint/2010/main" val="4223205402"/>
       </p:ext>
     </p:extLst>
   </p:cSld>
   <p:clrMapOvr>
     <a:masterClrMapping/>
   </p:clrMapOvr>
+  <p:timing>
+    <p:tnLst>
+      <p:par>
+        <p:cTn id="1" dur="indefinite" restart="never" nodeType="tmRoot"/>
+      </p:par>
+    </p:tnLst>
+  </p:timing>
 </p:sld>
 </file>
 
@@ -3467,150 +6334,88 @@
             <p:ph type="title"/>
           </p:nvPr>
         </p:nvSpPr>
-        <p:spPr/>
-        <p:txBody>
-          <a:bodyPr/>
-          <a:lstStyle/>
-          <a:p>
-            <a:endParaRPr lang="ru-RU"/>
-          </a:p>
-        </p:txBody>
-      </p:sp>
-      <p:sp>
-        <p:nvSpPr>
-          <p:cNvPr id="3" name="Объект 2"/>
-          <p:cNvSpPr>
-            <a:spLocks noGrp="1"/>
-          </p:cNvSpPr>
-          <p:nvPr>
-            <p:ph idx="1"/>
-          </p:nvPr>
-        </p:nvSpPr>
-        <p:spPr/>
+        <p:spPr>
+          <a:xfrm>
+            <a:off x="931695" y="5405438"/>
+            <a:ext cx="10353761" cy="1326321"/>
+          </a:xfrm>
+        </p:spPr>
         <p:txBody>
           <a:bodyPr>
-            <a:normAutofit fontScale="70000" lnSpcReduction="20000"/>
+            <a:normAutofit/>
           </a:bodyPr>
           <a:lstStyle/>
           <a:p>
             <a:r>
-              <a:rPr lang="en-US" b="1" dirty="0" smtClean="0"/>
-              <a:t>Slide 4: Achievements and Recognition</a:t>
-            </a:r>
-          </a:p>
-          <a:p>
-            <a:r>
-              <a:rPr lang="en-US" b="1" dirty="0" smtClean="0"/>
-              <a:t>English:</a:t>
-            </a:r>
-            <a:endParaRPr lang="en-US" dirty="0" smtClean="0"/>
-          </a:p>
-          <a:p>
-            <a:r>
-              <a:rPr lang="en-US" b="1" dirty="0" smtClean="0"/>
-              <a:t>Awards and Accolades</a:t>
-            </a:r>
-            <a:endParaRPr lang="en-US" dirty="0" smtClean="0"/>
-          </a:p>
-          <a:p>
-            <a:pPr lvl="1"/>
+              <a:rPr lang="en-US" dirty="0"/>
+              <a:t>Products and </a:t>
+            </a:r>
             <a:r>
               <a:rPr lang="en-US" dirty="0" smtClean="0"/>
-              <a:t>Recognized as "Best Insurance Company" multiple times.</a:t>
-            </a:r>
-          </a:p>
-          <a:p>
-            <a:pPr lvl="1"/>
-            <a:r>
-              <a:rPr lang="en-US" dirty="0" smtClean="0"/>
-              <a:t>Regularly ranked among the top employers in Russia.</a:t>
-            </a:r>
-          </a:p>
-          <a:p>
-            <a:r>
-              <a:rPr lang="en-US" b="1" dirty="0" smtClean="0"/>
-              <a:t>Customer Trust</a:t>
-            </a:r>
-            <a:endParaRPr lang="en-US" dirty="0" smtClean="0"/>
-          </a:p>
-          <a:p>
-            <a:pPr lvl="1"/>
-            <a:r>
-              <a:rPr lang="en-US" dirty="0" smtClean="0"/>
-              <a:t>Millions of satisfied clients, both individuals and businesses.</a:t>
-            </a:r>
-          </a:p>
-          <a:p>
-            <a:pPr lvl="1"/>
-            <a:r>
-              <a:rPr lang="en-US" dirty="0" smtClean="0"/>
-              <a:t>Long-term partnerships with leading Russian and international companies.</a:t>
-            </a:r>
-          </a:p>
-          <a:p>
-            <a:r>
-              <a:rPr lang="en-US" b="1" dirty="0" smtClean="0"/>
-              <a:t>Russian:</a:t>
-            </a:r>
-            <a:endParaRPr lang="en-US" dirty="0" smtClean="0"/>
-          </a:p>
-          <a:p>
-            <a:r>
-              <a:rPr lang="ru-RU" b="1" dirty="0" smtClean="0"/>
-              <a:t>Достижения и признание</a:t>
-            </a:r>
-            <a:endParaRPr lang="ru-RU" dirty="0" smtClean="0"/>
-          </a:p>
-          <a:p>
-            <a:pPr lvl="1"/>
-            <a:r>
-              <a:rPr lang="ru-RU" dirty="0" smtClean="0"/>
-              <a:t>Многократно признан "Лучшей страховой компанией".</a:t>
-            </a:r>
-          </a:p>
-          <a:p>
-            <a:pPr lvl="1"/>
-            <a:r>
-              <a:rPr lang="ru-RU" dirty="0" smtClean="0"/>
-              <a:t>Регулярно входит в число лучших работодателей России.</a:t>
-            </a:r>
-          </a:p>
-          <a:p>
-            <a:r>
-              <a:rPr lang="ru-RU" b="1" dirty="0" smtClean="0"/>
-              <a:t>Доверие клиентов</a:t>
-            </a:r>
-            <a:endParaRPr lang="ru-RU" dirty="0" smtClean="0"/>
-          </a:p>
-          <a:p>
-            <a:pPr lvl="1"/>
-            <a:r>
-              <a:rPr lang="ru-RU" dirty="0" smtClean="0"/>
-              <a:t>Миллионы довольных клиентов среди физических и юридических лиц.</a:t>
-            </a:r>
-          </a:p>
-          <a:p>
-            <a:pPr lvl="1"/>
-            <a:r>
-              <a:rPr lang="ru-RU" dirty="0" smtClean="0"/>
-              <a:t>Долгосрочные партнерства с ведущими российскими и международными компаниями.</a:t>
-            </a:r>
-          </a:p>
-          <a:p>
+              <a:t>Services</a:t>
+            </a:r>
             <a:endParaRPr lang="ru-RU" dirty="0"/>
           </a:p>
         </p:txBody>
       </p:sp>
+      <p:pic>
+        <p:nvPicPr>
+          <p:cNvPr id="3076" name="Picture 4" descr="Страховая группа &quot;СОГАЗ&quot; | Рады приветствовать вас в официальном сообществе  АО «СОГАЗ». Уже 30 лет мы заботимся о з.. 2024 | ВКонтакте"/>
+          <p:cNvPicPr>
+            <a:picLocks noChangeAspect="1" noChangeArrowheads="1"/>
+          </p:cNvPicPr>
+          <p:nvPr/>
+        </p:nvPicPr>
+        <p:blipFill>
+          <a:blip r:embed="rId2">
+            <a:extLst>
+              <a:ext uri="{28A0092B-C50C-407E-A947-70E740481C1C}">
+                <a14:useLocalDpi xmlns:a14="http://schemas.microsoft.com/office/drawing/2010/main" val="0"/>
+              </a:ext>
+            </a:extLst>
+          </a:blip>
+          <a:srcRect/>
+          <a:stretch>
+            <a:fillRect/>
+          </a:stretch>
+        </p:blipFill>
+        <p:spPr bwMode="auto">
+          <a:xfrm>
+            <a:off x="601934" y="0"/>
+            <a:ext cx="11013284" cy="4405313"/>
+          </a:xfrm>
+          <a:prstGeom prst="rect">
+            <a:avLst/>
+          </a:prstGeom>
+          <a:noFill/>
+          <a:extLst>
+            <a:ext uri="{909E8E84-426E-40DD-AFC4-6F175D3DCCD1}">
+              <a14:hiddenFill xmlns:a14="http://schemas.microsoft.com/office/drawing/2010/main">
+                <a:solidFill>
+                  <a:srgbClr val="FFFFFF"/>
+                </a:solidFill>
+              </a14:hiddenFill>
+            </a:ext>
+          </a:extLst>
+        </p:spPr>
+      </p:pic>
     </p:spTree>
     <p:extLst>
       <p:ext uri="{BB962C8B-B14F-4D97-AF65-F5344CB8AC3E}">
-        <p14:creationId xmlns:p14="http://schemas.microsoft.com/office/powerpoint/2010/main" val="1701062938"/>
+        <p14:creationId xmlns:p14="http://schemas.microsoft.com/office/powerpoint/2010/main" val="3631986537"/>
       </p:ext>
     </p:extLst>
   </p:cSld>
   <p:clrMapOvr>
     <a:masterClrMapping/>
   </p:clrMapOvr>
+  <p:timing>
+    <p:tnLst>
+      <p:par>
+        <p:cTn id="1" dur="indefinite" restart="never" nodeType="tmRoot"/>
+      </p:par>
+    </p:tnLst>
+  </p:timing>
 </p:sld>
 </file>
 
@@ -3641,150 +6446,86 @@
             <p:ph type="title"/>
           </p:nvPr>
         </p:nvSpPr>
-        <p:spPr/>
-        <p:txBody>
-          <a:bodyPr/>
-          <a:lstStyle/>
-          <a:p>
-            <a:endParaRPr lang="ru-RU"/>
-          </a:p>
-        </p:txBody>
-      </p:sp>
-      <p:sp>
-        <p:nvSpPr>
-          <p:cNvPr id="3" name="Объект 2"/>
-          <p:cNvSpPr>
-            <a:spLocks noGrp="1"/>
-          </p:cNvSpPr>
-          <p:nvPr>
-            <p:ph idx="1"/>
-          </p:nvPr>
-        </p:nvSpPr>
-        <p:spPr/>
-        <p:txBody>
-          <a:bodyPr>
-            <a:normAutofit fontScale="70000" lnSpcReduction="20000"/>
-          </a:bodyPr>
-          <a:lstStyle/>
-          <a:p>
-            <a:r>
-              <a:rPr lang="en-US" b="1" dirty="0" smtClean="0"/>
-              <a:t>Slide 5: Future Prospects</a:t>
-            </a:r>
-          </a:p>
-          <a:p>
-            <a:r>
-              <a:rPr lang="en-US" b="1" dirty="0" smtClean="0"/>
-              <a:t>English:</a:t>
-            </a:r>
-            <a:endParaRPr lang="en-US" dirty="0" smtClean="0"/>
-          </a:p>
-          <a:p>
-            <a:r>
-              <a:rPr lang="en-US" b="1" dirty="0" smtClean="0"/>
-              <a:t>Innovation and Growth</a:t>
-            </a:r>
-            <a:endParaRPr lang="en-US" dirty="0" smtClean="0"/>
-          </a:p>
-          <a:p>
-            <a:pPr lvl="1"/>
+        <p:spPr>
+          <a:xfrm>
+            <a:off x="896895" y="5513388"/>
+            <a:ext cx="10353761" cy="1326321"/>
+          </a:xfrm>
+        </p:spPr>
+        <p:txBody>
+          <a:bodyPr/>
+          <a:lstStyle/>
+          <a:p>
+            <a:r>
+              <a:rPr lang="en-US" dirty="0"/>
+              <a:t>Awards and </a:t>
+            </a:r>
             <a:r>
               <a:rPr lang="en-US" dirty="0" smtClean="0"/>
-              <a:t>Focus on digital transformation and advanced analytics.</a:t>
-            </a:r>
-          </a:p>
-          <a:p>
-            <a:pPr lvl="1"/>
-            <a:r>
-              <a:rPr lang="en-US" dirty="0" smtClean="0"/>
-              <a:t>Expansion of international operations.</a:t>
-            </a:r>
-          </a:p>
-          <a:p>
-            <a:r>
-              <a:rPr lang="en-US" b="1" dirty="0" smtClean="0"/>
-              <a:t>Commitment to Sustainability</a:t>
-            </a:r>
-            <a:endParaRPr lang="en-US" dirty="0" smtClean="0"/>
-          </a:p>
-          <a:p>
-            <a:pPr lvl="1"/>
-            <a:r>
-              <a:rPr lang="en-US" dirty="0" smtClean="0"/>
-              <a:t>Developing sustainable insurance products.</a:t>
-            </a:r>
-          </a:p>
-          <a:p>
-            <a:pPr lvl="1"/>
-            <a:r>
-              <a:rPr lang="en-US" dirty="0" smtClean="0"/>
-              <a:t>Supporting social and environmental initiatives.</a:t>
-            </a:r>
-          </a:p>
-          <a:p>
-            <a:r>
-              <a:rPr lang="en-US" b="1" dirty="0" smtClean="0"/>
-              <a:t>Russian:</a:t>
-            </a:r>
-            <a:endParaRPr lang="en-US" dirty="0" smtClean="0"/>
-          </a:p>
-          <a:p>
-            <a:r>
-              <a:rPr lang="ru-RU" b="1" dirty="0" smtClean="0"/>
-              <a:t>Перспективы развития</a:t>
-            </a:r>
-            <a:endParaRPr lang="ru-RU" dirty="0" smtClean="0"/>
-          </a:p>
-          <a:p>
-            <a:pPr lvl="1"/>
-            <a:r>
-              <a:rPr lang="ru-RU" dirty="0" smtClean="0"/>
-              <a:t>Акцент на цифровую трансформацию и использование передовой аналитики.</a:t>
-            </a:r>
-          </a:p>
-          <a:p>
-            <a:pPr lvl="1"/>
-            <a:r>
-              <a:rPr lang="ru-RU" dirty="0" smtClean="0"/>
-              <a:t>Расширение международной деятельности.</a:t>
-            </a:r>
-          </a:p>
-          <a:p>
-            <a:r>
-              <a:rPr lang="ru-RU" b="1" dirty="0" smtClean="0"/>
-              <a:t>Приверженность устойчивому развитию</a:t>
-            </a:r>
-            <a:endParaRPr lang="ru-RU" dirty="0" smtClean="0"/>
-          </a:p>
-          <a:p>
-            <a:pPr lvl="1"/>
-            <a:r>
-              <a:rPr lang="ru-RU" dirty="0" smtClean="0"/>
-              <a:t>Разработка страховых продуктов с учетом принципов устойчивости.</a:t>
-            </a:r>
-          </a:p>
-          <a:p>
-            <a:pPr lvl="1"/>
-            <a:r>
-              <a:rPr lang="ru-RU" dirty="0" smtClean="0"/>
-              <a:t>Поддержка социальных и экологических инициатив.</a:t>
-            </a:r>
-          </a:p>
-          <a:p>
+              <a:t>Accolades</a:t>
+            </a:r>
             <a:endParaRPr lang="ru-RU" dirty="0"/>
           </a:p>
         </p:txBody>
       </p:sp>
+      <p:pic>
+        <p:nvPicPr>
+          <p:cNvPr id="4100" name="Picture 4" descr="Цифровые новости страховой компании «СОГАЗ-Мед»"/>
+          <p:cNvPicPr>
+            <a:picLocks noChangeAspect="1" noChangeArrowheads="1"/>
+          </p:cNvPicPr>
+          <p:nvPr/>
+        </p:nvPicPr>
+        <p:blipFill>
+          <a:blip r:embed="rId2">
+            <a:extLst>
+              <a:ext uri="{28A0092B-C50C-407E-A947-70E740481C1C}">
+                <a14:useLocalDpi xmlns:a14="http://schemas.microsoft.com/office/drawing/2010/main" val="0"/>
+              </a:ext>
+            </a:extLst>
+          </a:blip>
+          <a:srcRect/>
+          <a:stretch>
+            <a:fillRect/>
+          </a:stretch>
+        </p:blipFill>
+        <p:spPr bwMode="auto">
+          <a:xfrm>
+            <a:off x="1952625" y="18520"/>
+            <a:ext cx="8242300" cy="5494868"/>
+          </a:xfrm>
+          <a:prstGeom prst="rect">
+            <a:avLst/>
+          </a:prstGeom>
+          <a:noFill/>
+          <a:extLst>
+            <a:ext uri="{909E8E84-426E-40DD-AFC4-6F175D3DCCD1}">
+              <a14:hiddenFill xmlns:a14="http://schemas.microsoft.com/office/drawing/2010/main">
+                <a:solidFill>
+                  <a:srgbClr val="FFFFFF"/>
+                </a:solidFill>
+              </a14:hiddenFill>
+            </a:ext>
+          </a:extLst>
+        </p:spPr>
+      </p:pic>
     </p:spTree>
     <p:extLst>
       <p:ext uri="{BB962C8B-B14F-4D97-AF65-F5344CB8AC3E}">
-        <p14:creationId xmlns:p14="http://schemas.microsoft.com/office/powerpoint/2010/main" val="4240543713"/>
+        <p14:creationId xmlns:p14="http://schemas.microsoft.com/office/powerpoint/2010/main" val="1701062938"/>
       </p:ext>
     </p:extLst>
   </p:cSld>
   <p:clrMapOvr>
     <a:masterClrMapping/>
   </p:clrMapOvr>
+  <p:timing>
+    <p:tnLst>
+      <p:par>
+        <p:cTn id="1" dur="indefinite" restart="never" nodeType="tmRoot"/>
+      </p:par>
+    </p:tnLst>
+  </p:timing>
 </p:sld>
 </file>
 
@@ -3815,12 +6556,114 @@
             <p:ph type="title"/>
           </p:nvPr>
         </p:nvSpPr>
-        <p:spPr/>
-        <p:txBody>
-          <a:bodyPr/>
-          <a:lstStyle/>
-          <a:p>
-            <a:endParaRPr lang="ru-RU"/>
+        <p:spPr>
+          <a:xfrm>
+            <a:off x="880457" y="5531679"/>
+            <a:ext cx="10353761" cy="1326321"/>
+          </a:xfrm>
+        </p:spPr>
+        <p:txBody>
+          <a:bodyPr/>
+          <a:lstStyle/>
+          <a:p>
+            <a:r>
+              <a:rPr lang="en-US" dirty="0"/>
+              <a:t>Innovation and </a:t>
+            </a:r>
+            <a:r>
+              <a:rPr lang="en-US" dirty="0" smtClean="0"/>
+              <a:t>Growth</a:t>
+            </a:r>
+            <a:endParaRPr lang="ru-RU" dirty="0"/>
+          </a:p>
+        </p:txBody>
+      </p:sp>
+      <p:pic>
+        <p:nvPicPr>
+          <p:cNvPr id="4" name="Рисунок 3"/>
+          <p:cNvPicPr>
+            <a:picLocks noChangeAspect="1"/>
+          </p:cNvPicPr>
+          <p:nvPr/>
+        </p:nvPicPr>
+        <p:blipFill>
+          <a:blip r:embed="rId2"/>
+          <a:stretch>
+            <a:fillRect/>
+          </a:stretch>
+        </p:blipFill>
+        <p:spPr>
+          <a:xfrm>
+            <a:off x="547059" y="0"/>
+            <a:ext cx="11020556" cy="5310189"/>
+          </a:xfrm>
+          <a:prstGeom prst="rect">
+            <a:avLst/>
+          </a:prstGeom>
+        </p:spPr>
+      </p:pic>
+    </p:spTree>
+    <p:extLst>
+      <p:ext uri="{BB962C8B-B14F-4D97-AF65-F5344CB8AC3E}">
+        <p14:creationId xmlns:p14="http://schemas.microsoft.com/office/powerpoint/2010/main" val="4240543713"/>
+      </p:ext>
+    </p:extLst>
+  </p:cSld>
+  <p:clrMapOvr>
+    <a:masterClrMapping/>
+  </p:clrMapOvr>
+  <p:timing>
+    <p:tnLst>
+      <p:par>
+        <p:cTn id="1" dur="indefinite" restart="never" nodeType="tmRoot"/>
+      </p:par>
+    </p:tnLst>
+  </p:timing>
+</p:sld>
+</file>
+
+<file path=ppt/slides/slide7.xml><?xml version="1.0" encoding="utf-8"?>
+<p:sld xmlns:a="http://schemas.openxmlformats.org/drawingml/2006/main" xmlns:r="http://schemas.openxmlformats.org/officeDocument/2006/relationships" xmlns:p="http://schemas.openxmlformats.org/presentationml/2006/main">
+  <p:cSld>
+    <p:spTree>
+      <p:nvGrpSpPr>
+        <p:cNvPr id="1" name=""/>
+        <p:cNvGrpSpPr/>
+        <p:nvPr/>
+      </p:nvGrpSpPr>
+      <p:grpSpPr>
+        <a:xfrm>
+          <a:off x="0" y="0"/>
+          <a:ext cx="0" cy="0"/>
+          <a:chOff x="0" y="0"/>
+          <a:chExt cx="0" cy="0"/>
+        </a:xfrm>
+      </p:grpSpPr>
+      <p:sp>
+        <p:nvSpPr>
+          <p:cNvPr id="2" name="Заголовок 1"/>
+          <p:cNvSpPr>
+            <a:spLocks noGrp="1"/>
+          </p:cNvSpPr>
+          <p:nvPr>
+            <p:ph type="title"/>
+          </p:nvPr>
+        </p:nvSpPr>
+        <p:spPr>
+          <a:xfrm>
+            <a:off x="913795" y="2509838"/>
+            <a:ext cx="10353761" cy="1326321"/>
+          </a:xfrm>
+        </p:spPr>
+        <p:txBody>
+          <a:bodyPr/>
+          <a:lstStyle/>
+          <a:p>
+            <a:r>
+              <a:rPr lang="en-US" dirty="0"/>
+              <a:t>Thanks for watching</a:t>
+            </a:r>
+            <a:endParaRPr lang="ru-RU" dirty="0"/>
           </a:p>
         </p:txBody>
       </p:sp>
@@ -3834,12 +6677,17 @@
             <p:ph idx="1"/>
           </p:nvPr>
         </p:nvSpPr>
-        <p:spPr/>
-        <p:txBody>
-          <a:bodyPr/>
-          <a:lstStyle/>
-          <a:p>
-            <a:endParaRPr lang="ru-RU"/>
+        <p:spPr>
+          <a:xfrm>
+            <a:off x="1562099" y="5224462"/>
+            <a:ext cx="9705457" cy="566737"/>
+          </a:xfrm>
+        </p:spPr>
+        <p:txBody>
+          <a:bodyPr/>
+          <a:lstStyle/>
+          <a:p>
+            <a:endParaRPr lang="ru-RU" dirty="0"/>
           </a:p>
         </p:txBody>
       </p:sp>
@@ -3853,13 +6701,20 @@
   <p:clrMapOvr>
     <a:masterClrMapping/>
   </p:clrMapOvr>
+  <p:timing>
+    <p:tnLst>
+      <p:par>
+        <p:cTn id="1" dur="indefinite" restart="never" nodeType="tmRoot"/>
+      </p:par>
+    </p:tnLst>
+  </p:timing>
 </p:sld>
 </file>
 
 <file path=ppt/theme/theme1.xml><?xml version="1.0" encoding="utf-8"?>
-<a:theme xmlns:a="http://schemas.openxmlformats.org/drawingml/2006/main" name="Тема Office">
+<a:theme xmlns:a="http://schemas.openxmlformats.org/drawingml/2006/main" name="Damask">
   <a:themeElements>
-    <a:clrScheme name="Стандартная">
+    <a:clrScheme name="Damask">
       <a:dk1>
         <a:sysClr val="windowText" lastClr="000000"/>
       </a:dk1>
@@ -3867,44 +6722,44 @@
         <a:sysClr val="window" lastClr="FFFFFF"/>
       </a:lt1>
       <a:dk2>
-        <a:srgbClr val="44546A"/>
+        <a:srgbClr val="2A5B7F"/>
       </a:dk2>
       <a:lt2>
-        <a:srgbClr val="E7E6E6"/>
+        <a:srgbClr val="ABDAFC"/>
       </a:lt2>
       <a:accent1>
-        <a:srgbClr val="5B9BD5"/>
+        <a:srgbClr val="9EC544"/>
       </a:accent1>
       <a:accent2>
-        <a:srgbClr val="ED7D31"/>
+        <a:srgbClr val="50BEA3"/>
       </a:accent2>
       <a:accent3>
-        <a:srgbClr val="A5A5A5"/>
+        <a:srgbClr val="4A9CCC"/>
       </a:accent3>
       <a:accent4>
-        <a:srgbClr val="FFC000"/>
+        <a:srgbClr val="9A66CA"/>
       </a:accent4>
       <a:accent5>
-        <a:srgbClr val="4472C4"/>
+        <a:srgbClr val="C54F71"/>
       </a:accent5>
       <a:accent6>
-        <a:srgbClr val="70AD47"/>
+        <a:srgbClr val="DE9C3C"/>
       </a:accent6>
       <a:hlink>
-        <a:srgbClr val="0563C1"/>
+        <a:srgbClr val="6BA9DA"/>
       </a:hlink>
       <a:folHlink>
-        <a:srgbClr val="954F72"/>
+        <a:srgbClr val="A0BCD3"/>
       </a:folHlink>
     </a:clrScheme>
-    <a:fontScheme name="Стандартная">
+    <a:fontScheme name="Damask">
       <a:majorFont>
-        <a:latin typeface="Calibri Light" panose="020F0302020204030204"/>
+        <a:latin typeface="Bookman Old Style" panose="02050604050505020204"/>
         <a:ea typeface=""/>
         <a:cs typeface=""/>
-        <a:font script="Jpan" typeface="游ゴシック Light"/>
+        <a:font script="Jpan" typeface="ＭＳ Ｐゴシック"/>
         <a:font script="Hang" typeface="맑은 고딕"/>
-        <a:font script="Hans" typeface="等线 Light"/>
+        <a:font script="Hans" typeface="宋体"/>
         <a:font script="Hant" typeface="新細明體"/>
         <a:font script="Arab" typeface="Times New Roman"/>
         <a:font script="Hebr" typeface="Times New Roman"/>
@@ -3934,12 +6789,12 @@
         <a:font script="Geor" typeface="Sylfaen"/>
       </a:majorFont>
       <a:minorFont>
-        <a:latin typeface="Calibri" panose="020F0502020204030204"/>
+        <a:latin typeface="Rockwell" panose="02060603020205020403"/>
         <a:ea typeface=""/>
         <a:cs typeface=""/>
-        <a:font script="Jpan" typeface="游ゴシック"/>
+        <a:font script="Jpan" typeface="ＭＳ Ｐゴシック"/>
         <a:font script="Hang" typeface="맑은 고딕"/>
-        <a:font script="Hans" typeface="等线"/>
+        <a:font script="Hans" typeface="宋体"/>
         <a:font script="Hant" typeface="新細明體"/>
         <a:font script="Arab" typeface="Arial"/>
         <a:font script="Hebr" typeface="Arial"/>
@@ -3969,7 +6824,7 @@
         <a:font script="Geor" typeface="Sylfaen"/>
       </a:minorFont>
     </a:fontScheme>
-    <a:fmtScheme name="Стандартная">
+    <a:fmtScheme name="Damask">
       <a:fillStyleLst>
         <a:solidFill>
           <a:schemeClr val="phClr"/>
@@ -3978,23 +6833,16 @@
           <a:gsLst>
             <a:gs pos="0">
               <a:schemeClr val="phClr">
+                <a:tint val="48000"/>
+                <a:satMod val="105000"/>
                 <a:lumMod val="110000"/>
-                <a:satMod val="105000"/>
-                <a:tint val="67000"/>
-              </a:schemeClr>
-            </a:gs>
-            <a:gs pos="50000">
-              <a:schemeClr val="phClr">
-                <a:lumMod val="105000"/>
-                <a:satMod val="103000"/>
-                <a:tint val="73000"/>
               </a:schemeClr>
             </a:gs>
             <a:gs pos="100000">
               <a:schemeClr val="phClr">
-                <a:lumMod val="105000"/>
+                <a:tint val="78000"/>
                 <a:satMod val="109000"/>
-                <a:tint val="81000"/>
+                <a:lumMod val="100000"/>
               </a:schemeClr>
             </a:gs>
           </a:gsLst>
@@ -4004,23 +6852,23 @@
           <a:gsLst>
             <a:gs pos="0">
               <a:schemeClr val="phClr">
-                <a:satMod val="103000"/>
-                <a:lumMod val="102000"/>
                 <a:tint val="94000"/>
+                <a:satMod val="100000"/>
+                <a:lumMod val="104000"/>
               </a:schemeClr>
             </a:gs>
-            <a:gs pos="50000">
+            <a:gs pos="69000">
               <a:schemeClr val="phClr">
-                <a:satMod val="110000"/>
-                <a:lumMod val="100000"/>
-                <a:shade val="100000"/>
+                <a:shade val="86000"/>
+                <a:satMod val="130000"/>
+                <a:lumMod val="102000"/>
               </a:schemeClr>
             </a:gs>
             <a:gs pos="100000">
               <a:schemeClr val="phClr">
-                <a:lumMod val="99000"/>
-                <a:satMod val="120000"/>
-                <a:shade val="78000"/>
+                <a:shade val="72000"/>
+                <a:satMod val="130000"/>
+                <a:lumMod val="100000"/>
               </a:schemeClr>
             </a:gs>
           </a:gsLst>
@@ -4028,26 +6876,23 @@
         </a:gradFill>
       </a:fillStyleLst>
       <a:lnStyleLst>
-        <a:ln w="6350" cap="flat" cmpd="sng" algn="ctr">
-          <a:solidFill>
-            <a:schemeClr val="phClr"/>
-          </a:solidFill>
-          <a:prstDash val="solid"/>
-          <a:miter lim="800000"/>
-        </a:ln>
         <a:ln w="12700" cap="flat" cmpd="sng" algn="ctr">
           <a:solidFill>
             <a:schemeClr val="phClr"/>
           </a:solidFill>
           <a:prstDash val="solid"/>
-          <a:miter lim="800000"/>
         </a:ln>
         <a:ln w="19050" cap="flat" cmpd="sng" algn="ctr">
           <a:solidFill>
             <a:schemeClr val="phClr"/>
           </a:solidFill>
           <a:prstDash val="solid"/>
-          <a:miter lim="800000"/>
+        </a:ln>
+        <a:ln w="25400" cap="flat" cmpd="sng" algn="ctr">
+          <a:solidFill>
+            <a:schemeClr val="phClr"/>
+          </a:solidFill>
+          <a:prstDash val="solid"/>
         </a:ln>
       </a:lnStyleLst>
       <a:effectStyleLst>
@@ -4055,16 +6900,31 @@
           <a:effectLst/>
         </a:effectStyle>
         <a:effectStyle>
-          <a:effectLst/>
+          <a:effectLst>
+            <a:outerShdw blurRad="50800" dist="38100" dir="5400000" sy="96000" rotWithShape="0">
+              <a:srgbClr val="000000">
+                <a:alpha val="54000"/>
+              </a:srgbClr>
+            </a:outerShdw>
+          </a:effectLst>
         </a:effectStyle>
         <a:effectStyle>
           <a:effectLst>
-            <a:outerShdw blurRad="57150" dist="19050" dir="5400000" algn="ctr" rotWithShape="0">
+            <a:outerShdw blurRad="76200" dist="38100" dir="5400000" algn="ctr" rotWithShape="0">
               <a:srgbClr val="000000">
-                <a:alpha val="63000"/>
+                <a:alpha val="76000"/>
               </a:srgbClr>
             </a:outerShdw>
           </a:effectLst>
+          <a:scene3d>
+            <a:camera prst="orthographicFront">
+              <a:rot lat="0" lon="0" rev="0"/>
+            </a:camera>
+            <a:lightRig rig="balanced" dir="t"/>
+          </a:scene3d>
+          <a:sp3d prstMaterial="matte">
+            <a:bevelT w="25400" h="25400" prst="relaxedInset"/>
+          </a:sp3d>
         </a:effectStyle>
       </a:effectStyleLst>
       <a:bgFillStyleLst>
@@ -4077,33 +6937,23 @@
             <a:satMod val="170000"/>
           </a:schemeClr>
         </a:solidFill>
-        <a:gradFill rotWithShape="1">
-          <a:gsLst>
-            <a:gs pos="0">
+        <a:blipFill rotWithShape="1">
+          <a:blip xmlns:r="http://schemas.openxmlformats.org/officeDocument/2006/relationships" r:embed="rId1">
+            <a:duotone>
               <a:schemeClr val="phClr">
-                <a:tint val="93000"/>
-                <a:satMod val="150000"/>
-                <a:shade val="98000"/>
-                <a:lumMod val="102000"/>
+                <a:shade val="18000"/>
+                <a:satMod val="160000"/>
+                <a:lumMod val="28000"/>
               </a:schemeClr>
-            </a:gs>
-            <a:gs pos="50000">
               <a:schemeClr val="phClr">
-                <a:tint val="98000"/>
-                <a:satMod val="130000"/>
-                <a:shade val="90000"/>
-                <a:lumMod val="103000"/>
+                <a:tint val="95000"/>
+                <a:satMod val="160000"/>
+                <a:lumMod val="116000"/>
               </a:schemeClr>
-            </a:gs>
-            <a:gs pos="100000">
-              <a:schemeClr val="phClr">
-                <a:shade val="63000"/>
-                <a:satMod val="120000"/>
-              </a:schemeClr>
-            </a:gs>
-          </a:gsLst>
-          <a:lin ang="5400000" scaled="0"/>
-        </a:gradFill>
+            </a:duotone>
+          </a:blip>
+          <a:stretch/>
+        </a:blipFill>
       </a:bgFillStyleLst>
     </a:fmtScheme>
   </a:themeElements>
@@ -4111,7 +6961,7 @@
   <a:extraClrSchemeLst/>
   <a:extLst>
     <a:ext uri="{05A4C25C-085E-4340-85A3-A5531E510DB2}">
-      <thm15:themeFamily xmlns:thm15="http://schemas.microsoft.com/office/thememl/2012/main" name="Office Theme" id="{62F939B6-93AF-4DB8-9C6B-D6C7DFDC589F}" vid="{4A3C46E8-61CC-4603-A589-7422A47A8E4A}"/>
+      <thm15:themeFamily xmlns:thm15="http://schemas.microsoft.com/office/thememl/2012/main" name="Damask" id="{F9A299A0-33D0-4E0F-9F3F-7163E3744208}" vid="{746EEEEA-FB6A-406B-B510-531588D54811}"/>
     </a:ext>
   </a:extLst>
 </a:theme>
